--- a/Power Point Files/hotsos_2017 (combined).pptx
+++ b/Power Point Files/hotsos_2017 (combined).pptx
@@ -670,6 +670,2396 @@
     </a:lvl9pPr>
   </p:notesStyle>
 </p:notesMaster>
+</file>
+
+<file path=ppt/notesSlides/notesSlide1.xml><?xml version="1.0" encoding="utf-8"?>
+<p:notes xmlns:a="http://schemas.openxmlformats.org/drawingml/2006/main" xmlns:r="http://schemas.openxmlformats.org/officeDocument/2006/relationships" xmlns:p="http://schemas.openxmlformats.org/presentationml/2006/main">
+  <p:cSld>
+    <p:spTree>
+      <p:nvGrpSpPr>
+        <p:cNvPr id="1" name=""/>
+        <p:cNvGrpSpPr/>
+        <p:nvPr/>
+      </p:nvGrpSpPr>
+      <p:grpSpPr>
+        <a:xfrm>
+          <a:off x="0" y="0"/>
+          <a:ext cx="0" cy="0"/>
+          <a:chOff x="0" y="0"/>
+          <a:chExt cx="0" cy="0"/>
+        </a:xfrm>
+      </p:grpSpPr>
+      <p:sp>
+        <p:nvSpPr>
+          <p:cNvPr id="2" name="Slide Image Placeholder 1"/>
+          <p:cNvSpPr>
+            <a:spLocks noGrp="1" noRot="1" noChangeAspect="1"/>
+          </p:cNvSpPr>
+          <p:nvPr>
+            <p:ph type="sldImg"/>
+          </p:nvPr>
+        </p:nvSpPr>
+        <p:spPr/>
+      </p:sp>
+      <p:sp>
+        <p:nvSpPr>
+          <p:cNvPr id="3" name="Notes Placeholder 2"/>
+          <p:cNvSpPr>
+            <a:spLocks noGrp="1"/>
+          </p:cNvSpPr>
+          <p:nvPr>
+            <p:ph type="body" idx="1"/>
+          </p:nvPr>
+        </p:nvSpPr>
+        <p:spPr/>
+        <p:txBody>
+          <a:bodyPr/>
+          <a:lstStyle/>
+          <a:p>
+            <a:endParaRPr lang="en-US"/>
+          </a:p>
+        </p:txBody>
+      </p:sp>
+      <p:sp>
+        <p:nvSpPr>
+          <p:cNvPr id="4" name="Slide Number Placeholder 3"/>
+          <p:cNvSpPr>
+            <a:spLocks noGrp="1"/>
+          </p:cNvSpPr>
+          <p:nvPr>
+            <p:ph type="sldNum" sz="quarter" idx="10"/>
+          </p:nvPr>
+        </p:nvSpPr>
+        <p:spPr/>
+        <p:txBody>
+          <a:bodyPr/>
+          <a:lstStyle/>
+          <a:p>
+            <a:fld id="{8547E1EE-0039-4797-B978-F453418260D1}" type="slidenum">
+              <a:rPr lang="en-US" smtClean="0"/>
+              <a:pPr/>
+              <a:t>1</a:t>
+            </a:fld>
+            <a:endParaRPr lang="en-US"/>
+          </a:p>
+        </p:txBody>
+      </p:sp>
+    </p:spTree>
+    <p:extLst>
+      <p:ext uri="{BB962C8B-B14F-4D97-AF65-F5344CB8AC3E}">
+        <p14:creationId xmlns:p14="http://schemas.microsoft.com/office/powerpoint/2010/main" val="698665571"/>
+      </p:ext>
+    </p:extLst>
+  </p:cSld>
+  <p:clrMapOvr>
+    <a:masterClrMapping/>
+  </p:clrMapOvr>
+</p:notes>
+</file>
+
+<file path=ppt/notesSlides/notesSlide10.xml><?xml version="1.0" encoding="utf-8"?>
+<p:notes xmlns:a="http://schemas.openxmlformats.org/drawingml/2006/main" xmlns:r="http://schemas.openxmlformats.org/officeDocument/2006/relationships" xmlns:p="http://schemas.openxmlformats.org/presentationml/2006/main">
+  <p:cSld>
+    <p:spTree>
+      <p:nvGrpSpPr>
+        <p:cNvPr id="1" name=""/>
+        <p:cNvGrpSpPr/>
+        <p:nvPr/>
+      </p:nvGrpSpPr>
+      <p:grpSpPr>
+        <a:xfrm>
+          <a:off x="0" y="0"/>
+          <a:ext cx="0" cy="0"/>
+          <a:chOff x="0" y="0"/>
+          <a:chExt cx="0" cy="0"/>
+        </a:xfrm>
+      </p:grpSpPr>
+      <p:sp>
+        <p:nvSpPr>
+          <p:cNvPr id="2" name="Slide Image Placeholder 1"/>
+          <p:cNvSpPr>
+            <a:spLocks noGrp="1" noRot="1" noChangeAspect="1"/>
+          </p:cNvSpPr>
+          <p:nvPr>
+            <p:ph type="sldImg"/>
+          </p:nvPr>
+        </p:nvSpPr>
+        <p:spPr/>
+      </p:sp>
+      <p:sp>
+        <p:nvSpPr>
+          <p:cNvPr id="3" name="Notes Placeholder 2"/>
+          <p:cNvSpPr>
+            <a:spLocks noGrp="1"/>
+          </p:cNvSpPr>
+          <p:nvPr>
+            <p:ph type="body" idx="1"/>
+          </p:nvPr>
+        </p:nvSpPr>
+        <p:spPr/>
+        <p:txBody>
+          <a:bodyPr/>
+          <a:lstStyle/>
+          <a:p>
+            <a:endParaRPr lang="en-US"/>
+          </a:p>
+        </p:txBody>
+      </p:sp>
+      <p:sp>
+        <p:nvSpPr>
+          <p:cNvPr id="4" name="Slide Number Placeholder 3"/>
+          <p:cNvSpPr>
+            <a:spLocks noGrp="1"/>
+          </p:cNvSpPr>
+          <p:nvPr>
+            <p:ph type="sldNum" sz="quarter" idx="10"/>
+          </p:nvPr>
+        </p:nvSpPr>
+        <p:spPr/>
+        <p:txBody>
+          <a:bodyPr/>
+          <a:lstStyle/>
+          <a:p>
+            <a:fld id="{8547E1EE-0039-4797-B978-F453418260D1}" type="slidenum">
+              <a:rPr lang="en-US" smtClean="0"/>
+              <a:pPr/>
+              <a:t>10</a:t>
+            </a:fld>
+            <a:endParaRPr lang="en-US"/>
+          </a:p>
+        </p:txBody>
+      </p:sp>
+    </p:spTree>
+    <p:extLst>
+      <p:ext uri="{BB962C8B-B14F-4D97-AF65-F5344CB8AC3E}">
+        <p14:creationId xmlns:p14="http://schemas.microsoft.com/office/powerpoint/2010/main" val="2717758803"/>
+      </p:ext>
+    </p:extLst>
+  </p:cSld>
+  <p:clrMapOvr>
+    <a:masterClrMapping/>
+  </p:clrMapOvr>
+</p:notes>
+</file>
+
+<file path=ppt/notesSlides/notesSlide11.xml><?xml version="1.0" encoding="utf-8"?>
+<p:notes xmlns:a="http://schemas.openxmlformats.org/drawingml/2006/main" xmlns:r="http://schemas.openxmlformats.org/officeDocument/2006/relationships" xmlns:p="http://schemas.openxmlformats.org/presentationml/2006/main">
+  <p:cSld>
+    <p:spTree>
+      <p:nvGrpSpPr>
+        <p:cNvPr id="1" name=""/>
+        <p:cNvGrpSpPr/>
+        <p:nvPr/>
+      </p:nvGrpSpPr>
+      <p:grpSpPr>
+        <a:xfrm>
+          <a:off x="0" y="0"/>
+          <a:ext cx="0" cy="0"/>
+          <a:chOff x="0" y="0"/>
+          <a:chExt cx="0" cy="0"/>
+        </a:xfrm>
+      </p:grpSpPr>
+      <p:sp>
+        <p:nvSpPr>
+          <p:cNvPr id="2" name="Slide Image Placeholder 1"/>
+          <p:cNvSpPr>
+            <a:spLocks noGrp="1" noRot="1" noChangeAspect="1"/>
+          </p:cNvSpPr>
+          <p:nvPr>
+            <p:ph type="sldImg"/>
+          </p:nvPr>
+        </p:nvSpPr>
+        <p:spPr/>
+      </p:sp>
+      <p:sp>
+        <p:nvSpPr>
+          <p:cNvPr id="3" name="Notes Placeholder 2"/>
+          <p:cNvSpPr>
+            <a:spLocks noGrp="1"/>
+          </p:cNvSpPr>
+          <p:nvPr>
+            <p:ph type="body" idx="1"/>
+          </p:nvPr>
+        </p:nvSpPr>
+        <p:spPr/>
+        <p:txBody>
+          <a:bodyPr/>
+          <a:lstStyle/>
+          <a:p>
+            <a:endParaRPr lang="en-US"/>
+          </a:p>
+        </p:txBody>
+      </p:sp>
+      <p:sp>
+        <p:nvSpPr>
+          <p:cNvPr id="4" name="Slide Number Placeholder 3"/>
+          <p:cNvSpPr>
+            <a:spLocks noGrp="1"/>
+          </p:cNvSpPr>
+          <p:nvPr>
+            <p:ph type="sldNum" sz="quarter" idx="10"/>
+          </p:nvPr>
+        </p:nvSpPr>
+        <p:spPr/>
+        <p:txBody>
+          <a:bodyPr/>
+          <a:lstStyle/>
+          <a:p>
+            <a:fld id="{8547E1EE-0039-4797-B978-F453418260D1}" type="slidenum">
+              <a:rPr lang="en-US" smtClean="0"/>
+              <a:pPr/>
+              <a:t>11</a:t>
+            </a:fld>
+            <a:endParaRPr lang="en-US"/>
+          </a:p>
+        </p:txBody>
+      </p:sp>
+    </p:spTree>
+    <p:extLst>
+      <p:ext uri="{BB962C8B-B14F-4D97-AF65-F5344CB8AC3E}">
+        <p14:creationId xmlns:p14="http://schemas.microsoft.com/office/powerpoint/2010/main" val="2071479967"/>
+      </p:ext>
+    </p:extLst>
+  </p:cSld>
+  <p:clrMapOvr>
+    <a:masterClrMapping/>
+  </p:clrMapOvr>
+</p:notes>
+</file>
+
+<file path=ppt/notesSlides/notesSlide12.xml><?xml version="1.0" encoding="utf-8"?>
+<p:notes xmlns:a="http://schemas.openxmlformats.org/drawingml/2006/main" xmlns:r="http://schemas.openxmlformats.org/officeDocument/2006/relationships" xmlns:p="http://schemas.openxmlformats.org/presentationml/2006/main">
+  <p:cSld>
+    <p:spTree>
+      <p:nvGrpSpPr>
+        <p:cNvPr id="1" name=""/>
+        <p:cNvGrpSpPr/>
+        <p:nvPr/>
+      </p:nvGrpSpPr>
+      <p:grpSpPr>
+        <a:xfrm>
+          <a:off x="0" y="0"/>
+          <a:ext cx="0" cy="0"/>
+          <a:chOff x="0" y="0"/>
+          <a:chExt cx="0" cy="0"/>
+        </a:xfrm>
+      </p:grpSpPr>
+      <p:sp>
+        <p:nvSpPr>
+          <p:cNvPr id="2" name="Slide Image Placeholder 1"/>
+          <p:cNvSpPr>
+            <a:spLocks noGrp="1" noRot="1" noChangeAspect="1"/>
+          </p:cNvSpPr>
+          <p:nvPr>
+            <p:ph type="sldImg"/>
+          </p:nvPr>
+        </p:nvSpPr>
+        <p:spPr/>
+      </p:sp>
+      <p:sp>
+        <p:nvSpPr>
+          <p:cNvPr id="3" name="Notes Placeholder 2"/>
+          <p:cNvSpPr>
+            <a:spLocks noGrp="1"/>
+          </p:cNvSpPr>
+          <p:nvPr>
+            <p:ph type="body" idx="1"/>
+          </p:nvPr>
+        </p:nvSpPr>
+        <p:spPr/>
+        <p:txBody>
+          <a:bodyPr/>
+          <a:lstStyle/>
+          <a:p>
+            <a:endParaRPr lang="en-US"/>
+          </a:p>
+        </p:txBody>
+      </p:sp>
+      <p:sp>
+        <p:nvSpPr>
+          <p:cNvPr id="4" name="Slide Number Placeholder 3"/>
+          <p:cNvSpPr>
+            <a:spLocks noGrp="1"/>
+          </p:cNvSpPr>
+          <p:nvPr>
+            <p:ph type="sldNum" sz="quarter" idx="10"/>
+          </p:nvPr>
+        </p:nvSpPr>
+        <p:spPr/>
+        <p:txBody>
+          <a:bodyPr/>
+          <a:lstStyle/>
+          <a:p>
+            <a:fld id="{8547E1EE-0039-4797-B978-F453418260D1}" type="slidenum">
+              <a:rPr lang="en-US" smtClean="0"/>
+              <a:pPr/>
+              <a:t>12</a:t>
+            </a:fld>
+            <a:endParaRPr lang="en-US"/>
+          </a:p>
+        </p:txBody>
+      </p:sp>
+    </p:spTree>
+    <p:extLst>
+      <p:ext uri="{BB962C8B-B14F-4D97-AF65-F5344CB8AC3E}">
+        <p14:creationId xmlns:p14="http://schemas.microsoft.com/office/powerpoint/2010/main" val="2458416894"/>
+      </p:ext>
+    </p:extLst>
+  </p:cSld>
+  <p:clrMapOvr>
+    <a:masterClrMapping/>
+  </p:clrMapOvr>
+</p:notes>
+</file>
+
+<file path=ppt/notesSlides/notesSlide13.xml><?xml version="1.0" encoding="utf-8"?>
+<p:notes xmlns:a="http://schemas.openxmlformats.org/drawingml/2006/main" xmlns:r="http://schemas.openxmlformats.org/officeDocument/2006/relationships" xmlns:p="http://schemas.openxmlformats.org/presentationml/2006/main">
+  <p:cSld>
+    <p:spTree>
+      <p:nvGrpSpPr>
+        <p:cNvPr id="1" name=""/>
+        <p:cNvGrpSpPr/>
+        <p:nvPr/>
+      </p:nvGrpSpPr>
+      <p:grpSpPr>
+        <a:xfrm>
+          <a:off x="0" y="0"/>
+          <a:ext cx="0" cy="0"/>
+          <a:chOff x="0" y="0"/>
+          <a:chExt cx="0" cy="0"/>
+        </a:xfrm>
+      </p:grpSpPr>
+      <p:sp>
+        <p:nvSpPr>
+          <p:cNvPr id="2" name="Slide Image Placeholder 1"/>
+          <p:cNvSpPr>
+            <a:spLocks noGrp="1" noRot="1" noChangeAspect="1"/>
+          </p:cNvSpPr>
+          <p:nvPr>
+            <p:ph type="sldImg"/>
+          </p:nvPr>
+        </p:nvSpPr>
+        <p:spPr/>
+      </p:sp>
+      <p:sp>
+        <p:nvSpPr>
+          <p:cNvPr id="3" name="Notes Placeholder 2"/>
+          <p:cNvSpPr>
+            <a:spLocks noGrp="1"/>
+          </p:cNvSpPr>
+          <p:nvPr>
+            <p:ph type="body" idx="1"/>
+          </p:nvPr>
+        </p:nvSpPr>
+        <p:spPr/>
+        <p:txBody>
+          <a:bodyPr/>
+          <a:lstStyle/>
+          <a:p>
+            <a:endParaRPr lang="en-US"/>
+          </a:p>
+        </p:txBody>
+      </p:sp>
+      <p:sp>
+        <p:nvSpPr>
+          <p:cNvPr id="4" name="Slide Number Placeholder 3"/>
+          <p:cNvSpPr>
+            <a:spLocks noGrp="1"/>
+          </p:cNvSpPr>
+          <p:nvPr>
+            <p:ph type="sldNum" sz="quarter" idx="10"/>
+          </p:nvPr>
+        </p:nvSpPr>
+        <p:spPr/>
+        <p:txBody>
+          <a:bodyPr/>
+          <a:lstStyle/>
+          <a:p>
+            <a:fld id="{8547E1EE-0039-4797-B978-F453418260D1}" type="slidenum">
+              <a:rPr lang="en-US" smtClean="0"/>
+              <a:pPr/>
+              <a:t>13</a:t>
+            </a:fld>
+            <a:endParaRPr lang="en-US"/>
+          </a:p>
+        </p:txBody>
+      </p:sp>
+    </p:spTree>
+    <p:extLst>
+      <p:ext uri="{BB962C8B-B14F-4D97-AF65-F5344CB8AC3E}">
+        <p14:creationId xmlns:p14="http://schemas.microsoft.com/office/powerpoint/2010/main" val="1249585975"/>
+      </p:ext>
+    </p:extLst>
+  </p:cSld>
+  <p:clrMapOvr>
+    <a:masterClrMapping/>
+  </p:clrMapOvr>
+</p:notes>
+</file>
+
+<file path=ppt/notesSlides/notesSlide14.xml><?xml version="1.0" encoding="utf-8"?>
+<p:notes xmlns:a="http://schemas.openxmlformats.org/drawingml/2006/main" xmlns:r="http://schemas.openxmlformats.org/officeDocument/2006/relationships" xmlns:p="http://schemas.openxmlformats.org/presentationml/2006/main">
+  <p:cSld>
+    <p:spTree>
+      <p:nvGrpSpPr>
+        <p:cNvPr id="1" name=""/>
+        <p:cNvGrpSpPr/>
+        <p:nvPr/>
+      </p:nvGrpSpPr>
+      <p:grpSpPr>
+        <a:xfrm>
+          <a:off x="0" y="0"/>
+          <a:ext cx="0" cy="0"/>
+          <a:chOff x="0" y="0"/>
+          <a:chExt cx="0" cy="0"/>
+        </a:xfrm>
+      </p:grpSpPr>
+      <p:sp>
+        <p:nvSpPr>
+          <p:cNvPr id="2" name="Slide Image Placeholder 1"/>
+          <p:cNvSpPr>
+            <a:spLocks noGrp="1" noRot="1" noChangeAspect="1"/>
+          </p:cNvSpPr>
+          <p:nvPr>
+            <p:ph type="sldImg"/>
+          </p:nvPr>
+        </p:nvSpPr>
+        <p:spPr/>
+      </p:sp>
+      <p:sp>
+        <p:nvSpPr>
+          <p:cNvPr id="3" name="Notes Placeholder 2"/>
+          <p:cNvSpPr>
+            <a:spLocks noGrp="1"/>
+          </p:cNvSpPr>
+          <p:nvPr>
+            <p:ph type="body" idx="1"/>
+          </p:nvPr>
+        </p:nvSpPr>
+        <p:spPr/>
+        <p:txBody>
+          <a:bodyPr/>
+          <a:lstStyle/>
+          <a:p>
+            <a:endParaRPr lang="en-US"/>
+          </a:p>
+        </p:txBody>
+      </p:sp>
+      <p:sp>
+        <p:nvSpPr>
+          <p:cNvPr id="4" name="Slide Number Placeholder 3"/>
+          <p:cNvSpPr>
+            <a:spLocks noGrp="1"/>
+          </p:cNvSpPr>
+          <p:nvPr>
+            <p:ph type="sldNum" sz="quarter" idx="10"/>
+          </p:nvPr>
+        </p:nvSpPr>
+        <p:spPr/>
+        <p:txBody>
+          <a:bodyPr/>
+          <a:lstStyle/>
+          <a:p>
+            <a:fld id="{8547E1EE-0039-4797-B978-F453418260D1}" type="slidenum">
+              <a:rPr lang="en-US" smtClean="0"/>
+              <a:pPr/>
+              <a:t>14</a:t>
+            </a:fld>
+            <a:endParaRPr lang="en-US"/>
+          </a:p>
+        </p:txBody>
+      </p:sp>
+    </p:spTree>
+    <p:extLst>
+      <p:ext uri="{BB962C8B-B14F-4D97-AF65-F5344CB8AC3E}">
+        <p14:creationId xmlns:p14="http://schemas.microsoft.com/office/powerpoint/2010/main" val="891389806"/>
+      </p:ext>
+    </p:extLst>
+  </p:cSld>
+  <p:clrMapOvr>
+    <a:masterClrMapping/>
+  </p:clrMapOvr>
+</p:notes>
+</file>
+
+<file path=ppt/notesSlides/notesSlide15.xml><?xml version="1.0" encoding="utf-8"?>
+<p:notes xmlns:a="http://schemas.openxmlformats.org/drawingml/2006/main" xmlns:r="http://schemas.openxmlformats.org/officeDocument/2006/relationships" xmlns:p="http://schemas.openxmlformats.org/presentationml/2006/main">
+  <p:cSld>
+    <p:spTree>
+      <p:nvGrpSpPr>
+        <p:cNvPr id="1" name=""/>
+        <p:cNvGrpSpPr/>
+        <p:nvPr/>
+      </p:nvGrpSpPr>
+      <p:grpSpPr>
+        <a:xfrm>
+          <a:off x="0" y="0"/>
+          <a:ext cx="0" cy="0"/>
+          <a:chOff x="0" y="0"/>
+          <a:chExt cx="0" cy="0"/>
+        </a:xfrm>
+      </p:grpSpPr>
+      <p:sp>
+        <p:nvSpPr>
+          <p:cNvPr id="2" name="Slide Image Placeholder 1"/>
+          <p:cNvSpPr>
+            <a:spLocks noGrp="1" noRot="1" noChangeAspect="1"/>
+          </p:cNvSpPr>
+          <p:nvPr>
+            <p:ph type="sldImg"/>
+          </p:nvPr>
+        </p:nvSpPr>
+        <p:spPr/>
+      </p:sp>
+      <p:sp>
+        <p:nvSpPr>
+          <p:cNvPr id="3" name="Notes Placeholder 2"/>
+          <p:cNvSpPr>
+            <a:spLocks noGrp="1"/>
+          </p:cNvSpPr>
+          <p:nvPr>
+            <p:ph type="body" idx="1"/>
+          </p:nvPr>
+        </p:nvSpPr>
+        <p:spPr/>
+        <p:txBody>
+          <a:bodyPr/>
+          <a:lstStyle/>
+          <a:p>
+            <a:endParaRPr lang="en-US"/>
+          </a:p>
+        </p:txBody>
+      </p:sp>
+      <p:sp>
+        <p:nvSpPr>
+          <p:cNvPr id="4" name="Slide Number Placeholder 3"/>
+          <p:cNvSpPr>
+            <a:spLocks noGrp="1"/>
+          </p:cNvSpPr>
+          <p:nvPr>
+            <p:ph type="sldNum" sz="quarter" idx="10"/>
+          </p:nvPr>
+        </p:nvSpPr>
+        <p:spPr/>
+        <p:txBody>
+          <a:bodyPr/>
+          <a:lstStyle/>
+          <a:p>
+            <a:fld id="{8547E1EE-0039-4797-B978-F453418260D1}" type="slidenum">
+              <a:rPr lang="en-US" smtClean="0"/>
+              <a:pPr/>
+              <a:t>15</a:t>
+            </a:fld>
+            <a:endParaRPr lang="en-US"/>
+          </a:p>
+        </p:txBody>
+      </p:sp>
+    </p:spTree>
+    <p:extLst>
+      <p:ext uri="{BB962C8B-B14F-4D97-AF65-F5344CB8AC3E}">
+        <p14:creationId xmlns:p14="http://schemas.microsoft.com/office/powerpoint/2010/main" val="510896548"/>
+      </p:ext>
+    </p:extLst>
+  </p:cSld>
+  <p:clrMapOvr>
+    <a:masterClrMapping/>
+  </p:clrMapOvr>
+</p:notes>
+</file>
+
+<file path=ppt/notesSlides/notesSlide16.xml><?xml version="1.0" encoding="utf-8"?>
+<p:notes xmlns:a="http://schemas.openxmlformats.org/drawingml/2006/main" xmlns:r="http://schemas.openxmlformats.org/officeDocument/2006/relationships" xmlns:p="http://schemas.openxmlformats.org/presentationml/2006/main">
+  <p:cSld>
+    <p:spTree>
+      <p:nvGrpSpPr>
+        <p:cNvPr id="1" name=""/>
+        <p:cNvGrpSpPr/>
+        <p:nvPr/>
+      </p:nvGrpSpPr>
+      <p:grpSpPr>
+        <a:xfrm>
+          <a:off x="0" y="0"/>
+          <a:ext cx="0" cy="0"/>
+          <a:chOff x="0" y="0"/>
+          <a:chExt cx="0" cy="0"/>
+        </a:xfrm>
+      </p:grpSpPr>
+      <p:sp>
+        <p:nvSpPr>
+          <p:cNvPr id="2" name="Slide Image Placeholder 1"/>
+          <p:cNvSpPr>
+            <a:spLocks noGrp="1" noRot="1" noChangeAspect="1"/>
+          </p:cNvSpPr>
+          <p:nvPr>
+            <p:ph type="sldImg"/>
+          </p:nvPr>
+        </p:nvSpPr>
+        <p:spPr/>
+      </p:sp>
+      <p:sp>
+        <p:nvSpPr>
+          <p:cNvPr id="3" name="Notes Placeholder 2"/>
+          <p:cNvSpPr>
+            <a:spLocks noGrp="1"/>
+          </p:cNvSpPr>
+          <p:nvPr>
+            <p:ph type="body" idx="1"/>
+          </p:nvPr>
+        </p:nvSpPr>
+        <p:spPr/>
+        <p:txBody>
+          <a:bodyPr/>
+          <a:lstStyle/>
+          <a:p>
+            <a:endParaRPr lang="en-US"/>
+          </a:p>
+        </p:txBody>
+      </p:sp>
+      <p:sp>
+        <p:nvSpPr>
+          <p:cNvPr id="4" name="Slide Number Placeholder 3"/>
+          <p:cNvSpPr>
+            <a:spLocks noGrp="1"/>
+          </p:cNvSpPr>
+          <p:nvPr>
+            <p:ph type="sldNum" sz="quarter" idx="10"/>
+          </p:nvPr>
+        </p:nvSpPr>
+        <p:spPr/>
+        <p:txBody>
+          <a:bodyPr/>
+          <a:lstStyle/>
+          <a:p>
+            <a:fld id="{8547E1EE-0039-4797-B978-F453418260D1}" type="slidenum">
+              <a:rPr lang="en-US" smtClean="0"/>
+              <a:pPr/>
+              <a:t>16</a:t>
+            </a:fld>
+            <a:endParaRPr lang="en-US"/>
+          </a:p>
+        </p:txBody>
+      </p:sp>
+    </p:spTree>
+    <p:extLst>
+      <p:ext uri="{BB962C8B-B14F-4D97-AF65-F5344CB8AC3E}">
+        <p14:creationId xmlns:p14="http://schemas.microsoft.com/office/powerpoint/2010/main" val="1177401949"/>
+      </p:ext>
+    </p:extLst>
+  </p:cSld>
+  <p:clrMapOvr>
+    <a:masterClrMapping/>
+  </p:clrMapOvr>
+</p:notes>
+</file>
+
+<file path=ppt/notesSlides/notesSlide17.xml><?xml version="1.0" encoding="utf-8"?>
+<p:notes xmlns:a="http://schemas.openxmlformats.org/drawingml/2006/main" xmlns:r="http://schemas.openxmlformats.org/officeDocument/2006/relationships" xmlns:p="http://schemas.openxmlformats.org/presentationml/2006/main">
+  <p:cSld>
+    <p:spTree>
+      <p:nvGrpSpPr>
+        <p:cNvPr id="1" name=""/>
+        <p:cNvGrpSpPr/>
+        <p:nvPr/>
+      </p:nvGrpSpPr>
+      <p:grpSpPr>
+        <a:xfrm>
+          <a:off x="0" y="0"/>
+          <a:ext cx="0" cy="0"/>
+          <a:chOff x="0" y="0"/>
+          <a:chExt cx="0" cy="0"/>
+        </a:xfrm>
+      </p:grpSpPr>
+      <p:sp>
+        <p:nvSpPr>
+          <p:cNvPr id="2" name="Slide Image Placeholder 1"/>
+          <p:cNvSpPr>
+            <a:spLocks noGrp="1" noRot="1" noChangeAspect="1"/>
+          </p:cNvSpPr>
+          <p:nvPr>
+            <p:ph type="sldImg"/>
+          </p:nvPr>
+        </p:nvSpPr>
+        <p:spPr/>
+      </p:sp>
+      <p:sp>
+        <p:nvSpPr>
+          <p:cNvPr id="3" name="Notes Placeholder 2"/>
+          <p:cNvSpPr>
+            <a:spLocks noGrp="1"/>
+          </p:cNvSpPr>
+          <p:nvPr>
+            <p:ph type="body" idx="1"/>
+          </p:nvPr>
+        </p:nvSpPr>
+        <p:spPr/>
+        <p:txBody>
+          <a:bodyPr/>
+          <a:lstStyle/>
+          <a:p>
+            <a:endParaRPr lang="en-US"/>
+          </a:p>
+        </p:txBody>
+      </p:sp>
+      <p:sp>
+        <p:nvSpPr>
+          <p:cNvPr id="4" name="Slide Number Placeholder 3"/>
+          <p:cNvSpPr>
+            <a:spLocks noGrp="1"/>
+          </p:cNvSpPr>
+          <p:nvPr>
+            <p:ph type="sldNum" sz="quarter" idx="10"/>
+          </p:nvPr>
+        </p:nvSpPr>
+        <p:spPr/>
+        <p:txBody>
+          <a:bodyPr/>
+          <a:lstStyle/>
+          <a:p>
+            <a:fld id="{8547E1EE-0039-4797-B978-F453418260D1}" type="slidenum">
+              <a:rPr lang="en-US" smtClean="0"/>
+              <a:pPr/>
+              <a:t>17</a:t>
+            </a:fld>
+            <a:endParaRPr lang="en-US"/>
+          </a:p>
+        </p:txBody>
+      </p:sp>
+    </p:spTree>
+    <p:extLst>
+      <p:ext uri="{BB962C8B-B14F-4D97-AF65-F5344CB8AC3E}">
+        <p14:creationId xmlns:p14="http://schemas.microsoft.com/office/powerpoint/2010/main" val="389429753"/>
+      </p:ext>
+    </p:extLst>
+  </p:cSld>
+  <p:clrMapOvr>
+    <a:masterClrMapping/>
+  </p:clrMapOvr>
+</p:notes>
+</file>
+
+<file path=ppt/notesSlides/notesSlide18.xml><?xml version="1.0" encoding="utf-8"?>
+<p:notes xmlns:a="http://schemas.openxmlformats.org/drawingml/2006/main" xmlns:r="http://schemas.openxmlformats.org/officeDocument/2006/relationships" xmlns:p="http://schemas.openxmlformats.org/presentationml/2006/main">
+  <p:cSld>
+    <p:spTree>
+      <p:nvGrpSpPr>
+        <p:cNvPr id="1" name=""/>
+        <p:cNvGrpSpPr/>
+        <p:nvPr/>
+      </p:nvGrpSpPr>
+      <p:grpSpPr>
+        <a:xfrm>
+          <a:off x="0" y="0"/>
+          <a:ext cx="0" cy="0"/>
+          <a:chOff x="0" y="0"/>
+          <a:chExt cx="0" cy="0"/>
+        </a:xfrm>
+      </p:grpSpPr>
+      <p:sp>
+        <p:nvSpPr>
+          <p:cNvPr id="2" name="Slide Image Placeholder 1"/>
+          <p:cNvSpPr>
+            <a:spLocks noGrp="1" noRot="1" noChangeAspect="1"/>
+          </p:cNvSpPr>
+          <p:nvPr>
+            <p:ph type="sldImg"/>
+          </p:nvPr>
+        </p:nvSpPr>
+        <p:spPr/>
+      </p:sp>
+      <p:sp>
+        <p:nvSpPr>
+          <p:cNvPr id="3" name="Notes Placeholder 2"/>
+          <p:cNvSpPr>
+            <a:spLocks noGrp="1"/>
+          </p:cNvSpPr>
+          <p:nvPr>
+            <p:ph type="body" idx="1"/>
+          </p:nvPr>
+        </p:nvSpPr>
+        <p:spPr/>
+        <p:txBody>
+          <a:bodyPr/>
+          <a:lstStyle/>
+          <a:p>
+            <a:endParaRPr lang="en-US"/>
+          </a:p>
+        </p:txBody>
+      </p:sp>
+      <p:sp>
+        <p:nvSpPr>
+          <p:cNvPr id="4" name="Slide Number Placeholder 3"/>
+          <p:cNvSpPr>
+            <a:spLocks noGrp="1"/>
+          </p:cNvSpPr>
+          <p:nvPr>
+            <p:ph type="sldNum" sz="quarter" idx="10"/>
+          </p:nvPr>
+        </p:nvSpPr>
+        <p:spPr/>
+        <p:txBody>
+          <a:bodyPr/>
+          <a:lstStyle/>
+          <a:p>
+            <a:fld id="{8547E1EE-0039-4797-B978-F453418260D1}" type="slidenum">
+              <a:rPr lang="en-US" smtClean="0"/>
+              <a:pPr/>
+              <a:t>18</a:t>
+            </a:fld>
+            <a:endParaRPr lang="en-US"/>
+          </a:p>
+        </p:txBody>
+      </p:sp>
+    </p:spTree>
+    <p:extLst>
+      <p:ext uri="{BB962C8B-B14F-4D97-AF65-F5344CB8AC3E}">
+        <p14:creationId xmlns:p14="http://schemas.microsoft.com/office/powerpoint/2010/main" val="2256637759"/>
+      </p:ext>
+    </p:extLst>
+  </p:cSld>
+  <p:clrMapOvr>
+    <a:masterClrMapping/>
+  </p:clrMapOvr>
+</p:notes>
+</file>
+
+<file path=ppt/notesSlides/notesSlide19.xml><?xml version="1.0" encoding="utf-8"?>
+<p:notes xmlns:a="http://schemas.openxmlformats.org/drawingml/2006/main" xmlns:r="http://schemas.openxmlformats.org/officeDocument/2006/relationships" xmlns:p="http://schemas.openxmlformats.org/presentationml/2006/main">
+  <p:cSld>
+    <p:spTree>
+      <p:nvGrpSpPr>
+        <p:cNvPr id="1" name=""/>
+        <p:cNvGrpSpPr/>
+        <p:nvPr/>
+      </p:nvGrpSpPr>
+      <p:grpSpPr>
+        <a:xfrm>
+          <a:off x="0" y="0"/>
+          <a:ext cx="0" cy="0"/>
+          <a:chOff x="0" y="0"/>
+          <a:chExt cx="0" cy="0"/>
+        </a:xfrm>
+      </p:grpSpPr>
+      <p:sp>
+        <p:nvSpPr>
+          <p:cNvPr id="2" name="Slide Image Placeholder 1"/>
+          <p:cNvSpPr>
+            <a:spLocks noGrp="1" noRot="1" noChangeAspect="1"/>
+          </p:cNvSpPr>
+          <p:nvPr>
+            <p:ph type="sldImg"/>
+          </p:nvPr>
+        </p:nvSpPr>
+        <p:spPr/>
+      </p:sp>
+      <p:sp>
+        <p:nvSpPr>
+          <p:cNvPr id="3" name="Notes Placeholder 2"/>
+          <p:cNvSpPr>
+            <a:spLocks noGrp="1"/>
+          </p:cNvSpPr>
+          <p:nvPr>
+            <p:ph type="body" idx="1"/>
+          </p:nvPr>
+        </p:nvSpPr>
+        <p:spPr/>
+        <p:txBody>
+          <a:bodyPr/>
+          <a:lstStyle/>
+          <a:p>
+            <a:endParaRPr lang="en-US"/>
+          </a:p>
+        </p:txBody>
+      </p:sp>
+      <p:sp>
+        <p:nvSpPr>
+          <p:cNvPr id="4" name="Slide Number Placeholder 3"/>
+          <p:cNvSpPr>
+            <a:spLocks noGrp="1"/>
+          </p:cNvSpPr>
+          <p:nvPr>
+            <p:ph type="sldNum" sz="quarter" idx="10"/>
+          </p:nvPr>
+        </p:nvSpPr>
+        <p:spPr/>
+        <p:txBody>
+          <a:bodyPr/>
+          <a:lstStyle/>
+          <a:p>
+            <a:fld id="{8547E1EE-0039-4797-B978-F453418260D1}" type="slidenum">
+              <a:rPr lang="en-US" smtClean="0"/>
+              <a:pPr/>
+              <a:t>19</a:t>
+            </a:fld>
+            <a:endParaRPr lang="en-US"/>
+          </a:p>
+        </p:txBody>
+      </p:sp>
+    </p:spTree>
+    <p:extLst>
+      <p:ext uri="{BB962C8B-B14F-4D97-AF65-F5344CB8AC3E}">
+        <p14:creationId xmlns:p14="http://schemas.microsoft.com/office/powerpoint/2010/main" val="2825009172"/>
+      </p:ext>
+    </p:extLst>
+  </p:cSld>
+  <p:clrMapOvr>
+    <a:masterClrMapping/>
+  </p:clrMapOvr>
+</p:notes>
+</file>
+
+<file path=ppt/notesSlides/notesSlide2.xml><?xml version="1.0" encoding="utf-8"?>
+<p:notes xmlns:a="http://schemas.openxmlformats.org/drawingml/2006/main" xmlns:r="http://schemas.openxmlformats.org/officeDocument/2006/relationships" xmlns:p="http://schemas.openxmlformats.org/presentationml/2006/main">
+  <p:cSld>
+    <p:spTree>
+      <p:nvGrpSpPr>
+        <p:cNvPr id="1" name=""/>
+        <p:cNvGrpSpPr/>
+        <p:nvPr/>
+      </p:nvGrpSpPr>
+      <p:grpSpPr>
+        <a:xfrm>
+          <a:off x="0" y="0"/>
+          <a:ext cx="0" cy="0"/>
+          <a:chOff x="0" y="0"/>
+          <a:chExt cx="0" cy="0"/>
+        </a:xfrm>
+      </p:grpSpPr>
+      <p:sp>
+        <p:nvSpPr>
+          <p:cNvPr id="2" name="Slide Image Placeholder 1"/>
+          <p:cNvSpPr>
+            <a:spLocks noGrp="1" noRot="1" noChangeAspect="1"/>
+          </p:cNvSpPr>
+          <p:nvPr>
+            <p:ph type="sldImg"/>
+          </p:nvPr>
+        </p:nvSpPr>
+        <p:spPr/>
+      </p:sp>
+      <p:sp>
+        <p:nvSpPr>
+          <p:cNvPr id="3" name="Notes Placeholder 2"/>
+          <p:cNvSpPr>
+            <a:spLocks noGrp="1"/>
+          </p:cNvSpPr>
+          <p:nvPr>
+            <p:ph type="body" idx="1"/>
+          </p:nvPr>
+        </p:nvSpPr>
+        <p:spPr/>
+        <p:txBody>
+          <a:bodyPr/>
+          <a:lstStyle/>
+          <a:p>
+            <a:endParaRPr lang="en-US"/>
+          </a:p>
+        </p:txBody>
+      </p:sp>
+      <p:sp>
+        <p:nvSpPr>
+          <p:cNvPr id="4" name="Slide Number Placeholder 3"/>
+          <p:cNvSpPr>
+            <a:spLocks noGrp="1"/>
+          </p:cNvSpPr>
+          <p:nvPr>
+            <p:ph type="sldNum" sz="quarter" idx="10"/>
+          </p:nvPr>
+        </p:nvSpPr>
+        <p:spPr/>
+        <p:txBody>
+          <a:bodyPr/>
+          <a:lstStyle/>
+          <a:p>
+            <a:fld id="{8547E1EE-0039-4797-B978-F453418260D1}" type="slidenum">
+              <a:rPr lang="en-US" smtClean="0"/>
+              <a:pPr/>
+              <a:t>2</a:t>
+            </a:fld>
+            <a:endParaRPr lang="en-US"/>
+          </a:p>
+        </p:txBody>
+      </p:sp>
+    </p:spTree>
+    <p:extLst>
+      <p:ext uri="{BB962C8B-B14F-4D97-AF65-F5344CB8AC3E}">
+        <p14:creationId xmlns:p14="http://schemas.microsoft.com/office/powerpoint/2010/main" val="76928030"/>
+      </p:ext>
+    </p:extLst>
+  </p:cSld>
+  <p:clrMapOvr>
+    <a:masterClrMapping/>
+  </p:clrMapOvr>
+</p:notes>
+</file>
+
+<file path=ppt/notesSlides/notesSlide20.xml><?xml version="1.0" encoding="utf-8"?>
+<p:notes xmlns:a="http://schemas.openxmlformats.org/drawingml/2006/main" xmlns:r="http://schemas.openxmlformats.org/officeDocument/2006/relationships" xmlns:p="http://schemas.openxmlformats.org/presentationml/2006/main">
+  <p:cSld>
+    <p:spTree>
+      <p:nvGrpSpPr>
+        <p:cNvPr id="1" name=""/>
+        <p:cNvGrpSpPr/>
+        <p:nvPr/>
+      </p:nvGrpSpPr>
+      <p:grpSpPr>
+        <a:xfrm>
+          <a:off x="0" y="0"/>
+          <a:ext cx="0" cy="0"/>
+          <a:chOff x="0" y="0"/>
+          <a:chExt cx="0" cy="0"/>
+        </a:xfrm>
+      </p:grpSpPr>
+      <p:sp>
+        <p:nvSpPr>
+          <p:cNvPr id="2" name="Slide Image Placeholder 1"/>
+          <p:cNvSpPr>
+            <a:spLocks noGrp="1" noRot="1" noChangeAspect="1"/>
+          </p:cNvSpPr>
+          <p:nvPr>
+            <p:ph type="sldImg"/>
+          </p:nvPr>
+        </p:nvSpPr>
+        <p:spPr/>
+      </p:sp>
+      <p:sp>
+        <p:nvSpPr>
+          <p:cNvPr id="3" name="Notes Placeholder 2"/>
+          <p:cNvSpPr>
+            <a:spLocks noGrp="1"/>
+          </p:cNvSpPr>
+          <p:nvPr>
+            <p:ph type="body" idx="1"/>
+          </p:nvPr>
+        </p:nvSpPr>
+        <p:spPr/>
+        <p:txBody>
+          <a:bodyPr/>
+          <a:lstStyle/>
+          <a:p>
+            <a:endParaRPr lang="en-US"/>
+          </a:p>
+        </p:txBody>
+      </p:sp>
+      <p:sp>
+        <p:nvSpPr>
+          <p:cNvPr id="4" name="Slide Number Placeholder 3"/>
+          <p:cNvSpPr>
+            <a:spLocks noGrp="1"/>
+          </p:cNvSpPr>
+          <p:nvPr>
+            <p:ph type="sldNum" sz="quarter" idx="10"/>
+          </p:nvPr>
+        </p:nvSpPr>
+        <p:spPr/>
+        <p:txBody>
+          <a:bodyPr/>
+          <a:lstStyle/>
+          <a:p>
+            <a:fld id="{8547E1EE-0039-4797-B978-F453418260D1}" type="slidenum">
+              <a:rPr lang="en-US" smtClean="0"/>
+              <a:pPr/>
+              <a:t>20</a:t>
+            </a:fld>
+            <a:endParaRPr lang="en-US"/>
+          </a:p>
+        </p:txBody>
+      </p:sp>
+    </p:spTree>
+    <p:extLst>
+      <p:ext uri="{BB962C8B-B14F-4D97-AF65-F5344CB8AC3E}">
+        <p14:creationId xmlns:p14="http://schemas.microsoft.com/office/powerpoint/2010/main" val="624304936"/>
+      </p:ext>
+    </p:extLst>
+  </p:cSld>
+  <p:clrMapOvr>
+    <a:masterClrMapping/>
+  </p:clrMapOvr>
+</p:notes>
+</file>
+
+<file path=ppt/notesSlides/notesSlide21.xml><?xml version="1.0" encoding="utf-8"?>
+<p:notes xmlns:a="http://schemas.openxmlformats.org/drawingml/2006/main" xmlns:r="http://schemas.openxmlformats.org/officeDocument/2006/relationships" xmlns:p="http://schemas.openxmlformats.org/presentationml/2006/main">
+  <p:cSld>
+    <p:spTree>
+      <p:nvGrpSpPr>
+        <p:cNvPr id="1" name=""/>
+        <p:cNvGrpSpPr/>
+        <p:nvPr/>
+      </p:nvGrpSpPr>
+      <p:grpSpPr>
+        <a:xfrm>
+          <a:off x="0" y="0"/>
+          <a:ext cx="0" cy="0"/>
+          <a:chOff x="0" y="0"/>
+          <a:chExt cx="0" cy="0"/>
+        </a:xfrm>
+      </p:grpSpPr>
+      <p:sp>
+        <p:nvSpPr>
+          <p:cNvPr id="2" name="Slide Image Placeholder 1"/>
+          <p:cNvSpPr>
+            <a:spLocks noGrp="1" noRot="1" noChangeAspect="1"/>
+          </p:cNvSpPr>
+          <p:nvPr>
+            <p:ph type="sldImg"/>
+          </p:nvPr>
+        </p:nvSpPr>
+        <p:spPr/>
+      </p:sp>
+      <p:sp>
+        <p:nvSpPr>
+          <p:cNvPr id="3" name="Notes Placeholder 2"/>
+          <p:cNvSpPr>
+            <a:spLocks noGrp="1"/>
+          </p:cNvSpPr>
+          <p:nvPr>
+            <p:ph type="body" idx="1"/>
+          </p:nvPr>
+        </p:nvSpPr>
+        <p:spPr/>
+        <p:txBody>
+          <a:bodyPr/>
+          <a:lstStyle/>
+          <a:p>
+            <a:endParaRPr lang="en-US"/>
+          </a:p>
+        </p:txBody>
+      </p:sp>
+      <p:sp>
+        <p:nvSpPr>
+          <p:cNvPr id="4" name="Slide Number Placeholder 3"/>
+          <p:cNvSpPr>
+            <a:spLocks noGrp="1"/>
+          </p:cNvSpPr>
+          <p:nvPr>
+            <p:ph type="sldNum" sz="quarter" idx="10"/>
+          </p:nvPr>
+        </p:nvSpPr>
+        <p:spPr/>
+        <p:txBody>
+          <a:bodyPr/>
+          <a:lstStyle/>
+          <a:p>
+            <a:fld id="{8547E1EE-0039-4797-B978-F453418260D1}" type="slidenum">
+              <a:rPr lang="en-US" smtClean="0"/>
+              <a:pPr/>
+              <a:t>21</a:t>
+            </a:fld>
+            <a:endParaRPr lang="en-US"/>
+          </a:p>
+        </p:txBody>
+      </p:sp>
+    </p:spTree>
+    <p:extLst>
+      <p:ext uri="{BB962C8B-B14F-4D97-AF65-F5344CB8AC3E}">
+        <p14:creationId xmlns:p14="http://schemas.microsoft.com/office/powerpoint/2010/main" val="4191995483"/>
+      </p:ext>
+    </p:extLst>
+  </p:cSld>
+  <p:clrMapOvr>
+    <a:masterClrMapping/>
+  </p:clrMapOvr>
+</p:notes>
+</file>
+
+<file path=ppt/notesSlides/notesSlide22.xml><?xml version="1.0" encoding="utf-8"?>
+<p:notes xmlns:a="http://schemas.openxmlformats.org/drawingml/2006/main" xmlns:r="http://schemas.openxmlformats.org/officeDocument/2006/relationships" xmlns:p="http://schemas.openxmlformats.org/presentationml/2006/main">
+  <p:cSld>
+    <p:spTree>
+      <p:nvGrpSpPr>
+        <p:cNvPr id="1" name=""/>
+        <p:cNvGrpSpPr/>
+        <p:nvPr/>
+      </p:nvGrpSpPr>
+      <p:grpSpPr>
+        <a:xfrm>
+          <a:off x="0" y="0"/>
+          <a:ext cx="0" cy="0"/>
+          <a:chOff x="0" y="0"/>
+          <a:chExt cx="0" cy="0"/>
+        </a:xfrm>
+      </p:grpSpPr>
+      <p:sp>
+        <p:nvSpPr>
+          <p:cNvPr id="2" name="Slide Image Placeholder 1"/>
+          <p:cNvSpPr>
+            <a:spLocks noGrp="1" noRot="1" noChangeAspect="1"/>
+          </p:cNvSpPr>
+          <p:nvPr>
+            <p:ph type="sldImg"/>
+          </p:nvPr>
+        </p:nvSpPr>
+        <p:spPr/>
+      </p:sp>
+      <p:sp>
+        <p:nvSpPr>
+          <p:cNvPr id="3" name="Notes Placeholder 2"/>
+          <p:cNvSpPr>
+            <a:spLocks noGrp="1"/>
+          </p:cNvSpPr>
+          <p:nvPr>
+            <p:ph type="body" idx="1"/>
+          </p:nvPr>
+        </p:nvSpPr>
+        <p:spPr/>
+        <p:txBody>
+          <a:bodyPr/>
+          <a:lstStyle/>
+          <a:p>
+            <a:endParaRPr lang="en-US"/>
+          </a:p>
+        </p:txBody>
+      </p:sp>
+      <p:sp>
+        <p:nvSpPr>
+          <p:cNvPr id="4" name="Slide Number Placeholder 3"/>
+          <p:cNvSpPr>
+            <a:spLocks noGrp="1"/>
+          </p:cNvSpPr>
+          <p:nvPr>
+            <p:ph type="sldNum" sz="quarter" idx="10"/>
+          </p:nvPr>
+        </p:nvSpPr>
+        <p:spPr/>
+        <p:txBody>
+          <a:bodyPr/>
+          <a:lstStyle/>
+          <a:p>
+            <a:fld id="{8547E1EE-0039-4797-B978-F453418260D1}" type="slidenum">
+              <a:rPr lang="en-US" smtClean="0"/>
+              <a:pPr/>
+              <a:t>22</a:t>
+            </a:fld>
+            <a:endParaRPr lang="en-US"/>
+          </a:p>
+        </p:txBody>
+      </p:sp>
+    </p:spTree>
+    <p:extLst>
+      <p:ext uri="{BB962C8B-B14F-4D97-AF65-F5344CB8AC3E}">
+        <p14:creationId xmlns:p14="http://schemas.microsoft.com/office/powerpoint/2010/main" val="1303948516"/>
+      </p:ext>
+    </p:extLst>
+  </p:cSld>
+  <p:clrMapOvr>
+    <a:masterClrMapping/>
+  </p:clrMapOvr>
+</p:notes>
+</file>
+
+<file path=ppt/notesSlides/notesSlide23.xml><?xml version="1.0" encoding="utf-8"?>
+<p:notes xmlns:a="http://schemas.openxmlformats.org/drawingml/2006/main" xmlns:r="http://schemas.openxmlformats.org/officeDocument/2006/relationships" xmlns:p="http://schemas.openxmlformats.org/presentationml/2006/main">
+  <p:cSld>
+    <p:spTree>
+      <p:nvGrpSpPr>
+        <p:cNvPr id="1" name=""/>
+        <p:cNvGrpSpPr/>
+        <p:nvPr/>
+      </p:nvGrpSpPr>
+      <p:grpSpPr>
+        <a:xfrm>
+          <a:off x="0" y="0"/>
+          <a:ext cx="0" cy="0"/>
+          <a:chOff x="0" y="0"/>
+          <a:chExt cx="0" cy="0"/>
+        </a:xfrm>
+      </p:grpSpPr>
+      <p:sp>
+        <p:nvSpPr>
+          <p:cNvPr id="2" name="Slide Image Placeholder 1"/>
+          <p:cNvSpPr>
+            <a:spLocks noGrp="1" noRot="1" noChangeAspect="1"/>
+          </p:cNvSpPr>
+          <p:nvPr>
+            <p:ph type="sldImg"/>
+          </p:nvPr>
+        </p:nvSpPr>
+        <p:spPr/>
+      </p:sp>
+      <p:sp>
+        <p:nvSpPr>
+          <p:cNvPr id="3" name="Notes Placeholder 2"/>
+          <p:cNvSpPr>
+            <a:spLocks noGrp="1"/>
+          </p:cNvSpPr>
+          <p:nvPr>
+            <p:ph type="body" idx="1"/>
+          </p:nvPr>
+        </p:nvSpPr>
+        <p:spPr/>
+        <p:txBody>
+          <a:bodyPr/>
+          <a:lstStyle/>
+          <a:p>
+            <a:endParaRPr lang="en-US"/>
+          </a:p>
+        </p:txBody>
+      </p:sp>
+      <p:sp>
+        <p:nvSpPr>
+          <p:cNvPr id="4" name="Slide Number Placeholder 3"/>
+          <p:cNvSpPr>
+            <a:spLocks noGrp="1"/>
+          </p:cNvSpPr>
+          <p:nvPr>
+            <p:ph type="sldNum" sz="quarter" idx="10"/>
+          </p:nvPr>
+        </p:nvSpPr>
+        <p:spPr/>
+        <p:txBody>
+          <a:bodyPr/>
+          <a:lstStyle/>
+          <a:p>
+            <a:fld id="{8547E1EE-0039-4797-B978-F453418260D1}" type="slidenum">
+              <a:rPr lang="en-US" smtClean="0"/>
+              <a:pPr/>
+              <a:t>23</a:t>
+            </a:fld>
+            <a:endParaRPr lang="en-US"/>
+          </a:p>
+        </p:txBody>
+      </p:sp>
+    </p:spTree>
+    <p:extLst>
+      <p:ext uri="{BB962C8B-B14F-4D97-AF65-F5344CB8AC3E}">
+        <p14:creationId xmlns:p14="http://schemas.microsoft.com/office/powerpoint/2010/main" val="4195540959"/>
+      </p:ext>
+    </p:extLst>
+  </p:cSld>
+  <p:clrMapOvr>
+    <a:masterClrMapping/>
+  </p:clrMapOvr>
+</p:notes>
+</file>
+
+<file path=ppt/notesSlides/notesSlide24.xml><?xml version="1.0" encoding="utf-8"?>
+<p:notes xmlns:a="http://schemas.openxmlformats.org/drawingml/2006/main" xmlns:r="http://schemas.openxmlformats.org/officeDocument/2006/relationships" xmlns:p="http://schemas.openxmlformats.org/presentationml/2006/main">
+  <p:cSld>
+    <p:spTree>
+      <p:nvGrpSpPr>
+        <p:cNvPr id="1" name=""/>
+        <p:cNvGrpSpPr/>
+        <p:nvPr/>
+      </p:nvGrpSpPr>
+      <p:grpSpPr>
+        <a:xfrm>
+          <a:off x="0" y="0"/>
+          <a:ext cx="0" cy="0"/>
+          <a:chOff x="0" y="0"/>
+          <a:chExt cx="0" cy="0"/>
+        </a:xfrm>
+      </p:grpSpPr>
+      <p:sp>
+        <p:nvSpPr>
+          <p:cNvPr id="2" name="Slide Image Placeholder 1"/>
+          <p:cNvSpPr>
+            <a:spLocks noGrp="1" noRot="1" noChangeAspect="1"/>
+          </p:cNvSpPr>
+          <p:nvPr>
+            <p:ph type="sldImg"/>
+          </p:nvPr>
+        </p:nvSpPr>
+        <p:spPr/>
+      </p:sp>
+      <p:sp>
+        <p:nvSpPr>
+          <p:cNvPr id="3" name="Notes Placeholder 2"/>
+          <p:cNvSpPr>
+            <a:spLocks noGrp="1"/>
+          </p:cNvSpPr>
+          <p:nvPr>
+            <p:ph type="body" idx="1"/>
+          </p:nvPr>
+        </p:nvSpPr>
+        <p:spPr/>
+        <p:txBody>
+          <a:bodyPr/>
+          <a:lstStyle/>
+          <a:p>
+            <a:endParaRPr lang="en-US"/>
+          </a:p>
+        </p:txBody>
+      </p:sp>
+      <p:sp>
+        <p:nvSpPr>
+          <p:cNvPr id="4" name="Slide Number Placeholder 3"/>
+          <p:cNvSpPr>
+            <a:spLocks noGrp="1"/>
+          </p:cNvSpPr>
+          <p:nvPr>
+            <p:ph type="sldNum" sz="quarter" idx="10"/>
+          </p:nvPr>
+        </p:nvSpPr>
+        <p:spPr/>
+        <p:txBody>
+          <a:bodyPr/>
+          <a:lstStyle/>
+          <a:p>
+            <a:fld id="{8547E1EE-0039-4797-B978-F453418260D1}" type="slidenum">
+              <a:rPr lang="en-US" smtClean="0"/>
+              <a:pPr/>
+              <a:t>24</a:t>
+            </a:fld>
+            <a:endParaRPr lang="en-US"/>
+          </a:p>
+        </p:txBody>
+      </p:sp>
+    </p:spTree>
+    <p:extLst>
+      <p:ext uri="{BB962C8B-B14F-4D97-AF65-F5344CB8AC3E}">
+        <p14:creationId xmlns:p14="http://schemas.microsoft.com/office/powerpoint/2010/main" val="1513666186"/>
+      </p:ext>
+    </p:extLst>
+  </p:cSld>
+  <p:clrMapOvr>
+    <a:masterClrMapping/>
+  </p:clrMapOvr>
+</p:notes>
+</file>
+
+<file path=ppt/notesSlides/notesSlide25.xml><?xml version="1.0" encoding="utf-8"?>
+<p:notes xmlns:a="http://schemas.openxmlformats.org/drawingml/2006/main" xmlns:r="http://schemas.openxmlformats.org/officeDocument/2006/relationships" xmlns:p="http://schemas.openxmlformats.org/presentationml/2006/main">
+  <p:cSld>
+    <p:spTree>
+      <p:nvGrpSpPr>
+        <p:cNvPr id="1" name=""/>
+        <p:cNvGrpSpPr/>
+        <p:nvPr/>
+      </p:nvGrpSpPr>
+      <p:grpSpPr>
+        <a:xfrm>
+          <a:off x="0" y="0"/>
+          <a:ext cx="0" cy="0"/>
+          <a:chOff x="0" y="0"/>
+          <a:chExt cx="0" cy="0"/>
+        </a:xfrm>
+      </p:grpSpPr>
+      <p:sp>
+        <p:nvSpPr>
+          <p:cNvPr id="2" name="Slide Image Placeholder 1"/>
+          <p:cNvSpPr>
+            <a:spLocks noGrp="1" noRot="1" noChangeAspect="1"/>
+          </p:cNvSpPr>
+          <p:nvPr>
+            <p:ph type="sldImg"/>
+          </p:nvPr>
+        </p:nvSpPr>
+        <p:spPr>
+          <a:xfrm>
+            <a:off x="381000" y="381000"/>
+            <a:ext cx="4572000" cy="2573338"/>
+          </a:xfrm>
+        </p:spPr>
+      </p:sp>
+      <p:sp>
+        <p:nvSpPr>
+          <p:cNvPr id="3" name="Notes Placeholder 2"/>
+          <p:cNvSpPr>
+            <a:spLocks noGrp="1"/>
+          </p:cNvSpPr>
+          <p:nvPr>
+            <p:ph type="body" idx="1"/>
+          </p:nvPr>
+        </p:nvSpPr>
+        <p:spPr/>
+        <p:txBody>
+          <a:bodyPr/>
+          <a:lstStyle/>
+          <a:p>
+            <a:endParaRPr lang="en-US"/>
+          </a:p>
+        </p:txBody>
+      </p:sp>
+      <p:sp>
+        <p:nvSpPr>
+          <p:cNvPr id="4" name="Slide Number Placeholder 3"/>
+          <p:cNvSpPr>
+            <a:spLocks noGrp="1"/>
+          </p:cNvSpPr>
+          <p:nvPr>
+            <p:ph type="sldNum" sz="quarter" idx="10"/>
+          </p:nvPr>
+        </p:nvSpPr>
+        <p:spPr/>
+        <p:txBody>
+          <a:bodyPr/>
+          <a:lstStyle/>
+          <a:p>
+            <a:fld id="{8547E1EE-0039-4797-B978-F453418260D1}" type="slidenum">
+              <a:rPr lang="en-US" smtClean="0"/>
+              <a:pPr/>
+              <a:t>25</a:t>
+            </a:fld>
+            <a:endParaRPr lang="en-US"/>
+          </a:p>
+        </p:txBody>
+      </p:sp>
+    </p:spTree>
+    <p:extLst>
+      <p:ext uri="{BB962C8B-B14F-4D97-AF65-F5344CB8AC3E}">
+        <p14:creationId xmlns:p14="http://schemas.microsoft.com/office/powerpoint/2010/main" val="3303242232"/>
+      </p:ext>
+    </p:extLst>
+  </p:cSld>
+  <p:clrMapOvr>
+    <a:masterClrMapping/>
+  </p:clrMapOvr>
+</p:notes>
+</file>
+
+<file path=ppt/notesSlides/notesSlide26.xml><?xml version="1.0" encoding="utf-8"?>
+<p:notes xmlns:a="http://schemas.openxmlformats.org/drawingml/2006/main" xmlns:r="http://schemas.openxmlformats.org/officeDocument/2006/relationships" xmlns:p="http://schemas.openxmlformats.org/presentationml/2006/main">
+  <p:cSld>
+    <p:spTree>
+      <p:nvGrpSpPr>
+        <p:cNvPr id="1" name=""/>
+        <p:cNvGrpSpPr/>
+        <p:nvPr/>
+      </p:nvGrpSpPr>
+      <p:grpSpPr>
+        <a:xfrm>
+          <a:off x="0" y="0"/>
+          <a:ext cx="0" cy="0"/>
+          <a:chOff x="0" y="0"/>
+          <a:chExt cx="0" cy="0"/>
+        </a:xfrm>
+      </p:grpSpPr>
+      <p:sp>
+        <p:nvSpPr>
+          <p:cNvPr id="2" name="Slide Image Placeholder 1"/>
+          <p:cNvSpPr>
+            <a:spLocks noGrp="1" noRot="1" noChangeAspect="1"/>
+          </p:cNvSpPr>
+          <p:nvPr>
+            <p:ph type="sldImg"/>
+          </p:nvPr>
+        </p:nvSpPr>
+        <p:spPr/>
+      </p:sp>
+      <p:sp>
+        <p:nvSpPr>
+          <p:cNvPr id="3" name="Notes Placeholder 2"/>
+          <p:cNvSpPr>
+            <a:spLocks noGrp="1"/>
+          </p:cNvSpPr>
+          <p:nvPr>
+            <p:ph type="body" idx="1"/>
+          </p:nvPr>
+        </p:nvSpPr>
+        <p:spPr/>
+        <p:txBody>
+          <a:bodyPr/>
+          <a:lstStyle/>
+          <a:p>
+            <a:endParaRPr lang="en-US"/>
+          </a:p>
+        </p:txBody>
+      </p:sp>
+      <p:sp>
+        <p:nvSpPr>
+          <p:cNvPr id="4" name="Slide Number Placeholder 3"/>
+          <p:cNvSpPr>
+            <a:spLocks noGrp="1"/>
+          </p:cNvSpPr>
+          <p:nvPr>
+            <p:ph type="sldNum" sz="quarter" idx="10"/>
+          </p:nvPr>
+        </p:nvSpPr>
+        <p:spPr/>
+        <p:txBody>
+          <a:bodyPr/>
+          <a:lstStyle/>
+          <a:p>
+            <a:fld id="{8547E1EE-0039-4797-B978-F453418260D1}" type="slidenum">
+              <a:rPr lang="en-US" smtClean="0"/>
+              <a:pPr/>
+              <a:t>26</a:t>
+            </a:fld>
+            <a:endParaRPr lang="en-US"/>
+          </a:p>
+        </p:txBody>
+      </p:sp>
+    </p:spTree>
+    <p:extLst>
+      <p:ext uri="{BB962C8B-B14F-4D97-AF65-F5344CB8AC3E}">
+        <p14:creationId xmlns:p14="http://schemas.microsoft.com/office/powerpoint/2010/main" val="1957972647"/>
+      </p:ext>
+    </p:extLst>
+  </p:cSld>
+  <p:clrMapOvr>
+    <a:masterClrMapping/>
+  </p:clrMapOvr>
+</p:notes>
+</file>
+
+<file path=ppt/notesSlides/notesSlide27.xml><?xml version="1.0" encoding="utf-8"?>
+<p:notes xmlns:a="http://schemas.openxmlformats.org/drawingml/2006/main" xmlns:r="http://schemas.openxmlformats.org/officeDocument/2006/relationships" xmlns:p="http://schemas.openxmlformats.org/presentationml/2006/main">
+  <p:cSld>
+    <p:spTree>
+      <p:nvGrpSpPr>
+        <p:cNvPr id="1" name=""/>
+        <p:cNvGrpSpPr/>
+        <p:nvPr/>
+      </p:nvGrpSpPr>
+      <p:grpSpPr>
+        <a:xfrm>
+          <a:off x="0" y="0"/>
+          <a:ext cx="0" cy="0"/>
+          <a:chOff x="0" y="0"/>
+          <a:chExt cx="0" cy="0"/>
+        </a:xfrm>
+      </p:grpSpPr>
+      <p:sp>
+        <p:nvSpPr>
+          <p:cNvPr id="2" name="Slide Image Placeholder 1"/>
+          <p:cNvSpPr>
+            <a:spLocks noGrp="1" noRot="1" noChangeAspect="1"/>
+          </p:cNvSpPr>
+          <p:nvPr>
+            <p:ph type="sldImg"/>
+          </p:nvPr>
+        </p:nvSpPr>
+        <p:spPr/>
+      </p:sp>
+      <p:sp>
+        <p:nvSpPr>
+          <p:cNvPr id="3" name="Notes Placeholder 2"/>
+          <p:cNvSpPr>
+            <a:spLocks noGrp="1"/>
+          </p:cNvSpPr>
+          <p:nvPr>
+            <p:ph type="body" idx="1"/>
+          </p:nvPr>
+        </p:nvSpPr>
+        <p:spPr/>
+        <p:txBody>
+          <a:bodyPr/>
+          <a:lstStyle/>
+          <a:p>
+            <a:endParaRPr lang="en-US"/>
+          </a:p>
+        </p:txBody>
+      </p:sp>
+      <p:sp>
+        <p:nvSpPr>
+          <p:cNvPr id="4" name="Slide Number Placeholder 3"/>
+          <p:cNvSpPr>
+            <a:spLocks noGrp="1"/>
+          </p:cNvSpPr>
+          <p:nvPr>
+            <p:ph type="sldNum" sz="quarter" idx="10"/>
+          </p:nvPr>
+        </p:nvSpPr>
+        <p:spPr/>
+        <p:txBody>
+          <a:bodyPr/>
+          <a:lstStyle/>
+          <a:p>
+            <a:fld id="{8547E1EE-0039-4797-B978-F453418260D1}" type="slidenum">
+              <a:rPr lang="en-US" smtClean="0"/>
+              <a:pPr/>
+              <a:t>27</a:t>
+            </a:fld>
+            <a:endParaRPr lang="en-US"/>
+          </a:p>
+        </p:txBody>
+      </p:sp>
+    </p:spTree>
+    <p:extLst>
+      <p:ext uri="{BB962C8B-B14F-4D97-AF65-F5344CB8AC3E}">
+        <p14:creationId xmlns:p14="http://schemas.microsoft.com/office/powerpoint/2010/main" val="3470826642"/>
+      </p:ext>
+    </p:extLst>
+  </p:cSld>
+  <p:clrMapOvr>
+    <a:masterClrMapping/>
+  </p:clrMapOvr>
+</p:notes>
+</file>
+
+<file path=ppt/notesSlides/notesSlide28.xml><?xml version="1.0" encoding="utf-8"?>
+<p:notes xmlns:a="http://schemas.openxmlformats.org/drawingml/2006/main" xmlns:r="http://schemas.openxmlformats.org/officeDocument/2006/relationships" xmlns:p="http://schemas.openxmlformats.org/presentationml/2006/main">
+  <p:cSld>
+    <p:spTree>
+      <p:nvGrpSpPr>
+        <p:cNvPr id="1" name=""/>
+        <p:cNvGrpSpPr/>
+        <p:nvPr/>
+      </p:nvGrpSpPr>
+      <p:grpSpPr>
+        <a:xfrm>
+          <a:off x="0" y="0"/>
+          <a:ext cx="0" cy="0"/>
+          <a:chOff x="0" y="0"/>
+          <a:chExt cx="0" cy="0"/>
+        </a:xfrm>
+      </p:grpSpPr>
+      <p:sp>
+        <p:nvSpPr>
+          <p:cNvPr id="2" name="Slide Image Placeholder 1"/>
+          <p:cNvSpPr>
+            <a:spLocks noGrp="1" noRot="1" noChangeAspect="1"/>
+          </p:cNvSpPr>
+          <p:nvPr>
+            <p:ph type="sldImg"/>
+          </p:nvPr>
+        </p:nvSpPr>
+        <p:spPr/>
+      </p:sp>
+      <p:sp>
+        <p:nvSpPr>
+          <p:cNvPr id="3" name="Notes Placeholder 2"/>
+          <p:cNvSpPr>
+            <a:spLocks noGrp="1"/>
+          </p:cNvSpPr>
+          <p:nvPr>
+            <p:ph type="body" idx="1"/>
+          </p:nvPr>
+        </p:nvSpPr>
+        <p:spPr/>
+        <p:txBody>
+          <a:bodyPr/>
+          <a:lstStyle/>
+          <a:p>
+            <a:endParaRPr lang="en-US"/>
+          </a:p>
+        </p:txBody>
+      </p:sp>
+      <p:sp>
+        <p:nvSpPr>
+          <p:cNvPr id="4" name="Slide Number Placeholder 3"/>
+          <p:cNvSpPr>
+            <a:spLocks noGrp="1"/>
+          </p:cNvSpPr>
+          <p:nvPr>
+            <p:ph type="sldNum" sz="quarter" idx="10"/>
+          </p:nvPr>
+        </p:nvSpPr>
+        <p:spPr/>
+        <p:txBody>
+          <a:bodyPr/>
+          <a:lstStyle/>
+          <a:p>
+            <a:fld id="{8547E1EE-0039-4797-B978-F453418260D1}" type="slidenum">
+              <a:rPr lang="en-US" smtClean="0"/>
+              <a:pPr/>
+              <a:t>28</a:t>
+            </a:fld>
+            <a:endParaRPr lang="en-US"/>
+          </a:p>
+        </p:txBody>
+      </p:sp>
+    </p:spTree>
+    <p:extLst>
+      <p:ext uri="{BB962C8B-B14F-4D97-AF65-F5344CB8AC3E}">
+        <p14:creationId xmlns:p14="http://schemas.microsoft.com/office/powerpoint/2010/main" val="1238595220"/>
+      </p:ext>
+    </p:extLst>
+  </p:cSld>
+  <p:clrMapOvr>
+    <a:masterClrMapping/>
+  </p:clrMapOvr>
+</p:notes>
+</file>
+
+<file path=ppt/notesSlides/notesSlide3.xml><?xml version="1.0" encoding="utf-8"?>
+<p:notes xmlns:a="http://schemas.openxmlformats.org/drawingml/2006/main" xmlns:r="http://schemas.openxmlformats.org/officeDocument/2006/relationships" xmlns:p="http://schemas.openxmlformats.org/presentationml/2006/main">
+  <p:cSld>
+    <p:spTree>
+      <p:nvGrpSpPr>
+        <p:cNvPr id="1" name=""/>
+        <p:cNvGrpSpPr/>
+        <p:nvPr/>
+      </p:nvGrpSpPr>
+      <p:grpSpPr>
+        <a:xfrm>
+          <a:off x="0" y="0"/>
+          <a:ext cx="0" cy="0"/>
+          <a:chOff x="0" y="0"/>
+          <a:chExt cx="0" cy="0"/>
+        </a:xfrm>
+      </p:grpSpPr>
+      <p:sp>
+        <p:nvSpPr>
+          <p:cNvPr id="2" name="Slide Image Placeholder 1"/>
+          <p:cNvSpPr>
+            <a:spLocks noGrp="1" noRot="1" noChangeAspect="1"/>
+          </p:cNvSpPr>
+          <p:nvPr>
+            <p:ph type="sldImg"/>
+          </p:nvPr>
+        </p:nvSpPr>
+        <p:spPr>
+          <a:xfrm>
+            <a:off x="381000" y="381000"/>
+            <a:ext cx="4572000" cy="2573338"/>
+          </a:xfrm>
+        </p:spPr>
+      </p:sp>
+      <p:sp>
+        <p:nvSpPr>
+          <p:cNvPr id="3" name="Notes Placeholder 2"/>
+          <p:cNvSpPr>
+            <a:spLocks noGrp="1"/>
+          </p:cNvSpPr>
+          <p:nvPr>
+            <p:ph type="body" idx="1"/>
+          </p:nvPr>
+        </p:nvSpPr>
+        <p:spPr/>
+        <p:txBody>
+          <a:bodyPr/>
+          <a:lstStyle/>
+          <a:p>
+            <a:endParaRPr lang="en-US"/>
+          </a:p>
+        </p:txBody>
+      </p:sp>
+      <p:sp>
+        <p:nvSpPr>
+          <p:cNvPr id="4" name="Slide Number Placeholder 3"/>
+          <p:cNvSpPr>
+            <a:spLocks noGrp="1"/>
+          </p:cNvSpPr>
+          <p:nvPr>
+            <p:ph type="sldNum" sz="quarter" idx="10"/>
+          </p:nvPr>
+        </p:nvSpPr>
+        <p:spPr/>
+        <p:txBody>
+          <a:bodyPr/>
+          <a:lstStyle/>
+          <a:p>
+            <a:fld id="{8547E1EE-0039-4797-B978-F453418260D1}" type="slidenum">
+              <a:rPr lang="en-US" smtClean="0"/>
+              <a:pPr/>
+              <a:t>3</a:t>
+            </a:fld>
+            <a:endParaRPr lang="en-US"/>
+          </a:p>
+        </p:txBody>
+      </p:sp>
+    </p:spTree>
+    <p:extLst>
+      <p:ext uri="{BB962C8B-B14F-4D97-AF65-F5344CB8AC3E}">
+        <p14:creationId xmlns:p14="http://schemas.microsoft.com/office/powerpoint/2010/main" val="848638172"/>
+      </p:ext>
+    </p:extLst>
+  </p:cSld>
+  <p:clrMapOvr>
+    <a:masterClrMapping/>
+  </p:clrMapOvr>
+</p:notes>
+</file>
+
+<file path=ppt/notesSlides/notesSlide4.xml><?xml version="1.0" encoding="utf-8"?>
+<p:notes xmlns:a="http://schemas.openxmlformats.org/drawingml/2006/main" xmlns:r="http://schemas.openxmlformats.org/officeDocument/2006/relationships" xmlns:p="http://schemas.openxmlformats.org/presentationml/2006/main">
+  <p:cSld>
+    <p:spTree>
+      <p:nvGrpSpPr>
+        <p:cNvPr id="1" name=""/>
+        <p:cNvGrpSpPr/>
+        <p:nvPr/>
+      </p:nvGrpSpPr>
+      <p:grpSpPr>
+        <a:xfrm>
+          <a:off x="0" y="0"/>
+          <a:ext cx="0" cy="0"/>
+          <a:chOff x="0" y="0"/>
+          <a:chExt cx="0" cy="0"/>
+        </a:xfrm>
+      </p:grpSpPr>
+      <p:sp>
+        <p:nvSpPr>
+          <p:cNvPr id="2" name="Slide Image Placeholder 1"/>
+          <p:cNvSpPr>
+            <a:spLocks noGrp="1" noRot="1" noChangeAspect="1"/>
+          </p:cNvSpPr>
+          <p:nvPr>
+            <p:ph type="sldImg"/>
+          </p:nvPr>
+        </p:nvSpPr>
+        <p:spPr/>
+      </p:sp>
+      <p:sp>
+        <p:nvSpPr>
+          <p:cNvPr id="3" name="Notes Placeholder 2"/>
+          <p:cNvSpPr>
+            <a:spLocks noGrp="1"/>
+          </p:cNvSpPr>
+          <p:nvPr>
+            <p:ph type="body" idx="1"/>
+          </p:nvPr>
+        </p:nvSpPr>
+        <p:spPr/>
+        <p:txBody>
+          <a:bodyPr/>
+          <a:lstStyle/>
+          <a:p>
+            <a:endParaRPr lang="en-US"/>
+          </a:p>
+        </p:txBody>
+      </p:sp>
+      <p:sp>
+        <p:nvSpPr>
+          <p:cNvPr id="4" name="Slide Number Placeholder 3"/>
+          <p:cNvSpPr>
+            <a:spLocks noGrp="1"/>
+          </p:cNvSpPr>
+          <p:nvPr>
+            <p:ph type="sldNum" sz="quarter" idx="10"/>
+          </p:nvPr>
+        </p:nvSpPr>
+        <p:spPr/>
+        <p:txBody>
+          <a:bodyPr/>
+          <a:lstStyle/>
+          <a:p>
+            <a:fld id="{8547E1EE-0039-4797-B978-F453418260D1}" type="slidenum">
+              <a:rPr lang="en-US" smtClean="0"/>
+              <a:pPr/>
+              <a:t>4</a:t>
+            </a:fld>
+            <a:endParaRPr lang="en-US"/>
+          </a:p>
+        </p:txBody>
+      </p:sp>
+    </p:spTree>
+    <p:extLst>
+      <p:ext uri="{BB962C8B-B14F-4D97-AF65-F5344CB8AC3E}">
+        <p14:creationId xmlns:p14="http://schemas.microsoft.com/office/powerpoint/2010/main" val="397340661"/>
+      </p:ext>
+    </p:extLst>
+  </p:cSld>
+  <p:clrMapOvr>
+    <a:masterClrMapping/>
+  </p:clrMapOvr>
+</p:notes>
+</file>
+
+<file path=ppt/notesSlides/notesSlide5.xml><?xml version="1.0" encoding="utf-8"?>
+<p:notes xmlns:a="http://schemas.openxmlformats.org/drawingml/2006/main" xmlns:r="http://schemas.openxmlformats.org/officeDocument/2006/relationships" xmlns:p="http://schemas.openxmlformats.org/presentationml/2006/main">
+  <p:cSld>
+    <p:spTree>
+      <p:nvGrpSpPr>
+        <p:cNvPr id="1" name=""/>
+        <p:cNvGrpSpPr/>
+        <p:nvPr/>
+      </p:nvGrpSpPr>
+      <p:grpSpPr>
+        <a:xfrm>
+          <a:off x="0" y="0"/>
+          <a:ext cx="0" cy="0"/>
+          <a:chOff x="0" y="0"/>
+          <a:chExt cx="0" cy="0"/>
+        </a:xfrm>
+      </p:grpSpPr>
+      <p:sp>
+        <p:nvSpPr>
+          <p:cNvPr id="2" name="Slide Image Placeholder 1"/>
+          <p:cNvSpPr>
+            <a:spLocks noGrp="1" noRot="1" noChangeAspect="1"/>
+          </p:cNvSpPr>
+          <p:nvPr>
+            <p:ph type="sldImg"/>
+          </p:nvPr>
+        </p:nvSpPr>
+        <p:spPr/>
+      </p:sp>
+      <p:sp>
+        <p:nvSpPr>
+          <p:cNvPr id="3" name="Notes Placeholder 2"/>
+          <p:cNvSpPr>
+            <a:spLocks noGrp="1"/>
+          </p:cNvSpPr>
+          <p:nvPr>
+            <p:ph type="body" idx="1"/>
+          </p:nvPr>
+        </p:nvSpPr>
+        <p:spPr/>
+        <p:txBody>
+          <a:bodyPr/>
+          <a:lstStyle/>
+          <a:p>
+            <a:endParaRPr lang="en-US"/>
+          </a:p>
+        </p:txBody>
+      </p:sp>
+      <p:sp>
+        <p:nvSpPr>
+          <p:cNvPr id="4" name="Slide Number Placeholder 3"/>
+          <p:cNvSpPr>
+            <a:spLocks noGrp="1"/>
+          </p:cNvSpPr>
+          <p:nvPr>
+            <p:ph type="sldNum" sz="quarter" idx="10"/>
+          </p:nvPr>
+        </p:nvSpPr>
+        <p:spPr/>
+        <p:txBody>
+          <a:bodyPr/>
+          <a:lstStyle/>
+          <a:p>
+            <a:fld id="{8547E1EE-0039-4797-B978-F453418260D1}" type="slidenum">
+              <a:rPr lang="en-US" smtClean="0"/>
+              <a:pPr/>
+              <a:t>5</a:t>
+            </a:fld>
+            <a:endParaRPr lang="en-US"/>
+          </a:p>
+        </p:txBody>
+      </p:sp>
+    </p:spTree>
+    <p:extLst>
+      <p:ext uri="{BB962C8B-B14F-4D97-AF65-F5344CB8AC3E}">
+        <p14:creationId xmlns:p14="http://schemas.microsoft.com/office/powerpoint/2010/main" val="2365111508"/>
+      </p:ext>
+    </p:extLst>
+  </p:cSld>
+  <p:clrMapOvr>
+    <a:masterClrMapping/>
+  </p:clrMapOvr>
+</p:notes>
+</file>
+
+<file path=ppt/notesSlides/notesSlide6.xml><?xml version="1.0" encoding="utf-8"?>
+<p:notes xmlns:a="http://schemas.openxmlformats.org/drawingml/2006/main" xmlns:r="http://schemas.openxmlformats.org/officeDocument/2006/relationships" xmlns:p="http://schemas.openxmlformats.org/presentationml/2006/main">
+  <p:cSld>
+    <p:spTree>
+      <p:nvGrpSpPr>
+        <p:cNvPr id="1" name=""/>
+        <p:cNvGrpSpPr/>
+        <p:nvPr/>
+      </p:nvGrpSpPr>
+      <p:grpSpPr>
+        <a:xfrm>
+          <a:off x="0" y="0"/>
+          <a:ext cx="0" cy="0"/>
+          <a:chOff x="0" y="0"/>
+          <a:chExt cx="0" cy="0"/>
+        </a:xfrm>
+      </p:grpSpPr>
+      <p:sp>
+        <p:nvSpPr>
+          <p:cNvPr id="2" name="Slide Image Placeholder 1"/>
+          <p:cNvSpPr>
+            <a:spLocks noGrp="1" noRot="1" noChangeAspect="1"/>
+          </p:cNvSpPr>
+          <p:nvPr>
+            <p:ph type="sldImg"/>
+          </p:nvPr>
+        </p:nvSpPr>
+        <p:spPr/>
+      </p:sp>
+      <p:sp>
+        <p:nvSpPr>
+          <p:cNvPr id="3" name="Notes Placeholder 2"/>
+          <p:cNvSpPr>
+            <a:spLocks noGrp="1"/>
+          </p:cNvSpPr>
+          <p:nvPr>
+            <p:ph type="body" idx="1"/>
+          </p:nvPr>
+        </p:nvSpPr>
+        <p:spPr/>
+        <p:txBody>
+          <a:bodyPr/>
+          <a:lstStyle/>
+          <a:p>
+            <a:endParaRPr lang="en-US"/>
+          </a:p>
+        </p:txBody>
+      </p:sp>
+      <p:sp>
+        <p:nvSpPr>
+          <p:cNvPr id="4" name="Slide Number Placeholder 3"/>
+          <p:cNvSpPr>
+            <a:spLocks noGrp="1"/>
+          </p:cNvSpPr>
+          <p:nvPr>
+            <p:ph type="sldNum" sz="quarter" idx="10"/>
+          </p:nvPr>
+        </p:nvSpPr>
+        <p:spPr/>
+        <p:txBody>
+          <a:bodyPr/>
+          <a:lstStyle/>
+          <a:p>
+            <a:fld id="{8547E1EE-0039-4797-B978-F453418260D1}" type="slidenum">
+              <a:rPr lang="en-US" smtClean="0"/>
+              <a:pPr/>
+              <a:t>6</a:t>
+            </a:fld>
+            <a:endParaRPr lang="en-US"/>
+          </a:p>
+        </p:txBody>
+      </p:sp>
+    </p:spTree>
+    <p:extLst>
+      <p:ext uri="{BB962C8B-B14F-4D97-AF65-F5344CB8AC3E}">
+        <p14:creationId xmlns:p14="http://schemas.microsoft.com/office/powerpoint/2010/main" val="1031388593"/>
+      </p:ext>
+    </p:extLst>
+  </p:cSld>
+  <p:clrMapOvr>
+    <a:masterClrMapping/>
+  </p:clrMapOvr>
+</p:notes>
+</file>
+
+<file path=ppt/notesSlides/notesSlide7.xml><?xml version="1.0" encoding="utf-8"?>
+<p:notes xmlns:a="http://schemas.openxmlformats.org/drawingml/2006/main" xmlns:r="http://schemas.openxmlformats.org/officeDocument/2006/relationships" xmlns:p="http://schemas.openxmlformats.org/presentationml/2006/main">
+  <p:cSld>
+    <p:spTree>
+      <p:nvGrpSpPr>
+        <p:cNvPr id="1" name=""/>
+        <p:cNvGrpSpPr/>
+        <p:nvPr/>
+      </p:nvGrpSpPr>
+      <p:grpSpPr>
+        <a:xfrm>
+          <a:off x="0" y="0"/>
+          <a:ext cx="0" cy="0"/>
+          <a:chOff x="0" y="0"/>
+          <a:chExt cx="0" cy="0"/>
+        </a:xfrm>
+      </p:grpSpPr>
+      <p:sp>
+        <p:nvSpPr>
+          <p:cNvPr id="2" name="Slide Image Placeholder 1"/>
+          <p:cNvSpPr>
+            <a:spLocks noGrp="1" noRot="1" noChangeAspect="1"/>
+          </p:cNvSpPr>
+          <p:nvPr>
+            <p:ph type="sldImg"/>
+          </p:nvPr>
+        </p:nvSpPr>
+        <p:spPr/>
+      </p:sp>
+      <p:sp>
+        <p:nvSpPr>
+          <p:cNvPr id="3" name="Notes Placeholder 2"/>
+          <p:cNvSpPr>
+            <a:spLocks noGrp="1"/>
+          </p:cNvSpPr>
+          <p:nvPr>
+            <p:ph type="body" idx="1"/>
+          </p:nvPr>
+        </p:nvSpPr>
+        <p:spPr/>
+        <p:txBody>
+          <a:bodyPr/>
+          <a:lstStyle/>
+          <a:p>
+            <a:endParaRPr lang="en-US"/>
+          </a:p>
+        </p:txBody>
+      </p:sp>
+      <p:sp>
+        <p:nvSpPr>
+          <p:cNvPr id="4" name="Slide Number Placeholder 3"/>
+          <p:cNvSpPr>
+            <a:spLocks noGrp="1"/>
+          </p:cNvSpPr>
+          <p:nvPr>
+            <p:ph type="sldNum" sz="quarter" idx="10"/>
+          </p:nvPr>
+        </p:nvSpPr>
+        <p:spPr/>
+        <p:txBody>
+          <a:bodyPr/>
+          <a:lstStyle/>
+          <a:p>
+            <a:fld id="{8547E1EE-0039-4797-B978-F453418260D1}" type="slidenum">
+              <a:rPr lang="en-US" smtClean="0"/>
+              <a:pPr/>
+              <a:t>7</a:t>
+            </a:fld>
+            <a:endParaRPr lang="en-US"/>
+          </a:p>
+        </p:txBody>
+      </p:sp>
+    </p:spTree>
+    <p:extLst>
+      <p:ext uri="{BB962C8B-B14F-4D97-AF65-F5344CB8AC3E}">
+        <p14:creationId xmlns:p14="http://schemas.microsoft.com/office/powerpoint/2010/main" val="2695194762"/>
+      </p:ext>
+    </p:extLst>
+  </p:cSld>
+  <p:clrMapOvr>
+    <a:masterClrMapping/>
+  </p:clrMapOvr>
+</p:notes>
+</file>
+
+<file path=ppt/notesSlides/notesSlide8.xml><?xml version="1.0" encoding="utf-8"?>
+<p:notes xmlns:a="http://schemas.openxmlformats.org/drawingml/2006/main" xmlns:r="http://schemas.openxmlformats.org/officeDocument/2006/relationships" xmlns:p="http://schemas.openxmlformats.org/presentationml/2006/main">
+  <p:cSld>
+    <p:spTree>
+      <p:nvGrpSpPr>
+        <p:cNvPr id="1" name=""/>
+        <p:cNvGrpSpPr/>
+        <p:nvPr/>
+      </p:nvGrpSpPr>
+      <p:grpSpPr>
+        <a:xfrm>
+          <a:off x="0" y="0"/>
+          <a:ext cx="0" cy="0"/>
+          <a:chOff x="0" y="0"/>
+          <a:chExt cx="0" cy="0"/>
+        </a:xfrm>
+      </p:grpSpPr>
+      <p:sp>
+        <p:nvSpPr>
+          <p:cNvPr id="2" name="Slide Image Placeholder 1"/>
+          <p:cNvSpPr>
+            <a:spLocks noGrp="1" noRot="1" noChangeAspect="1"/>
+          </p:cNvSpPr>
+          <p:nvPr>
+            <p:ph type="sldImg"/>
+          </p:nvPr>
+        </p:nvSpPr>
+        <p:spPr/>
+      </p:sp>
+      <p:sp>
+        <p:nvSpPr>
+          <p:cNvPr id="3" name="Notes Placeholder 2"/>
+          <p:cNvSpPr>
+            <a:spLocks noGrp="1"/>
+          </p:cNvSpPr>
+          <p:nvPr>
+            <p:ph type="body" idx="1"/>
+          </p:nvPr>
+        </p:nvSpPr>
+        <p:spPr/>
+        <p:txBody>
+          <a:bodyPr/>
+          <a:lstStyle/>
+          <a:p>
+            <a:endParaRPr lang="en-US"/>
+          </a:p>
+        </p:txBody>
+      </p:sp>
+      <p:sp>
+        <p:nvSpPr>
+          <p:cNvPr id="4" name="Slide Number Placeholder 3"/>
+          <p:cNvSpPr>
+            <a:spLocks noGrp="1"/>
+          </p:cNvSpPr>
+          <p:nvPr>
+            <p:ph type="sldNum" sz="quarter" idx="10"/>
+          </p:nvPr>
+        </p:nvSpPr>
+        <p:spPr/>
+        <p:txBody>
+          <a:bodyPr/>
+          <a:lstStyle/>
+          <a:p>
+            <a:fld id="{8547E1EE-0039-4797-B978-F453418260D1}" type="slidenum">
+              <a:rPr lang="en-US" smtClean="0"/>
+              <a:pPr/>
+              <a:t>8</a:t>
+            </a:fld>
+            <a:endParaRPr lang="en-US"/>
+          </a:p>
+        </p:txBody>
+      </p:sp>
+    </p:spTree>
+    <p:extLst>
+      <p:ext uri="{BB962C8B-B14F-4D97-AF65-F5344CB8AC3E}">
+        <p14:creationId xmlns:p14="http://schemas.microsoft.com/office/powerpoint/2010/main" val="983572664"/>
+      </p:ext>
+    </p:extLst>
+  </p:cSld>
+  <p:clrMapOvr>
+    <a:masterClrMapping/>
+  </p:clrMapOvr>
+</p:notes>
+</file>
+
+<file path=ppt/notesSlides/notesSlide9.xml><?xml version="1.0" encoding="utf-8"?>
+<p:notes xmlns:a="http://schemas.openxmlformats.org/drawingml/2006/main" xmlns:r="http://schemas.openxmlformats.org/officeDocument/2006/relationships" xmlns:p="http://schemas.openxmlformats.org/presentationml/2006/main">
+  <p:cSld>
+    <p:spTree>
+      <p:nvGrpSpPr>
+        <p:cNvPr id="1" name=""/>
+        <p:cNvGrpSpPr/>
+        <p:nvPr/>
+      </p:nvGrpSpPr>
+      <p:grpSpPr>
+        <a:xfrm>
+          <a:off x="0" y="0"/>
+          <a:ext cx="0" cy="0"/>
+          <a:chOff x="0" y="0"/>
+          <a:chExt cx="0" cy="0"/>
+        </a:xfrm>
+      </p:grpSpPr>
+      <p:sp>
+        <p:nvSpPr>
+          <p:cNvPr id="2" name="Slide Image Placeholder 1"/>
+          <p:cNvSpPr>
+            <a:spLocks noGrp="1" noRot="1" noChangeAspect="1"/>
+          </p:cNvSpPr>
+          <p:nvPr>
+            <p:ph type="sldImg"/>
+          </p:nvPr>
+        </p:nvSpPr>
+        <p:spPr/>
+      </p:sp>
+      <p:sp>
+        <p:nvSpPr>
+          <p:cNvPr id="3" name="Notes Placeholder 2"/>
+          <p:cNvSpPr>
+            <a:spLocks noGrp="1"/>
+          </p:cNvSpPr>
+          <p:nvPr>
+            <p:ph type="body" idx="1"/>
+          </p:nvPr>
+        </p:nvSpPr>
+        <p:spPr/>
+        <p:txBody>
+          <a:bodyPr/>
+          <a:lstStyle/>
+          <a:p>
+            <a:endParaRPr lang="en-US"/>
+          </a:p>
+        </p:txBody>
+      </p:sp>
+      <p:sp>
+        <p:nvSpPr>
+          <p:cNvPr id="4" name="Slide Number Placeholder 3"/>
+          <p:cNvSpPr>
+            <a:spLocks noGrp="1"/>
+          </p:cNvSpPr>
+          <p:nvPr>
+            <p:ph type="sldNum" sz="quarter" idx="10"/>
+          </p:nvPr>
+        </p:nvSpPr>
+        <p:spPr/>
+        <p:txBody>
+          <a:bodyPr/>
+          <a:lstStyle/>
+          <a:p>
+            <a:fld id="{8547E1EE-0039-4797-B978-F453418260D1}" type="slidenum">
+              <a:rPr lang="en-US" smtClean="0"/>
+              <a:pPr/>
+              <a:t>9</a:t>
+            </a:fld>
+            <a:endParaRPr lang="en-US"/>
+          </a:p>
+        </p:txBody>
+      </p:sp>
+    </p:spTree>
+    <p:extLst>
+      <p:ext uri="{BB962C8B-B14F-4D97-AF65-F5344CB8AC3E}">
+        <p14:creationId xmlns:p14="http://schemas.microsoft.com/office/powerpoint/2010/main" val="3303482075"/>
+      </p:ext>
+    </p:extLst>
+  </p:cSld>
+  <p:clrMapOvr>
+    <a:masterClrMapping/>
+  </p:clrMapOvr>
+</p:notes>
 </file>
 
 <file path=ppt/slideLayouts/slideLayout1.xml><?xml version="1.0" encoding="utf-8"?>
@@ -12306,7 +14696,11 @@
             </a:r>
             <a:r>
               <a:rPr lang="en-US" sz="1400" dirty="0" smtClean="0"/>
-              <a:t>PAT ))</a:t>
+              <a:t>PGA_AGGREGATE_TARGET </a:t>
+            </a:r>
+            <a:r>
+              <a:rPr lang="en-US" sz="1400" dirty="0" smtClean="0"/>
+              <a:t>))</a:t>
             </a:r>
             <a:endParaRPr lang="en-US" sz="1400" dirty="0"/>
           </a:p>
@@ -12326,7 +14720,15 @@
             </a:r>
             <a:r>
               <a:rPr lang="en-US" sz="1400" dirty="0" smtClean="0"/>
-              <a:t>in ( 20% of PAT, 50</a:t>
+              <a:t>in ( 20% of </a:t>
+            </a:r>
+            <a:r>
+              <a:rPr lang="en-US" sz="1400" dirty="0" smtClean="0"/>
+              <a:t>PGA_AGGREGATE_TARGET, </a:t>
+            </a:r>
+            <a:r>
+              <a:rPr lang="en-US" sz="1400" dirty="0" smtClean="0"/>
+              <a:t>50</a:t>
             </a:r>
             <a:r>
               <a:rPr lang="en-US" sz="1400" dirty="0"/>
@@ -12373,7 +14775,7 @@
           <p:nvPr/>
         </p:nvPicPr>
         <p:blipFill>
-          <a:blip r:embed="rId2"/>
+          <a:blip r:embed="rId3"/>
           <a:stretch>
             <a:fillRect/>
           </a:stretch>
@@ -12609,7 +15011,7 @@
                 <a:avLst/>
               </a:prstGeom>
               <a:blipFill rotWithShape="0">
-                <a:blip r:embed="rId3"/>
+                <a:blip r:embed="rId4"/>
                 <a:stretch>
                   <a:fillRect t="-5500"/>
                 </a:stretch>
@@ -13008,7 +15410,7 @@
           <p:nvPr/>
         </p:nvPicPr>
         <p:blipFill>
-          <a:blip r:embed="rId2"/>
+          <a:blip r:embed="rId3"/>
           <a:stretch>
             <a:fillRect/>
           </a:stretch>
@@ -13117,7 +15519,7 @@
           <p:nvPr/>
         </p:nvPicPr>
         <p:blipFill>
-          <a:blip r:embed="rId2"/>
+          <a:blip r:embed="rId3"/>
           <a:stretch>
             <a:fillRect/>
           </a:stretch>
@@ -13505,7 +15907,7 @@
           <p:nvPr/>
         </p:nvPicPr>
         <p:blipFill>
-          <a:blip r:embed="rId2">
+          <a:blip r:embed="rId3">
             <a:extLst>
               <a:ext uri="{28A0092B-C50C-407E-A947-70E740481C1C}">
                 <a14:useLocalDpi xmlns:a14="http://schemas.microsoft.com/office/drawing/2010/main" val="0"/>
@@ -13879,7 +16281,7 @@
           <p:nvPr/>
         </p:nvPicPr>
         <p:blipFill>
-          <a:blip r:embed="rId2">
+          <a:blip r:embed="rId3">
             <a:extLst>
               <a:ext uri="{28A0092B-C50C-407E-A947-70E740481C1C}">
                 <a14:useLocalDpi xmlns:a14="http://schemas.microsoft.com/office/drawing/2010/main" val="0"/>
@@ -13926,7 +16328,7 @@
             <a:avLst/>
           </a:prstGeom>
           <a:blipFill dpi="0" rotWithShape="1">
-            <a:blip r:embed="rId3">
+            <a:blip r:embed="rId4">
               <a:extLst>
                 <a:ext uri="{28A0092B-C50C-407E-A947-70E740481C1C}">
                   <a14:useLocalDpi xmlns:a14="http://schemas.microsoft.com/office/drawing/2010/main" val="0"/>
@@ -14474,7 +16876,7 @@
           <p:nvPr/>
         </p:nvPicPr>
         <p:blipFill>
-          <a:blip r:embed="rId2"/>
+          <a:blip r:embed="rId3"/>
           <a:stretch>
             <a:fillRect/>
           </a:stretch>
@@ -14667,7 +17069,7 @@
           <p:nvPr/>
         </p:nvPicPr>
         <p:blipFill>
-          <a:blip r:embed="rId2"/>
+          <a:blip r:embed="rId3"/>
           <a:stretch>
             <a:fillRect/>
           </a:stretch>
@@ -14691,7 +17093,7 @@
           <p:nvPr/>
         </p:nvPicPr>
         <p:blipFill>
-          <a:blip r:embed="rId3"/>
+          <a:blip r:embed="rId4"/>
           <a:stretch>
             <a:fillRect/>
           </a:stretch>
@@ -14825,7 +17227,7 @@
           <p:nvPr/>
         </p:nvPicPr>
         <p:blipFill>
-          <a:blip r:embed="rId2"/>
+          <a:blip r:embed="rId3"/>
           <a:stretch>
             <a:fillRect/>
           </a:stretch>
@@ -14921,7 +17323,7 @@
           <p:nvPr/>
         </p:nvPicPr>
         <p:blipFill>
-          <a:blip r:embed="rId2">
+          <a:blip r:embed="rId3">
             <a:extLst>
               <a:ext uri="{28A0092B-C50C-407E-A947-70E740481C1C}">
                 <a14:useLocalDpi xmlns:a14="http://schemas.microsoft.com/office/drawing/2010/main" val="0"/>
@@ -19121,7 +21523,7 @@
           <p:nvPr/>
         </p:nvPicPr>
         <p:blipFill>
-          <a:blip r:embed="rId2"/>
+          <a:blip r:embed="rId3"/>
           <a:stretch>
             <a:fillRect/>
           </a:stretch>
@@ -19274,7 +21676,7 @@
           <p:nvPr/>
         </p:nvPicPr>
         <p:blipFill>
-          <a:blip r:embed="rId2"/>
+          <a:blip r:embed="rId3"/>
           <a:stretch>
             <a:fillRect/>
           </a:stretch>
@@ -19370,7 +21772,7 @@
           <p:nvPr/>
         </p:nvPicPr>
         <p:blipFill>
-          <a:blip r:embed="rId2"/>
+          <a:blip r:embed="rId3"/>
           <a:stretch>
             <a:fillRect/>
           </a:stretch>
@@ -20822,7 +23224,7 @@
           <p:nvPr/>
         </p:nvPicPr>
         <p:blipFill>
-          <a:blip r:embed="rId2"/>
+          <a:blip r:embed="rId3"/>
           <a:stretch>
             <a:fillRect/>
           </a:stretch>
@@ -21031,7 +23433,15 @@
             <a:pPr lvl="1"/>
             <a:r>
               <a:rPr lang="en-US" dirty="0" smtClean="0"/>
-              <a:t>Big table caching is a good alternative if you don’t want to pay for the In-Memory option</a:t>
+              <a:t>Big table caching is a good alternative if you don’t </a:t>
+            </a:r>
+            <a:r>
+              <a:rPr lang="en-US" dirty="0" smtClean="0"/>
+              <a:t>have the </a:t>
+            </a:r>
+            <a:r>
+              <a:rPr lang="en-US" dirty="0" smtClean="0"/>
+              <a:t>In-Memory option</a:t>
             </a:r>
           </a:p>
           <a:p>
@@ -21848,7 +24258,15 @@
           <a:p>
             <a:r>
               <a:rPr lang="en-US" dirty="0" smtClean="0"/>
-              <a:t>We work for Hewlett Packard in Corvallis Oregon</a:t>
+              <a:t>We work for </a:t>
+            </a:r>
+            <a:r>
+              <a:rPr lang="en-US" dirty="0" smtClean="0"/>
+              <a:t>HP Inc. </a:t>
+            </a:r>
+            <a:r>
+              <a:rPr lang="en-US" dirty="0" smtClean="0"/>
+              <a:t>in Corvallis Oregon</a:t>
             </a:r>
           </a:p>
           <a:p>
@@ -21973,7 +24391,7 @@
           <p:nvPr/>
         </p:nvPicPr>
         <p:blipFill>
-          <a:blip r:embed="rId2"/>
+          <a:blip r:embed="rId3"/>
           <a:stretch>
             <a:fillRect/>
           </a:stretch>
@@ -22348,7 +24766,7 @@
           <p:nvPr/>
         </p:nvPicPr>
         <p:blipFill>
-          <a:blip r:embed="rId2">
+          <a:blip r:embed="rId3">
             <a:extLst>
               <a:ext uri="{28A0092B-C50C-407E-A947-70E740481C1C}">
                 <a14:useLocalDpi xmlns:a14="http://schemas.microsoft.com/office/drawing/2010/main" val="0"/>
@@ -22378,7 +24796,7 @@
           <p:nvPr/>
         </p:nvPicPr>
         <p:blipFill>
-          <a:blip r:embed="rId3">
+          <a:blip r:embed="rId4">
             <a:extLst>
               <a:ext uri="{28A0092B-C50C-407E-A947-70E740481C1C}">
                 <a14:useLocalDpi xmlns:a14="http://schemas.microsoft.com/office/drawing/2010/main" val="0"/>
@@ -22644,7 +25062,7 @@
           <p:nvPr/>
         </p:nvPicPr>
         <p:blipFill>
-          <a:blip r:embed="rId4">
+          <a:blip r:embed="rId5">
             <a:extLst>
               <a:ext uri="{28A0092B-C50C-407E-A947-70E740481C1C}">
                 <a14:useLocalDpi xmlns:a14="http://schemas.microsoft.com/office/drawing/2010/main" val="0"/>
@@ -22674,7 +25092,7 @@
           <p:nvPr/>
         </p:nvPicPr>
         <p:blipFill>
-          <a:blip r:embed="rId5">
+          <a:blip r:embed="rId6">
             <a:extLst>
               <a:ext uri="{28A0092B-C50C-407E-A947-70E740481C1C}">
                 <a14:useLocalDpi xmlns:a14="http://schemas.microsoft.com/office/drawing/2010/main" val="0"/>
@@ -22916,7 +25334,7 @@
           <p:nvPr/>
         </p:nvPicPr>
         <p:blipFill>
-          <a:blip r:embed="rId6">
+          <a:blip r:embed="rId7">
             <a:extLst>
               <a:ext uri="{28A0092B-C50C-407E-A947-70E740481C1C}">
                 <a14:useLocalDpi xmlns:a14="http://schemas.microsoft.com/office/drawing/2010/main" val="0"/>
@@ -22946,7 +25364,7 @@
           <p:nvPr/>
         </p:nvPicPr>
         <p:blipFill>
-          <a:blip r:embed="rId7">
+          <a:blip r:embed="rId8">
             <a:extLst>
               <a:ext uri="{28A0092B-C50C-407E-A947-70E740481C1C}">
                 <a14:useLocalDpi xmlns:a14="http://schemas.microsoft.com/office/drawing/2010/main" val="0"/>
@@ -23048,7 +25466,7 @@
           <p:nvPr/>
         </p:nvPicPr>
         <p:blipFill>
-          <a:blip r:embed="rId2">
+          <a:blip r:embed="rId3">
             <a:extLst>
               <a:ext uri="{28A0092B-C50C-407E-A947-70E740481C1C}">
                 <a14:useLocalDpi xmlns:a14="http://schemas.microsoft.com/office/drawing/2010/main" val="0"/>
@@ -23078,7 +25496,7 @@
           <p:nvPr/>
         </p:nvPicPr>
         <p:blipFill>
-          <a:blip r:embed="rId3">
+          <a:blip r:embed="rId4">
             <a:extLst>
               <a:ext uri="{28A0092B-C50C-407E-A947-70E740481C1C}">
                 <a14:useLocalDpi xmlns:a14="http://schemas.microsoft.com/office/drawing/2010/main" val="0"/>
@@ -24790,7 +27208,7 @@
           <p:nvPr/>
         </p:nvPicPr>
         <p:blipFill>
-          <a:blip r:embed="rId2">
+          <a:blip r:embed="rId3">
             <a:extLst>
               <a:ext uri="{28A0092B-C50C-407E-A947-70E740481C1C}">
                 <a14:useLocalDpi xmlns:a14="http://schemas.microsoft.com/office/drawing/2010/main" val="0"/>

--- a/Power Point Files/hotsos_2017 (combined).pptx
+++ b/Power Point Files/hotsos_2017 (combined).pptx
@@ -12,33 +12,33 @@
   </p:handoutMasterIdLst>
   <p:sldIdLst>
     <p:sldId id="256" r:id="rId2"/>
-    <p:sldId id="290" r:id="rId3"/>
-    <p:sldId id="286" r:id="rId4"/>
-    <p:sldId id="287" r:id="rId5"/>
-    <p:sldId id="259" r:id="rId6"/>
-    <p:sldId id="264" r:id="rId7"/>
-    <p:sldId id="260" r:id="rId8"/>
-    <p:sldId id="291" r:id="rId9"/>
-    <p:sldId id="289" r:id="rId10"/>
-    <p:sldId id="262" r:id="rId11"/>
-    <p:sldId id="267" r:id="rId12"/>
-    <p:sldId id="269" r:id="rId13"/>
-    <p:sldId id="261" r:id="rId14"/>
-    <p:sldId id="295" r:id="rId15"/>
-    <p:sldId id="277" r:id="rId16"/>
-    <p:sldId id="272" r:id="rId17"/>
-    <p:sldId id="278" r:id="rId18"/>
-    <p:sldId id="294" r:id="rId19"/>
-    <p:sldId id="297" r:id="rId20"/>
-    <p:sldId id="273" r:id="rId21"/>
-    <p:sldId id="279" r:id="rId22"/>
-    <p:sldId id="274" r:id="rId23"/>
-    <p:sldId id="280" r:id="rId24"/>
-    <p:sldId id="293" r:id="rId25"/>
-    <p:sldId id="281" r:id="rId26"/>
-    <p:sldId id="292" r:id="rId27"/>
-    <p:sldId id="282" r:id="rId28"/>
-    <p:sldId id="283" r:id="rId29"/>
+    <p:sldId id="286" r:id="rId3"/>
+    <p:sldId id="290" r:id="rId4"/>
+    <p:sldId id="259" r:id="rId5"/>
+    <p:sldId id="264" r:id="rId6"/>
+    <p:sldId id="289" r:id="rId7"/>
+    <p:sldId id="262" r:id="rId8"/>
+    <p:sldId id="260" r:id="rId9"/>
+    <p:sldId id="291" r:id="rId10"/>
+    <p:sldId id="267" r:id="rId11"/>
+    <p:sldId id="269" r:id="rId12"/>
+    <p:sldId id="261" r:id="rId13"/>
+    <p:sldId id="295" r:id="rId14"/>
+    <p:sldId id="277" r:id="rId15"/>
+    <p:sldId id="272" r:id="rId16"/>
+    <p:sldId id="278" r:id="rId17"/>
+    <p:sldId id="294" r:id="rId18"/>
+    <p:sldId id="297" r:id="rId19"/>
+    <p:sldId id="273" r:id="rId20"/>
+    <p:sldId id="279" r:id="rId21"/>
+    <p:sldId id="274" r:id="rId22"/>
+    <p:sldId id="280" r:id="rId23"/>
+    <p:sldId id="293" r:id="rId24"/>
+    <p:sldId id="281" r:id="rId25"/>
+    <p:sldId id="292" r:id="rId26"/>
+    <p:sldId id="282" r:id="rId27"/>
+    <p:sldId id="283" r:id="rId28"/>
+    <p:sldId id="298" r:id="rId29"/>
   </p:sldIdLst>
   <p:sldSz cx="12188825" cy="6858000"/>
   <p:notesSz cx="6858000" cy="9144000"/>
@@ -280,7 +280,7 @@
           <a:p>
             <a:fld id="{ADCC02A0-C947-4278-96D1-0DB9C063DF55}" type="datetimeFigureOut">
               <a:rPr lang="en-US" smtClean="0"/>
-              <a:t>2017-02-25</a:t>
+              <a:t>2/26/2017</a:t>
             </a:fld>
             <a:endParaRPr lang="en-US"/>
           </a:p>
@@ -784,7 +784,12 @@
             <p:ph type="sldImg"/>
           </p:nvPr>
         </p:nvSpPr>
-        <p:spPr/>
+        <p:spPr>
+          <a:xfrm>
+            <a:off x="381000" y="381000"/>
+            <a:ext cx="4572000" cy="2573338"/>
+          </a:xfrm>
+        </p:spPr>
       </p:sp>
       <p:sp>
         <p:nvSpPr>
@@ -832,7 +837,7 @@
     </p:spTree>
     <p:extLst>
       <p:ext uri="{BB962C8B-B14F-4D97-AF65-F5344CB8AC3E}">
-        <p14:creationId xmlns:p14="http://schemas.microsoft.com/office/powerpoint/2010/main" val="2717758803"/>
+        <p14:creationId xmlns:p14="http://schemas.microsoft.com/office/powerpoint/2010/main" val="2071479967"/>
       </p:ext>
     </p:extLst>
   </p:cSld>
@@ -869,7 +874,12 @@
             <p:ph type="sldImg"/>
           </p:nvPr>
         </p:nvSpPr>
-        <p:spPr/>
+        <p:spPr>
+          <a:xfrm>
+            <a:off x="381000" y="381000"/>
+            <a:ext cx="4572000" cy="2573338"/>
+          </a:xfrm>
+        </p:spPr>
       </p:sp>
       <p:sp>
         <p:nvSpPr>
@@ -917,7 +927,7 @@
     </p:spTree>
     <p:extLst>
       <p:ext uri="{BB962C8B-B14F-4D97-AF65-F5344CB8AC3E}">
-        <p14:creationId xmlns:p14="http://schemas.microsoft.com/office/powerpoint/2010/main" val="2071479967"/>
+        <p14:creationId xmlns:p14="http://schemas.microsoft.com/office/powerpoint/2010/main" val="2458416894"/>
       </p:ext>
     </p:extLst>
   </p:cSld>
@@ -1002,7 +1012,7 @@
     </p:spTree>
     <p:extLst>
       <p:ext uri="{BB962C8B-B14F-4D97-AF65-F5344CB8AC3E}">
-        <p14:creationId xmlns:p14="http://schemas.microsoft.com/office/powerpoint/2010/main" val="2458416894"/>
+        <p14:creationId xmlns:p14="http://schemas.microsoft.com/office/powerpoint/2010/main" val="1249585975"/>
       </p:ext>
     </p:extLst>
   </p:cSld>
@@ -1087,7 +1097,7 @@
     </p:spTree>
     <p:extLst>
       <p:ext uri="{BB962C8B-B14F-4D97-AF65-F5344CB8AC3E}">
-        <p14:creationId xmlns:p14="http://schemas.microsoft.com/office/powerpoint/2010/main" val="1249585975"/>
+        <p14:creationId xmlns:p14="http://schemas.microsoft.com/office/powerpoint/2010/main" val="891389806"/>
       </p:ext>
     </p:extLst>
   </p:cSld>
@@ -1124,7 +1134,12 @@
             <p:ph type="sldImg"/>
           </p:nvPr>
         </p:nvSpPr>
-        <p:spPr/>
+        <p:spPr>
+          <a:xfrm>
+            <a:off x="381000" y="381000"/>
+            <a:ext cx="4572000" cy="2573338"/>
+          </a:xfrm>
+        </p:spPr>
       </p:sp>
       <p:sp>
         <p:nvSpPr>
@@ -1172,7 +1187,7 @@
     </p:spTree>
     <p:extLst>
       <p:ext uri="{BB962C8B-B14F-4D97-AF65-F5344CB8AC3E}">
-        <p14:creationId xmlns:p14="http://schemas.microsoft.com/office/powerpoint/2010/main" val="891389806"/>
+        <p14:creationId xmlns:p14="http://schemas.microsoft.com/office/powerpoint/2010/main" val="510896548"/>
       </p:ext>
     </p:extLst>
   </p:cSld>
@@ -1209,7 +1224,12 @@
             <p:ph type="sldImg"/>
           </p:nvPr>
         </p:nvSpPr>
-        <p:spPr/>
+        <p:spPr>
+          <a:xfrm>
+            <a:off x="381000" y="381000"/>
+            <a:ext cx="4572000" cy="2573338"/>
+          </a:xfrm>
+        </p:spPr>
       </p:sp>
       <p:sp>
         <p:nvSpPr>
@@ -1257,7 +1277,7 @@
     </p:spTree>
     <p:extLst>
       <p:ext uri="{BB962C8B-B14F-4D97-AF65-F5344CB8AC3E}">
-        <p14:creationId xmlns:p14="http://schemas.microsoft.com/office/powerpoint/2010/main" val="510896548"/>
+        <p14:creationId xmlns:p14="http://schemas.microsoft.com/office/powerpoint/2010/main" val="1177401949"/>
       </p:ext>
     </p:extLst>
   </p:cSld>
@@ -1294,7 +1314,12 @@
             <p:ph type="sldImg"/>
           </p:nvPr>
         </p:nvSpPr>
-        <p:spPr/>
+        <p:spPr>
+          <a:xfrm>
+            <a:off x="381000" y="381000"/>
+            <a:ext cx="4572000" cy="2573338"/>
+          </a:xfrm>
+        </p:spPr>
       </p:sp>
       <p:sp>
         <p:nvSpPr>
@@ -1342,7 +1367,7 @@
     </p:spTree>
     <p:extLst>
       <p:ext uri="{BB962C8B-B14F-4D97-AF65-F5344CB8AC3E}">
-        <p14:creationId xmlns:p14="http://schemas.microsoft.com/office/powerpoint/2010/main" val="1177401949"/>
+        <p14:creationId xmlns:p14="http://schemas.microsoft.com/office/powerpoint/2010/main" val="389429753"/>
       </p:ext>
     </p:extLst>
   </p:cSld>
@@ -1379,7 +1404,12 @@
             <p:ph type="sldImg"/>
           </p:nvPr>
         </p:nvSpPr>
-        <p:spPr/>
+        <p:spPr>
+          <a:xfrm>
+            <a:off x="381000" y="381000"/>
+            <a:ext cx="4572000" cy="2573338"/>
+          </a:xfrm>
+        </p:spPr>
       </p:sp>
       <p:sp>
         <p:nvSpPr>
@@ -1427,7 +1457,7 @@
     </p:spTree>
     <p:extLst>
       <p:ext uri="{BB962C8B-B14F-4D97-AF65-F5344CB8AC3E}">
-        <p14:creationId xmlns:p14="http://schemas.microsoft.com/office/powerpoint/2010/main" val="389429753"/>
+        <p14:creationId xmlns:p14="http://schemas.microsoft.com/office/powerpoint/2010/main" val="2256637759"/>
       </p:ext>
     </p:extLst>
   </p:cSld>
@@ -1512,7 +1542,7 @@
     </p:spTree>
     <p:extLst>
       <p:ext uri="{BB962C8B-B14F-4D97-AF65-F5344CB8AC3E}">
-        <p14:creationId xmlns:p14="http://schemas.microsoft.com/office/powerpoint/2010/main" val="2256637759"/>
+        <p14:creationId xmlns:p14="http://schemas.microsoft.com/office/powerpoint/2010/main" val="2825009172"/>
       </p:ext>
     </p:extLst>
   </p:cSld>
@@ -1549,7 +1579,12 @@
             <p:ph type="sldImg"/>
           </p:nvPr>
         </p:nvSpPr>
-        <p:spPr/>
+        <p:spPr>
+          <a:xfrm>
+            <a:off x="381000" y="381000"/>
+            <a:ext cx="4572000" cy="2573338"/>
+          </a:xfrm>
+        </p:spPr>
       </p:sp>
       <p:sp>
         <p:nvSpPr>
@@ -1597,7 +1632,7 @@
     </p:spTree>
     <p:extLst>
       <p:ext uri="{BB962C8B-B14F-4D97-AF65-F5344CB8AC3E}">
-        <p14:creationId xmlns:p14="http://schemas.microsoft.com/office/powerpoint/2010/main" val="2825009172"/>
+        <p14:creationId xmlns:p14="http://schemas.microsoft.com/office/powerpoint/2010/main" val="624304936"/>
       </p:ext>
     </p:extLst>
   </p:cSld>
@@ -1634,7 +1669,12 @@
             <p:ph type="sldImg"/>
           </p:nvPr>
         </p:nvSpPr>
-        <p:spPr/>
+        <p:spPr>
+          <a:xfrm>
+            <a:off x="381000" y="381000"/>
+            <a:ext cx="4572000" cy="2573338"/>
+          </a:xfrm>
+        </p:spPr>
       </p:sp>
       <p:sp>
         <p:nvSpPr>
@@ -1682,7 +1722,7 @@
     </p:spTree>
     <p:extLst>
       <p:ext uri="{BB962C8B-B14F-4D97-AF65-F5344CB8AC3E}">
-        <p14:creationId xmlns:p14="http://schemas.microsoft.com/office/powerpoint/2010/main" val="76928030"/>
+        <p14:creationId xmlns:p14="http://schemas.microsoft.com/office/powerpoint/2010/main" val="848638172"/>
       </p:ext>
     </p:extLst>
   </p:cSld>
@@ -1719,7 +1759,12 @@
             <p:ph type="sldImg"/>
           </p:nvPr>
         </p:nvSpPr>
-        <p:spPr/>
+        <p:spPr>
+          <a:xfrm>
+            <a:off x="381000" y="381000"/>
+            <a:ext cx="4572000" cy="2573338"/>
+          </a:xfrm>
+        </p:spPr>
       </p:sp>
       <p:sp>
         <p:nvSpPr>
@@ -1767,7 +1812,7 @@
     </p:spTree>
     <p:extLst>
       <p:ext uri="{BB962C8B-B14F-4D97-AF65-F5344CB8AC3E}">
-        <p14:creationId xmlns:p14="http://schemas.microsoft.com/office/powerpoint/2010/main" val="624304936"/>
+        <p14:creationId xmlns:p14="http://schemas.microsoft.com/office/powerpoint/2010/main" val="4191995483"/>
       </p:ext>
     </p:extLst>
   </p:cSld>
@@ -1852,7 +1897,7 @@
     </p:spTree>
     <p:extLst>
       <p:ext uri="{BB962C8B-B14F-4D97-AF65-F5344CB8AC3E}">
-        <p14:creationId xmlns:p14="http://schemas.microsoft.com/office/powerpoint/2010/main" val="4191995483"/>
+        <p14:creationId xmlns:p14="http://schemas.microsoft.com/office/powerpoint/2010/main" val="1303948516"/>
       </p:ext>
     </p:extLst>
   </p:cSld>
@@ -1889,7 +1934,12 @@
             <p:ph type="sldImg"/>
           </p:nvPr>
         </p:nvSpPr>
-        <p:spPr/>
+        <p:spPr>
+          <a:xfrm>
+            <a:off x="381000" y="381000"/>
+            <a:ext cx="4572000" cy="2573338"/>
+          </a:xfrm>
+        </p:spPr>
       </p:sp>
       <p:sp>
         <p:nvSpPr>
@@ -1937,7 +1987,7 @@
     </p:spTree>
     <p:extLst>
       <p:ext uri="{BB962C8B-B14F-4D97-AF65-F5344CB8AC3E}">
-        <p14:creationId xmlns:p14="http://schemas.microsoft.com/office/powerpoint/2010/main" val="1303948516"/>
+        <p14:creationId xmlns:p14="http://schemas.microsoft.com/office/powerpoint/2010/main" val="4195540959"/>
       </p:ext>
     </p:extLst>
   </p:cSld>
@@ -2022,7 +2072,7 @@
     </p:spTree>
     <p:extLst>
       <p:ext uri="{BB962C8B-B14F-4D97-AF65-F5344CB8AC3E}">
-        <p14:creationId xmlns:p14="http://schemas.microsoft.com/office/powerpoint/2010/main" val="4195540959"/>
+        <p14:creationId xmlns:p14="http://schemas.microsoft.com/office/powerpoint/2010/main" val="1513666186"/>
       </p:ext>
     </p:extLst>
   </p:cSld>
@@ -2059,7 +2109,12 @@
             <p:ph type="sldImg"/>
           </p:nvPr>
         </p:nvSpPr>
-        <p:spPr/>
+        <p:spPr>
+          <a:xfrm>
+            <a:off x="381000" y="381000"/>
+            <a:ext cx="4572000" cy="2573338"/>
+          </a:xfrm>
+        </p:spPr>
       </p:sp>
       <p:sp>
         <p:nvSpPr>
@@ -2107,7 +2162,7 @@
     </p:spTree>
     <p:extLst>
       <p:ext uri="{BB962C8B-B14F-4D97-AF65-F5344CB8AC3E}">
-        <p14:creationId xmlns:p14="http://schemas.microsoft.com/office/powerpoint/2010/main" val="1513666186"/>
+        <p14:creationId xmlns:p14="http://schemas.microsoft.com/office/powerpoint/2010/main" val="3303242232"/>
       </p:ext>
     </p:extLst>
   </p:cSld>
@@ -2144,12 +2199,7 @@
             <p:ph type="sldImg"/>
           </p:nvPr>
         </p:nvSpPr>
-        <p:spPr>
-          <a:xfrm>
-            <a:off x="381000" y="381000"/>
-            <a:ext cx="4572000" cy="2573338"/>
-          </a:xfrm>
-        </p:spPr>
+        <p:spPr/>
       </p:sp>
       <p:sp>
         <p:nvSpPr>
@@ -2197,7 +2247,7 @@
     </p:spTree>
     <p:extLst>
       <p:ext uri="{BB962C8B-B14F-4D97-AF65-F5344CB8AC3E}">
-        <p14:creationId xmlns:p14="http://schemas.microsoft.com/office/powerpoint/2010/main" val="3303242232"/>
+        <p14:creationId xmlns:p14="http://schemas.microsoft.com/office/powerpoint/2010/main" val="1957972647"/>
       </p:ext>
     </p:extLst>
   </p:cSld>
@@ -2234,7 +2284,12 @@
             <p:ph type="sldImg"/>
           </p:nvPr>
         </p:nvSpPr>
-        <p:spPr/>
+        <p:spPr>
+          <a:xfrm>
+            <a:off x="381000" y="381000"/>
+            <a:ext cx="4572000" cy="2573338"/>
+          </a:xfrm>
+        </p:spPr>
       </p:sp>
       <p:sp>
         <p:nvSpPr>
@@ -2282,7 +2337,7 @@
     </p:spTree>
     <p:extLst>
       <p:ext uri="{BB962C8B-B14F-4D97-AF65-F5344CB8AC3E}">
-        <p14:creationId xmlns:p14="http://schemas.microsoft.com/office/powerpoint/2010/main" val="1957972647"/>
+        <p14:creationId xmlns:p14="http://schemas.microsoft.com/office/powerpoint/2010/main" val="3470826642"/>
       </p:ext>
     </p:extLst>
   </p:cSld>
@@ -2359,91 +2414,6 @@
               <a:rPr lang="en-US" smtClean="0"/>
               <a:pPr/>
               <a:t>27</a:t>
-            </a:fld>
-            <a:endParaRPr lang="en-US"/>
-          </a:p>
-        </p:txBody>
-      </p:sp>
-    </p:spTree>
-    <p:extLst>
-      <p:ext uri="{BB962C8B-B14F-4D97-AF65-F5344CB8AC3E}">
-        <p14:creationId xmlns:p14="http://schemas.microsoft.com/office/powerpoint/2010/main" val="3470826642"/>
-      </p:ext>
-    </p:extLst>
-  </p:cSld>
-  <p:clrMapOvr>
-    <a:masterClrMapping/>
-  </p:clrMapOvr>
-</p:notes>
-</file>
-
-<file path=ppt/notesSlides/notesSlide28.xml><?xml version="1.0" encoding="utf-8"?>
-<p:notes xmlns:a="http://schemas.openxmlformats.org/drawingml/2006/main" xmlns:r="http://schemas.openxmlformats.org/officeDocument/2006/relationships" xmlns:p="http://schemas.openxmlformats.org/presentationml/2006/main">
-  <p:cSld>
-    <p:spTree>
-      <p:nvGrpSpPr>
-        <p:cNvPr id="1" name=""/>
-        <p:cNvGrpSpPr/>
-        <p:nvPr/>
-      </p:nvGrpSpPr>
-      <p:grpSpPr>
-        <a:xfrm>
-          <a:off x="0" y="0"/>
-          <a:ext cx="0" cy="0"/>
-          <a:chOff x="0" y="0"/>
-          <a:chExt cx="0" cy="0"/>
-        </a:xfrm>
-      </p:grpSpPr>
-      <p:sp>
-        <p:nvSpPr>
-          <p:cNvPr id="2" name="Slide Image Placeholder 1"/>
-          <p:cNvSpPr>
-            <a:spLocks noGrp="1" noRot="1" noChangeAspect="1"/>
-          </p:cNvSpPr>
-          <p:nvPr>
-            <p:ph type="sldImg"/>
-          </p:nvPr>
-        </p:nvSpPr>
-        <p:spPr/>
-      </p:sp>
-      <p:sp>
-        <p:nvSpPr>
-          <p:cNvPr id="3" name="Notes Placeholder 2"/>
-          <p:cNvSpPr>
-            <a:spLocks noGrp="1"/>
-          </p:cNvSpPr>
-          <p:nvPr>
-            <p:ph type="body" idx="1"/>
-          </p:nvPr>
-        </p:nvSpPr>
-        <p:spPr/>
-        <p:txBody>
-          <a:bodyPr/>
-          <a:lstStyle/>
-          <a:p>
-            <a:endParaRPr lang="en-US"/>
-          </a:p>
-        </p:txBody>
-      </p:sp>
-      <p:sp>
-        <p:nvSpPr>
-          <p:cNvPr id="4" name="Slide Number Placeholder 3"/>
-          <p:cNvSpPr>
-            <a:spLocks noGrp="1"/>
-          </p:cNvSpPr>
-          <p:nvPr>
-            <p:ph type="sldNum" sz="quarter" idx="10"/>
-          </p:nvPr>
-        </p:nvSpPr>
-        <p:spPr/>
-        <p:txBody>
-          <a:bodyPr/>
-          <a:lstStyle/>
-          <a:p>
-            <a:fld id="{8547E1EE-0039-4797-B978-F453418260D1}" type="slidenum">
-              <a:rPr lang="en-US" smtClean="0"/>
-              <a:pPr/>
-              <a:t>28</a:t>
             </a:fld>
             <a:endParaRPr lang="en-US"/>
           </a:p>
@@ -2542,7 +2512,7 @@
     </p:spTree>
     <p:extLst>
       <p:ext uri="{BB962C8B-B14F-4D97-AF65-F5344CB8AC3E}">
-        <p14:creationId xmlns:p14="http://schemas.microsoft.com/office/powerpoint/2010/main" val="848638172"/>
+        <p14:creationId xmlns:p14="http://schemas.microsoft.com/office/powerpoint/2010/main" val="76928030"/>
       </p:ext>
     </p:extLst>
   </p:cSld>
@@ -2627,7 +2597,7 @@
     </p:spTree>
     <p:extLst>
       <p:ext uri="{BB962C8B-B14F-4D97-AF65-F5344CB8AC3E}">
-        <p14:creationId xmlns:p14="http://schemas.microsoft.com/office/powerpoint/2010/main" val="397340661"/>
+        <p14:creationId xmlns:p14="http://schemas.microsoft.com/office/powerpoint/2010/main" val="2365111508"/>
       </p:ext>
     </p:extLst>
   </p:cSld>
@@ -2712,7 +2682,7 @@
     </p:spTree>
     <p:extLst>
       <p:ext uri="{BB962C8B-B14F-4D97-AF65-F5344CB8AC3E}">
-        <p14:creationId xmlns:p14="http://schemas.microsoft.com/office/powerpoint/2010/main" val="2365111508"/>
+        <p14:creationId xmlns:p14="http://schemas.microsoft.com/office/powerpoint/2010/main" val="1031388593"/>
       </p:ext>
     </p:extLst>
   </p:cSld>
@@ -2749,7 +2719,12 @@
             <p:ph type="sldImg"/>
           </p:nvPr>
         </p:nvSpPr>
-        <p:spPr/>
+        <p:spPr>
+          <a:xfrm>
+            <a:off x="381000" y="381000"/>
+            <a:ext cx="4572000" cy="2573338"/>
+          </a:xfrm>
+        </p:spPr>
       </p:sp>
       <p:sp>
         <p:nvSpPr>
@@ -2797,7 +2772,7 @@
     </p:spTree>
     <p:extLst>
       <p:ext uri="{BB962C8B-B14F-4D97-AF65-F5344CB8AC3E}">
-        <p14:creationId xmlns:p14="http://schemas.microsoft.com/office/powerpoint/2010/main" val="1031388593"/>
+        <p14:creationId xmlns:p14="http://schemas.microsoft.com/office/powerpoint/2010/main" val="3303482075"/>
       </p:ext>
     </p:extLst>
   </p:cSld>
@@ -2834,7 +2809,12 @@
             <p:ph type="sldImg"/>
           </p:nvPr>
         </p:nvSpPr>
-        <p:spPr/>
+        <p:spPr>
+          <a:xfrm>
+            <a:off x="381000" y="381000"/>
+            <a:ext cx="4572000" cy="2573338"/>
+          </a:xfrm>
+        </p:spPr>
       </p:sp>
       <p:sp>
         <p:nvSpPr>
@@ -2882,7 +2862,7 @@
     </p:spTree>
     <p:extLst>
       <p:ext uri="{BB962C8B-B14F-4D97-AF65-F5344CB8AC3E}">
-        <p14:creationId xmlns:p14="http://schemas.microsoft.com/office/powerpoint/2010/main" val="2695194762"/>
+        <p14:creationId xmlns:p14="http://schemas.microsoft.com/office/powerpoint/2010/main" val="2717758803"/>
       </p:ext>
     </p:extLst>
   </p:cSld>
@@ -2967,7 +2947,7 @@
     </p:spTree>
     <p:extLst>
       <p:ext uri="{BB962C8B-B14F-4D97-AF65-F5344CB8AC3E}">
-        <p14:creationId xmlns:p14="http://schemas.microsoft.com/office/powerpoint/2010/main" val="983572664"/>
+        <p14:creationId xmlns:p14="http://schemas.microsoft.com/office/powerpoint/2010/main" val="2695194762"/>
       </p:ext>
     </p:extLst>
   </p:cSld>
@@ -3004,7 +2984,12 @@
             <p:ph type="sldImg"/>
           </p:nvPr>
         </p:nvSpPr>
-        <p:spPr/>
+        <p:spPr>
+          <a:xfrm>
+            <a:off x="381000" y="381000"/>
+            <a:ext cx="4572000" cy="2573338"/>
+          </a:xfrm>
+        </p:spPr>
       </p:sp>
       <p:sp>
         <p:nvSpPr>
@@ -3052,7 +3037,7 @@
     </p:spTree>
     <p:extLst>
       <p:ext uri="{BB962C8B-B14F-4D97-AF65-F5344CB8AC3E}">
-        <p14:creationId xmlns:p14="http://schemas.microsoft.com/office/powerpoint/2010/main" val="3303482075"/>
+        <p14:creationId xmlns:p14="http://schemas.microsoft.com/office/powerpoint/2010/main" val="983572664"/>
       </p:ext>
     </p:extLst>
   </p:cSld>
@@ -3328,7 +3313,7 @@
           <a:p>
             <a:fld id="{80C853A8-1CF5-4118-9D6D-C132E8FC53CB}" type="datetimeFigureOut">
               <a:rPr lang="en-US" smtClean="0"/>
-              <a:t>2017-02-25</a:t>
+              <a:t>2/26/2017</a:t>
             </a:fld>
             <a:endParaRPr lang="en-US"/>
           </a:p>
@@ -4427,7 +4412,7 @@
             <a:fld id="{80C853A8-1CF5-4118-9D6D-C132E8FC53CB}" type="datetimeFigureOut">
               <a:rPr lang="en-US" smtClean="0"/>
               <a:pPr/>
-              <a:t>2017-02-25</a:t>
+              <a:t>2/26/2017</a:t>
             </a:fld>
             <a:endParaRPr lang="en-US"/>
           </a:p>
@@ -4633,7 +4618,7 @@
           <a:p>
             <a:fld id="{80C853A8-1CF5-4118-9D6D-C132E8FC53CB}" type="datetimeFigureOut">
               <a:rPr lang="en-US" smtClean="0"/>
-              <a:t>2017-02-25</a:t>
+              <a:t>2/26/2017</a:t>
             </a:fld>
             <a:endParaRPr lang="en-US"/>
           </a:p>
@@ -4770,7 +4755,7 @@
           <a:p>
             <a:fld id="{80C853A8-1CF5-4118-9D6D-C132E8FC53CB}" type="datetimeFigureOut">
               <a:rPr lang="en-US" smtClean="0"/>
-              <a:t>2017-02-25</a:t>
+              <a:t>2/26/2017</a:t>
             </a:fld>
             <a:endParaRPr lang="en-US"/>
           </a:p>
@@ -5062,7 +5047,7 @@
           <a:p>
             <a:fld id="{80C853A8-1CF5-4118-9D6D-C132E8FC53CB}" type="datetimeFigureOut">
               <a:rPr lang="en-US" smtClean="0"/>
-              <a:t>2017-02-25</a:t>
+              <a:t>2/26/2017</a:t>
             </a:fld>
             <a:endParaRPr lang="en-US"/>
           </a:p>
@@ -5452,7 +5437,7 @@
           <a:p>
             <a:fld id="{80C853A8-1CF5-4118-9D6D-C132E8FC53CB}" type="datetimeFigureOut">
               <a:rPr lang="en-US" smtClean="0"/>
-              <a:t>2017-02-25</a:t>
+              <a:t>2/26/2017</a:t>
             </a:fld>
             <a:endParaRPr lang="en-US"/>
           </a:p>
@@ -5589,7 +5574,7 @@
           <a:p>
             <a:fld id="{80C853A8-1CF5-4118-9D6D-C132E8FC53CB}" type="datetimeFigureOut">
               <a:rPr lang="en-US" smtClean="0"/>
-              <a:t>2017-02-25</a:t>
+              <a:t>2/26/2017</a:t>
             </a:fld>
             <a:endParaRPr lang="en-US"/>
           </a:p>
@@ -5801,7 +5786,7 @@
           <a:p>
             <a:fld id="{80C853A8-1CF5-4118-9D6D-C132E8FC53CB}" type="datetimeFigureOut">
               <a:rPr lang="en-US" smtClean="0"/>
-              <a:t>2017-02-25</a:t>
+              <a:t>2/26/2017</a:t>
             </a:fld>
             <a:endParaRPr lang="en-US"/>
           </a:p>
@@ -6117,7 +6102,7 @@
           <a:p>
             <a:fld id="{80C853A8-1CF5-4118-9D6D-C132E8FC53CB}" type="datetimeFigureOut">
               <a:rPr lang="en-US" smtClean="0"/>
-              <a:t>2017-02-25</a:t>
+              <a:t>2/26/2017</a:t>
             </a:fld>
             <a:endParaRPr lang="en-US"/>
           </a:p>
@@ -6577,7 +6562,7 @@
           <a:p>
             <a:fld id="{80C853A8-1CF5-4118-9D6D-C132E8FC53CB}" type="datetimeFigureOut">
               <a:rPr lang="en-US" smtClean="0"/>
-              <a:t>2017-02-25</a:t>
+              <a:t>2/26/2017</a:t>
             </a:fld>
             <a:endParaRPr lang="en-US"/>
           </a:p>
@@ -7135,7 +7120,7 @@
           <a:p>
             <a:fld id="{80C853A8-1CF5-4118-9D6D-C132E8FC53CB}" type="datetimeFigureOut">
               <a:rPr lang="en-US" smtClean="0"/>
-              <a:t>2017-02-25</a:t>
+              <a:t>2/26/2017</a:t>
             </a:fld>
             <a:endParaRPr lang="en-US"/>
           </a:p>
@@ -7492,7 +7477,7 @@
             <a:fld id="{80C853A8-1CF5-4118-9D6D-C132E8FC53CB}" type="datetimeFigureOut">
               <a:rPr lang="en-US" smtClean="0"/>
               <a:pPr/>
-              <a:t>2017-02-25</a:t>
+              <a:t>2/26/2017</a:t>
             </a:fld>
             <a:endParaRPr lang="en-US"/>
           </a:p>
@@ -8022,7 +8007,7 @@
           <a:p>
             <a:fld id="{80C853A8-1CF5-4118-9D6D-C132E8FC53CB}" type="datetimeFigureOut">
               <a:rPr lang="en-US" smtClean="0"/>
-              <a:t>2017-02-25</a:t>
+              <a:t>2/26/2017</a:t>
             </a:fld>
             <a:endParaRPr lang="en-US"/>
           </a:p>
@@ -8425,7 +8410,7 @@
           <a:p>
             <a:fld id="{80C853A8-1CF5-4118-9D6D-C132E8FC53CB}" type="datetimeFigureOut">
               <a:rPr lang="en-US" smtClean="0"/>
-              <a:t>2017-02-25</a:t>
+              <a:t>2/26/2017</a:t>
             </a:fld>
             <a:endParaRPr lang="en-US"/>
           </a:p>
@@ -9038,7 +9023,7 @@
           <a:p>
             <a:fld id="{80C853A8-1CF5-4118-9D6D-C132E8FC53CB}" type="datetimeFigureOut">
               <a:rPr lang="en-US" smtClean="0"/>
-              <a:t>2017-02-25</a:t>
+              <a:t>2/26/2017</a:t>
             </a:fld>
             <a:endParaRPr lang="en-US"/>
           </a:p>
@@ -9910,7 +9895,7 @@
           <a:p>
             <a:fld id="{80C853A8-1CF5-4118-9D6D-C132E8FC53CB}" type="datetimeFigureOut">
               <a:rPr lang="en-US" smtClean="0"/>
-              <a:t>2017-02-25</a:t>
+              <a:t>2/26/2017</a:t>
             </a:fld>
             <a:endParaRPr lang="en-US"/>
           </a:p>
@@ -10193,7 +10178,7 @@
           <a:p>
             <a:fld id="{80C853A8-1CF5-4118-9D6D-C132E8FC53CB}" type="datetimeFigureOut">
               <a:rPr lang="en-US" smtClean="0"/>
-              <a:t>2017-02-25</a:t>
+              <a:t>2/26/2017</a:t>
             </a:fld>
             <a:endParaRPr lang="en-US"/>
           </a:p>
@@ -10406,7 +10391,7 @@
           <a:p>
             <a:fld id="{80C853A8-1CF5-4118-9D6D-C132E8FC53CB}" type="datetimeFigureOut">
               <a:rPr lang="en-US" smtClean="0"/>
-              <a:t>2017-02-25</a:t>
+              <a:t>2/26/2017</a:t>
             </a:fld>
             <a:endParaRPr lang="en-US"/>
           </a:p>
@@ -10706,7 +10691,7 @@
           <a:p>
             <a:fld id="{80C853A8-1CF5-4118-9D6D-C132E8FC53CB}" type="datetimeFigureOut">
               <a:rPr lang="en-US" smtClean="0"/>
-              <a:t>2017-02-25</a:t>
+              <a:t>2/26/2017</a:t>
             </a:fld>
             <a:endParaRPr lang="en-US"/>
           </a:p>
@@ -11126,7 +11111,7 @@
           <a:p>
             <a:fld id="{80C853A8-1CF5-4118-9D6D-C132E8FC53CB}" type="datetimeFigureOut">
               <a:rPr lang="en-US" smtClean="0"/>
-              <a:t>2017-02-25</a:t>
+              <a:t>2/26/2017</a:t>
             </a:fld>
             <a:endParaRPr lang="en-US"/>
           </a:p>
@@ -11659,7 +11644,7 @@
           <a:p>
             <a:fld id="{80C853A8-1CF5-4118-9D6D-C132E8FC53CB}" type="datetimeFigureOut">
               <a:rPr lang="en-US" smtClean="0"/>
-              <a:t>2017-02-25</a:t>
+              <a:t>2/26/2017</a:t>
             </a:fld>
             <a:endParaRPr lang="en-US"/>
           </a:p>
@@ -11858,7 +11843,7 @@
           <a:p>
             <a:fld id="{80C853A8-1CF5-4118-9D6D-C132E8FC53CB}" type="datetimeFigureOut">
               <a:rPr lang="en-US" smtClean="0"/>
-              <a:t>2017-02-25</a:t>
+              <a:t>2/26/2017</a:t>
             </a:fld>
             <a:endParaRPr lang="en-US"/>
           </a:p>
@@ -12126,7 +12111,7 @@
           <a:p>
             <a:fld id="{80C853A8-1CF5-4118-9D6D-C132E8FC53CB}" type="datetimeFigureOut">
               <a:rPr lang="en-US" smtClean="0"/>
-              <a:t>2017-02-25</a:t>
+              <a:t>2/26/2017</a:t>
             </a:fld>
             <a:endParaRPr lang="en-US"/>
           </a:p>
@@ -12854,7 +12839,7 @@
             <a:fld id="{80C853A8-1CF5-4118-9D6D-C132E8FC53CB}" type="datetimeFigureOut">
               <a:rPr lang="en-US" smtClean="0"/>
               <a:pPr/>
-              <a:t>2017-02-25</a:t>
+              <a:t>2/26/2017</a:t>
             </a:fld>
             <a:endParaRPr lang="en-US"/>
           </a:p>
@@ -13579,7 +13564,7 @@
             <a:fld id="{80C853A8-1CF5-4118-9D6D-C132E8FC53CB}" type="datetimeFigureOut">
               <a:rPr lang="en-US" smtClean="0"/>
               <a:pPr/>
-              <a:t>2017-02-25</a:t>
+              <a:t>2/26/2017</a:t>
             </a:fld>
             <a:endParaRPr lang="en-US"/>
           </a:p>
@@ -14637,466 +14622,6 @@
           <a:lstStyle/>
           <a:p>
             <a:r>
-              <a:rPr lang="en-US" dirty="0" smtClean="0"/>
-              <a:t>PGA Sizing Calculations</a:t>
-            </a:r>
-            <a:endParaRPr lang="en-US" dirty="0"/>
-          </a:p>
-        </p:txBody>
-      </p:sp>
-      <p:sp>
-        <p:nvSpPr>
-          <p:cNvPr id="6" name="Content Placeholder 5"/>
-          <p:cNvSpPr>
-            <a:spLocks noGrp="1"/>
-          </p:cNvSpPr>
-          <p:nvPr>
-            <p:ph sz="quarter" idx="4294967295"/>
-          </p:nvPr>
-        </p:nvSpPr>
-        <p:spPr>
-          <a:xfrm>
-            <a:off x="6246812" y="1295400"/>
-            <a:ext cx="5906378" cy="3657600"/>
-          </a:xfrm>
-          <a:prstGeom prst="rect">
-            <a:avLst/>
-          </a:prstGeom>
-        </p:spPr>
-        <p:txBody>
-          <a:bodyPr>
-            <a:noAutofit/>
-          </a:bodyPr>
-          <a:lstStyle/>
-          <a:p>
-            <a:r>
-              <a:rPr lang="en-US" sz="1400" b="1" dirty="0"/>
-              <a:t>_</a:t>
-            </a:r>
-            <a:r>
-              <a:rPr lang="en-US" sz="1600" b="1" dirty="0"/>
-              <a:t>PGA_MAX_SIZE: </a:t>
-            </a:r>
-          </a:p>
-          <a:p>
-            <a:pPr marL="228600" lvl="1" indent="0">
-              <a:buNone/>
-            </a:pPr>
-            <a:r>
-              <a:rPr lang="en-US" sz="1400" dirty="0"/>
-              <a:t>m</a:t>
-            </a:r>
-            <a:r>
-              <a:rPr lang="en-US" sz="1400" dirty="0" smtClean="0"/>
-              <a:t>ax ( 200MB , min ( 2GB</a:t>
-            </a:r>
-            <a:r>
-              <a:rPr lang="en-US" sz="1400" dirty="0"/>
-              <a:t>,  20% of </a:t>
-            </a:r>
-            <a:r>
-              <a:rPr lang="en-US" sz="1400" dirty="0" smtClean="0"/>
-              <a:t>PGA_AGGREGATE_TARGET </a:t>
-            </a:r>
-            <a:r>
-              <a:rPr lang="en-US" sz="1400" dirty="0" smtClean="0"/>
-              <a:t>))</a:t>
-            </a:r>
-            <a:endParaRPr lang="en-US" sz="1400" dirty="0"/>
-          </a:p>
-          <a:p>
-            <a:r>
-              <a:rPr lang="en-US" sz="1600" b="1" dirty="0"/>
-              <a:t>_SMM_MAX_SIZE: </a:t>
-            </a:r>
-          </a:p>
-          <a:p>
-            <a:pPr marL="228600" lvl="1" indent="0">
-              <a:buNone/>
-            </a:pPr>
-            <a:r>
-              <a:rPr lang="en-US" sz="1400" dirty="0"/>
-              <a:t>m</a:t>
-            </a:r>
-            <a:r>
-              <a:rPr lang="en-US" sz="1400" dirty="0" smtClean="0"/>
-              <a:t>in ( 20% of </a:t>
-            </a:r>
-            <a:r>
-              <a:rPr lang="en-US" sz="1400" dirty="0" smtClean="0"/>
-              <a:t>PGA_AGGREGATE_TARGET, </a:t>
-            </a:r>
-            <a:r>
-              <a:rPr lang="en-US" sz="1400" dirty="0" smtClean="0"/>
-              <a:t>50</a:t>
-            </a:r>
-            <a:r>
-              <a:rPr lang="en-US" sz="1400" dirty="0"/>
-              <a:t>% of _</a:t>
-            </a:r>
-            <a:r>
-              <a:rPr lang="en-US" sz="1400" dirty="0" smtClean="0"/>
-              <a:t>PGA_MAX_SIZE )</a:t>
-            </a:r>
-            <a:endParaRPr lang="en-US" sz="1400" dirty="0"/>
-          </a:p>
-          <a:p>
-            <a:r>
-              <a:rPr lang="en-US" sz="1600" b="1" dirty="0"/>
-              <a:t>_SMM_PX_MAX_SIZE:</a:t>
-            </a:r>
-          </a:p>
-          <a:p>
-            <a:pPr marL="228600" lvl="1" indent="0">
-              <a:buNone/>
-            </a:pPr>
-            <a:r>
-              <a:rPr lang="en-US" sz="1400" dirty="0" smtClean="0"/>
-              <a:t> </a:t>
-            </a:r>
-            <a:r>
-              <a:rPr lang="en-US" sz="1400" dirty="0"/>
-              <a:t>50% of </a:t>
-            </a:r>
-            <a:r>
-              <a:rPr lang="en-US" sz="1400" dirty="0" smtClean="0"/>
-              <a:t>PAT</a:t>
-            </a:r>
-            <a:endParaRPr lang="en-US" sz="1400" dirty="0"/>
-          </a:p>
-        </p:txBody>
-      </p:sp>
-      <p:pic>
-        <p:nvPicPr>
-          <p:cNvPr id="9" name="Picture 8"/>
-          <p:cNvPicPr>
-            <a:picLocks noChangeAspect="1"/>
-          </p:cNvPicPr>
-          <p:nvPr/>
-        </p:nvPicPr>
-        <p:blipFill>
-          <a:blip r:embed="rId3"/>
-          <a:stretch>
-            <a:fillRect/>
-          </a:stretch>
-        </p:blipFill>
-        <p:spPr>
-          <a:xfrm>
-            <a:off x="0" y="1290536"/>
-            <a:ext cx="6094412" cy="4425296"/>
-          </a:xfrm>
-          <a:prstGeom prst="rect">
-            <a:avLst/>
-          </a:prstGeom>
-        </p:spPr>
-      </p:pic>
-      <mc:AlternateContent xmlns:mc="http://schemas.openxmlformats.org/markup-compatibility/2006" xmlns:a14="http://schemas.microsoft.com/office/drawing/2010/main">
-        <mc:Choice Requires="a14">
-          <p:sp>
-            <p:nvSpPr>
-              <p:cNvPr id="10" name="TextBox 9"/>
-              <p:cNvSpPr txBox="1"/>
-              <p:nvPr/>
-            </p:nvSpPr>
-            <p:spPr>
-              <a:xfrm>
-                <a:off x="6246812" y="4724400"/>
-                <a:ext cx="4928714" cy="1219200"/>
-              </a:xfrm>
-              <a:prstGeom prst="rect">
-                <a:avLst/>
-              </a:prstGeom>
-              <a:noFill/>
-            </p:spPr>
-            <p:txBody>
-              <a:bodyPr wrap="none" lIns="0" tIns="0" rIns="0" bIns="0" rtlCol="0">
-                <a:noAutofit/>
-              </a:bodyPr>
-              <a:lstStyle/>
-              <a:p>
-                <a:pPr>
-                  <a:lnSpc>
-                    <a:spcPct val="90000"/>
-                  </a:lnSpc>
-                </a:pPr>
-                <a14:m>
-                  <m:oMathPara xmlns:m="http://schemas.openxmlformats.org/officeDocument/2006/math">
-                    <m:oMathParaPr>
-                      <m:jc m:val="centerGroup"/>
-                    </m:oMathParaPr>
-                    <m:oMath xmlns:m="http://schemas.openxmlformats.org/officeDocument/2006/math">
-                      <m:r>
-                        <a:rPr lang="en-US" b="1" i="1" smtClean="0">
-                          <a:latin typeface="Cambria Math" panose="02040503050406030204" pitchFamily="18" charset="0"/>
-                        </a:rPr>
-                        <m:t>𝑾𝒐𝒓𝒌</m:t>
-                      </m:r>
-                      <m:r>
-                        <a:rPr lang="en-US" b="1" i="1" smtClean="0">
-                          <a:latin typeface="Cambria Math" panose="02040503050406030204" pitchFamily="18" charset="0"/>
-                        </a:rPr>
-                        <m:t> </m:t>
-                      </m:r>
-                      <m:r>
-                        <a:rPr lang="en-US" b="1" i="1" smtClean="0">
-                          <a:latin typeface="Cambria Math" panose="02040503050406030204" pitchFamily="18" charset="0"/>
-                        </a:rPr>
-                        <m:t>𝑨𝒓𝒆𝒂</m:t>
-                      </m:r>
-                      <m:r>
-                        <a:rPr lang="en-US" b="0" i="1" smtClean="0">
-                          <a:latin typeface="Cambria Math" panose="02040503050406030204" pitchFamily="18" charset="0"/>
-                        </a:rPr>
-                        <m:t>=</m:t>
-                      </m:r>
-                      <m:r>
-                        <a:rPr lang="en-US" b="0" i="1" smtClean="0">
-                          <a:latin typeface="Cambria Math" panose="02040503050406030204" pitchFamily="18" charset="0"/>
-                        </a:rPr>
-                        <m:t>𝑚𝑖𝑛</m:t>
-                      </m:r>
-                      <m:d>
-                        <m:dPr>
-                          <m:begChr m:val="{"/>
-                          <m:endChr m:val=""/>
-                          <m:ctrlPr>
-                            <a:rPr lang="en-US" b="0" i="1" smtClean="0">
-                              <a:latin typeface="Cambria Math" panose="02040503050406030204" pitchFamily="18" charset="0"/>
-                            </a:rPr>
-                          </m:ctrlPr>
-                        </m:dPr>
-                        <m:e>
-                          <m:eqArr>
-                            <m:eqArrPr>
-                              <m:ctrlPr>
-                                <a:rPr lang="en-US" b="0" i="1" smtClean="0">
-                                  <a:latin typeface="Cambria Math" panose="02040503050406030204" pitchFamily="18" charset="0"/>
-                                </a:rPr>
-                              </m:ctrlPr>
-                            </m:eqArrPr>
-                            <m:e>
-                              <m:r>
-                                <a:rPr lang="en-US" b="0" i="1" smtClean="0">
-                                  <a:latin typeface="Cambria Math" panose="02040503050406030204" pitchFamily="18" charset="0"/>
-                                </a:rPr>
-                                <m:t>_</m:t>
-                              </m:r>
-                              <m:r>
-                                <a:rPr lang="en-US" b="0" i="1" smtClean="0">
-                                  <a:latin typeface="Cambria Math" panose="02040503050406030204" pitchFamily="18" charset="0"/>
-                                </a:rPr>
-                                <m:t>𝑆𝑀𝑀</m:t>
-                              </m:r>
-                              <m:r>
-                                <a:rPr lang="en-US" b="0" i="1" smtClean="0">
-                                  <a:latin typeface="Cambria Math" panose="02040503050406030204" pitchFamily="18" charset="0"/>
-                                </a:rPr>
-                                <m:t>_</m:t>
-                              </m:r>
-                              <m:r>
-                                <a:rPr lang="en-US" b="0" i="1" smtClean="0">
-                                  <a:latin typeface="Cambria Math" panose="02040503050406030204" pitchFamily="18" charset="0"/>
-                                </a:rPr>
-                                <m:t>𝑀𝐴𝑋</m:t>
-                              </m:r>
-                              <m:r>
-                                <a:rPr lang="en-US" b="0" i="1" smtClean="0">
-                                  <a:latin typeface="Cambria Math" panose="02040503050406030204" pitchFamily="18" charset="0"/>
-                                </a:rPr>
-                                <m:t>_</m:t>
-                              </m:r>
-                              <m:r>
-                                <a:rPr lang="en-US" b="0" i="1" smtClean="0">
-                                  <a:latin typeface="Cambria Math" panose="02040503050406030204" pitchFamily="18" charset="0"/>
-                                </a:rPr>
-                                <m:t>𝑆𝐼𝑍𝐸</m:t>
-                              </m:r>
-                            </m:e>
-                            <m:e/>
-                            <m:e>
-                              <m:f>
-                                <m:fPr>
-                                  <m:ctrlPr>
-                                    <a:rPr lang="en-US" b="0" i="1" smtClean="0">
-                                      <a:latin typeface="Cambria Math" panose="02040503050406030204" pitchFamily="18" charset="0"/>
-                                    </a:rPr>
-                                  </m:ctrlPr>
-                                </m:fPr>
-                                <m:num>
-                                  <m:r>
-                                    <a:rPr lang="en-US" b="0" i="1" smtClean="0">
-                                      <a:latin typeface="Cambria Math" panose="02040503050406030204" pitchFamily="18" charset="0"/>
-                                    </a:rPr>
-                                    <m:t>_</m:t>
-                                  </m:r>
-                                  <m:r>
-                                    <a:rPr lang="en-US" b="0" i="1" smtClean="0">
-                                      <a:latin typeface="Cambria Math" panose="02040503050406030204" pitchFamily="18" charset="0"/>
-                                    </a:rPr>
-                                    <m:t>𝑆𝑀𝑀</m:t>
-                                  </m:r>
-                                  <m:r>
-                                    <a:rPr lang="en-US" b="0" i="1" smtClean="0">
-                                      <a:latin typeface="Cambria Math" panose="02040503050406030204" pitchFamily="18" charset="0"/>
-                                    </a:rPr>
-                                    <m:t>_</m:t>
-                                  </m:r>
-                                  <m:r>
-                                    <a:rPr lang="en-US" b="0" i="1" smtClean="0">
-                                      <a:latin typeface="Cambria Math" panose="02040503050406030204" pitchFamily="18" charset="0"/>
-                                    </a:rPr>
-                                    <m:t>𝑃𝑋</m:t>
-                                  </m:r>
-                                  <m:r>
-                                    <a:rPr lang="en-US" b="0" i="1" smtClean="0">
-                                      <a:latin typeface="Cambria Math" panose="02040503050406030204" pitchFamily="18" charset="0"/>
-                                    </a:rPr>
-                                    <m:t>_</m:t>
-                                  </m:r>
-                                  <m:r>
-                                    <a:rPr lang="en-US" b="0" i="1" smtClean="0">
-                                      <a:latin typeface="Cambria Math" panose="02040503050406030204" pitchFamily="18" charset="0"/>
-                                    </a:rPr>
-                                    <m:t>𝑀𝐴𝑋</m:t>
-                                  </m:r>
-                                  <m:r>
-                                    <a:rPr lang="en-US" b="0" i="1" smtClean="0">
-                                      <a:latin typeface="Cambria Math" panose="02040503050406030204" pitchFamily="18" charset="0"/>
-                                    </a:rPr>
-                                    <m:t>_</m:t>
-                                  </m:r>
-                                  <m:r>
-                                    <a:rPr lang="en-US" b="0" i="1" smtClean="0">
-                                      <a:latin typeface="Cambria Math" panose="02040503050406030204" pitchFamily="18" charset="0"/>
-                                    </a:rPr>
-                                    <m:t>𝑆𝐼𝑍𝐸</m:t>
-                                  </m:r>
-                                </m:num>
-                                <m:den>
-                                  <m:r>
-                                    <a:rPr lang="en-US" b="0" i="1" smtClean="0">
-                                      <a:latin typeface="Cambria Math" panose="02040503050406030204" pitchFamily="18" charset="0"/>
-                                    </a:rPr>
-                                    <m:t>𝐷𝑂𝑃</m:t>
-                                  </m:r>
-                                </m:den>
-                              </m:f>
-                            </m:e>
-                          </m:eqArr>
-                        </m:e>
-                      </m:d>
-                    </m:oMath>
-                  </m:oMathPara>
-                </a14:m>
-                <a:endParaRPr lang="en-US" dirty="0" err="1" smtClean="0"/>
-              </a:p>
-            </p:txBody>
-          </p:sp>
-        </mc:Choice>
-        <mc:Fallback xmlns="">
-          <p:sp>
-            <p:nvSpPr>
-              <p:cNvPr id="10" name="TextBox 9"/>
-              <p:cNvSpPr txBox="1">
-                <a:spLocks noRot="1" noChangeAspect="1" noMove="1" noResize="1" noEditPoints="1" noAdjustHandles="1" noChangeArrowheads="1" noChangeShapeType="1" noTextEdit="1"/>
-              </p:cNvSpPr>
-              <p:nvPr/>
-            </p:nvSpPr>
-            <p:spPr>
-              <a:xfrm>
-                <a:off x="6246812" y="4724400"/>
-                <a:ext cx="4928714" cy="1219200"/>
-              </a:xfrm>
-              <a:prstGeom prst="rect">
-                <a:avLst/>
-              </a:prstGeom>
-              <a:blipFill rotWithShape="0">
-                <a:blip r:embed="rId4"/>
-                <a:stretch>
-                  <a:fillRect t="-5500"/>
-                </a:stretch>
-              </a:blipFill>
-            </p:spPr>
-            <p:txBody>
-              <a:bodyPr/>
-              <a:lstStyle/>
-              <a:p>
-                <a:r>
-                  <a:rPr lang="en-US">
-                    <a:noFill/>
-                  </a:rPr>
-                  <a:t> </a:t>
-                </a:r>
-              </a:p>
-            </p:txBody>
-          </p:sp>
-        </mc:Fallback>
-      </mc:AlternateContent>
-    </p:spTree>
-    <p:extLst>
-      <p:ext uri="{BB962C8B-B14F-4D97-AF65-F5344CB8AC3E}">
-        <p14:creationId xmlns:p14="http://schemas.microsoft.com/office/powerpoint/2010/main" val="2629167013"/>
-      </p:ext>
-    </p:extLst>
-  </p:cSld>
-  <p:clrMapOvr>
-    <a:masterClrMapping/>
-  </p:clrMapOvr>
-  <mc:AlternateContent xmlns:mc="http://schemas.openxmlformats.org/markup-compatibility/2006" xmlns:p14="http://schemas.microsoft.com/office/powerpoint/2010/main">
-    <mc:Choice Requires="p14">
-      <p:transition spd="med" p14:dur="700">
-        <p:fade/>
-      </p:transition>
-    </mc:Choice>
-    <mc:Fallback xmlns="">
-      <p:transition spd="med">
-        <p:fade/>
-      </p:transition>
-    </mc:Fallback>
-  </mc:AlternateContent>
-  <p:timing>
-    <p:tnLst>
-      <p:par>
-        <p:cTn id="1" dur="indefinite" restart="never" nodeType="tmRoot"/>
-      </p:par>
-    </p:tnLst>
-  </p:timing>
-</p:sld>
-</file>
-
-<file path=ppt/slides/slide11.xml><?xml version="1.0" encoding="utf-8"?>
-<p:sld xmlns:a="http://schemas.openxmlformats.org/drawingml/2006/main" xmlns:r="http://schemas.openxmlformats.org/officeDocument/2006/relationships" xmlns:p="http://schemas.openxmlformats.org/presentationml/2006/main">
-  <p:cSld>
-    <p:spTree>
-      <p:nvGrpSpPr>
-        <p:cNvPr id="1" name=""/>
-        <p:cNvGrpSpPr/>
-        <p:nvPr/>
-      </p:nvGrpSpPr>
-      <p:grpSpPr>
-        <a:xfrm>
-          <a:off x="0" y="0"/>
-          <a:ext cx="0" cy="0"/>
-          <a:chOff x="0" y="0"/>
-          <a:chExt cx="0" cy="0"/>
-        </a:xfrm>
-      </p:grpSpPr>
-      <p:sp>
-        <p:nvSpPr>
-          <p:cNvPr id="2" name="Title 1"/>
-          <p:cNvSpPr>
-            <a:spLocks noGrp="1"/>
-          </p:cNvSpPr>
-          <p:nvPr>
-            <p:ph type="title"/>
-          </p:nvPr>
-        </p:nvSpPr>
-        <p:spPr/>
-        <p:txBody>
-          <a:bodyPr/>
-          <a:lstStyle/>
-          <a:p>
-            <a:r>
               <a:rPr lang="en-US" dirty="0"/>
               <a:t>Experiment </a:t>
             </a:r>
@@ -15461,6 +14986,164 @@
           </a:p>
         </p:txBody>
       </p:sp>
+      <p:sp>
+        <p:nvSpPr>
+          <p:cNvPr id="4" name="Right Brace 3"/>
+          <p:cNvSpPr/>
+          <p:nvPr/>
+        </p:nvSpPr>
+        <p:spPr>
+          <a:xfrm>
+            <a:off x="9675812" y="1676400"/>
+            <a:ext cx="533400" cy="838200"/>
+          </a:xfrm>
+          <a:prstGeom prst="rightBrace">
+            <a:avLst/>
+          </a:prstGeom>
+          <a:ln w="19050">
+            <a:solidFill>
+              <a:schemeClr val="tx1"/>
+            </a:solidFill>
+            <a:miter lim="800000"/>
+          </a:ln>
+        </p:spPr>
+        <p:style>
+          <a:lnRef idx="1">
+            <a:schemeClr val="accent1"/>
+          </a:lnRef>
+          <a:fillRef idx="0">
+            <a:schemeClr val="accent1"/>
+          </a:fillRef>
+          <a:effectRef idx="0">
+            <a:schemeClr val="accent1"/>
+          </a:effectRef>
+          <a:fontRef idx="minor">
+            <a:schemeClr val="tx1"/>
+          </a:fontRef>
+        </p:style>
+        <p:txBody>
+          <a:bodyPr rtlCol="0" anchor="ctr"/>
+          <a:lstStyle/>
+          <a:p>
+            <a:pPr algn="ctr"/>
+            <a:endParaRPr lang="en-GB" dirty="0"/>
+          </a:p>
+        </p:txBody>
+      </p:sp>
+      <p:sp>
+        <p:nvSpPr>
+          <p:cNvPr id="5" name="TextBox 4"/>
+          <p:cNvSpPr txBox="1"/>
+          <p:nvPr/>
+        </p:nvSpPr>
+        <p:spPr>
+          <a:xfrm>
+            <a:off x="10328293" y="1981200"/>
+            <a:ext cx="1481119" cy="304800"/>
+          </a:xfrm>
+          <a:prstGeom prst="rect">
+            <a:avLst/>
+          </a:prstGeom>
+          <a:noFill/>
+        </p:spPr>
+        <p:txBody>
+          <a:bodyPr wrap="none" lIns="0" tIns="0" rIns="0" bIns="0" rtlCol="0">
+            <a:noAutofit/>
+          </a:bodyPr>
+          <a:lstStyle/>
+          <a:p>
+            <a:pPr>
+              <a:lnSpc>
+                <a:spcPct val="90000"/>
+              </a:lnSpc>
+            </a:pPr>
+            <a:r>
+              <a:rPr lang="en-US" sz="1700" dirty="0" smtClean="0"/>
+              <a:t>Make it bigger</a:t>
+            </a:r>
+            <a:endParaRPr lang="en-GB" sz="1700" dirty="0" err="1" smtClean="0"/>
+          </a:p>
+        </p:txBody>
+      </p:sp>
+      <p:sp>
+        <p:nvSpPr>
+          <p:cNvPr id="8" name="Right Brace 7"/>
+          <p:cNvSpPr/>
+          <p:nvPr/>
+        </p:nvSpPr>
+        <p:spPr>
+          <a:xfrm>
+            <a:off x="9675812" y="3124200"/>
+            <a:ext cx="533400" cy="838200"/>
+          </a:xfrm>
+          <a:prstGeom prst="rightBrace">
+            <a:avLst/>
+          </a:prstGeom>
+          <a:ln w="19050">
+            <a:solidFill>
+              <a:schemeClr val="tx1"/>
+            </a:solidFill>
+            <a:miter lim="800000"/>
+          </a:ln>
+        </p:spPr>
+        <p:style>
+          <a:lnRef idx="1">
+            <a:schemeClr val="accent1"/>
+          </a:lnRef>
+          <a:fillRef idx="0">
+            <a:schemeClr val="accent1"/>
+          </a:fillRef>
+          <a:effectRef idx="0">
+            <a:schemeClr val="accent1"/>
+          </a:effectRef>
+          <a:fontRef idx="minor">
+            <a:schemeClr val="tx1"/>
+          </a:fontRef>
+        </p:style>
+        <p:txBody>
+          <a:bodyPr rtlCol="0" anchor="ctr"/>
+          <a:lstStyle/>
+          <a:p>
+            <a:pPr algn="ctr"/>
+            <a:endParaRPr lang="en-GB" dirty="0"/>
+          </a:p>
+        </p:txBody>
+      </p:sp>
+      <p:sp>
+        <p:nvSpPr>
+          <p:cNvPr id="9" name="TextBox 8"/>
+          <p:cNvSpPr txBox="1"/>
+          <p:nvPr/>
+        </p:nvSpPr>
+        <p:spPr>
+          <a:xfrm>
+            <a:off x="10328293" y="3429000"/>
+            <a:ext cx="1481119" cy="304800"/>
+          </a:xfrm>
+          <a:prstGeom prst="rect">
+            <a:avLst/>
+          </a:prstGeom>
+          <a:noFill/>
+        </p:spPr>
+        <p:txBody>
+          <a:bodyPr wrap="none" lIns="0" tIns="0" rIns="0" bIns="0" rtlCol="0">
+            <a:noAutofit/>
+          </a:bodyPr>
+          <a:lstStyle/>
+          <a:p>
+            <a:pPr>
+              <a:lnSpc>
+                <a:spcPct val="90000"/>
+              </a:lnSpc>
+            </a:pPr>
+            <a:r>
+              <a:rPr lang="en-US" sz="1700" dirty="0" smtClean="0"/>
+              <a:t>Make more of them</a:t>
+            </a:r>
+            <a:endParaRPr lang="en-GB" sz="1700" dirty="0" err="1" smtClean="0"/>
+          </a:p>
+        </p:txBody>
+      </p:sp>
     </p:spTree>
     <p:extLst>
       <p:ext uri="{BB962C8B-B14F-4D97-AF65-F5344CB8AC3E}">
@@ -15493,7 +15176,7 @@
 </p:sld>
 </file>
 
-<file path=ppt/slides/slide12.xml><?xml version="1.0" encoding="utf-8"?>
+<file path=ppt/slides/slide11.xml><?xml version="1.0" encoding="utf-8"?>
 <p:sld xmlns:a="http://schemas.openxmlformats.org/drawingml/2006/main" xmlns:r="http://schemas.openxmlformats.org/officeDocument/2006/relationships" xmlns:p="http://schemas.openxmlformats.org/presentationml/2006/main">
   <p:cSld>
     <p:spTree>
@@ -15606,29 +15289,69 @@
             <a:pPr lvl="2"/>
             <a:r>
               <a:rPr lang="en-US" dirty="0" smtClean="0"/>
-              <a:t>Not ideal, requires lots of CPU without a big improvement in run time. </a:t>
+              <a:t>Not ideal, requires lots of CPU </a:t>
+            </a:r>
+            <a:r>
+              <a:rPr lang="en-US" dirty="0" smtClean="0"/>
+              <a:t>allocation without </a:t>
+            </a:r>
+            <a:r>
+              <a:rPr lang="en-US" dirty="0" smtClean="0"/>
+              <a:t>a big improvement in run time. </a:t>
             </a:r>
           </a:p>
           <a:p>
             <a:pPr lvl="1"/>
             <a:r>
               <a:rPr lang="en-US" dirty="0" smtClean="0"/>
-              <a:t>4G PGA_MAX_SIZE</a:t>
-            </a:r>
+              <a:t>Larger _PGA_MAX_SIZE</a:t>
+            </a:r>
+            <a:endParaRPr lang="en-US" dirty="0" smtClean="0"/>
           </a:p>
           <a:p>
             <a:pPr lvl="2"/>
             <a:r>
               <a:rPr lang="en-US" dirty="0" smtClean="0"/>
-              <a:t>A more attractive approach.  Allows us to use more PGA</a:t>
+              <a:t>4G seems adequate.  6G didn’t provide any benefit.</a:t>
             </a:r>
           </a:p>
           <a:p>
             <a:pPr lvl="2"/>
             <a:r>
               <a:rPr lang="en-US" dirty="0" smtClean="0"/>
-              <a:t>Somewhat scary since it’s an undocumented parameter</a:t>
-            </a:r>
+              <a:t>A </a:t>
+            </a:r>
+            <a:r>
+              <a:rPr lang="en-US" dirty="0" smtClean="0"/>
+              <a:t>more attractive approach.  Allows us to use more </a:t>
+            </a:r>
+            <a:r>
+              <a:rPr lang="en-US" dirty="0" smtClean="0"/>
+              <a:t>PGA and less CPU</a:t>
+            </a:r>
+            <a:endParaRPr lang="en-US" dirty="0" smtClean="0"/>
+          </a:p>
+          <a:p>
+            <a:pPr lvl="2"/>
+            <a:r>
+              <a:rPr lang="en-US" dirty="0" smtClean="0"/>
+              <a:t>Should use caution since </a:t>
+            </a:r>
+            <a:r>
+              <a:rPr lang="en-US" dirty="0" smtClean="0"/>
+              <a:t>it’s an undocumented </a:t>
+            </a:r>
+            <a:r>
+              <a:rPr lang="en-US" dirty="0" smtClean="0"/>
+              <a:t>parameter</a:t>
+            </a:r>
+          </a:p>
+          <a:p>
+            <a:r>
+              <a:rPr lang="en-US" dirty="0" smtClean="0"/>
+              <a:t>Things certainly got faster, but with tables this large going to disk is another big bottleneck.</a:t>
+            </a:r>
+            <a:endParaRPr lang="en-US" dirty="0" smtClean="0"/>
           </a:p>
         </p:txBody>
       </p:sp>
@@ -15737,7 +15460,7 @@
 </p:sld>
 </file>
 
-<file path=ppt/slides/slide13.xml><?xml version="1.0" encoding="utf-8"?>
+<file path=ppt/slides/slide12.xml><?xml version="1.0" encoding="utf-8"?>
 <p:sld xmlns:a="http://schemas.openxmlformats.org/drawingml/2006/main" xmlns:r="http://schemas.openxmlformats.org/officeDocument/2006/relationships" xmlns:p="http://schemas.openxmlformats.org/presentationml/2006/main">
   <p:cSld>
     <p:spTree>
@@ -15971,7 +15694,7 @@
 </p:sld>
 </file>
 
-<file path=ppt/slides/slide14.xml><?xml version="1.0" encoding="utf-8"?>
+<file path=ppt/slides/slide13.xml><?xml version="1.0" encoding="utf-8"?>
 <p:sld xmlns:a="http://schemas.openxmlformats.org/drawingml/2006/main" xmlns:r="http://schemas.openxmlformats.org/officeDocument/2006/relationships" xmlns:p="http://schemas.openxmlformats.org/presentationml/2006/main">
   <p:cSld>
     <p:spTree>
@@ -16487,7 +16210,7 @@
 </p:sld>
 </file>
 
-<file path=ppt/slides/slide15.xml><?xml version="1.0" encoding="utf-8"?>
+<file path=ppt/slides/slide14.xml><?xml version="1.0" encoding="utf-8"?>
 <p:sld xmlns:a="http://schemas.openxmlformats.org/drawingml/2006/main" xmlns:r="http://schemas.openxmlformats.org/officeDocument/2006/relationships" xmlns:p="http://schemas.openxmlformats.org/presentationml/2006/main">
   <p:cSld>
     <p:spTree>
@@ -16550,7 +16273,7 @@
         </p:spPr>
         <p:txBody>
           <a:bodyPr vert="horz" lIns="0" tIns="0" rIns="0" bIns="0" rtlCol="0">
-            <a:normAutofit fontScale="85000" lnSpcReduction="20000"/>
+            <a:normAutofit fontScale="92500" lnSpcReduction="10000"/>
           </a:bodyPr>
           <a:lstStyle>
             <a:lvl1pPr marL="182880" indent="-182880" algn="l" defTabSz="914400" rtl="0" eaLnBrk="1" latinLnBrk="0" hangingPunct="1">
@@ -16798,8 +16521,9 @@
           <a:p>
             <a:r>
               <a:rPr lang="en-US" b="1" u="sng" dirty="0" smtClean="0"/>
-              <a:t>We forced DOP with a hint</a:t>
-            </a:r>
+              <a:t>New Default (no temp)</a:t>
+            </a:r>
+            <a:endParaRPr lang="en-US" b="1" u="sng" dirty="0" smtClean="0"/>
           </a:p>
           <a:p>
             <a:pPr lvl="1"/>
@@ -16809,16 +16533,22 @@
             </a:r>
           </a:p>
           <a:p>
-            <a:r>
-              <a:rPr lang="en-US" b="1" u="sng" dirty="0" smtClean="0"/>
-              <a:t>We forced PGA_MAX_SIZE</a:t>
-            </a:r>
-          </a:p>
-          <a:p>
             <a:pPr lvl="1"/>
             <a:r>
+              <a:rPr lang="en-US" dirty="0" smtClean="0"/>
+              <a:t>ALTER </a:t>
+            </a:r>
+            <a:r>
               <a:rPr lang="en-US" dirty="0"/>
-              <a:t>ALTER SYSTEM SET “PGA_MAX_SIZE” = </a:t>
+              <a:t>SYSTEM SET </a:t>
+            </a:r>
+            <a:r>
+              <a:rPr lang="en-US" dirty="0" smtClean="0"/>
+              <a:t>“_PGA_MAX_SIZE</a:t>
+            </a:r>
+            <a:r>
+              <a:rPr lang="en-US" dirty="0"/>
+              <a:t>” = </a:t>
             </a:r>
             <a:r>
               <a:rPr lang="en-US" dirty="0" smtClean="0"/>
@@ -16848,7 +16578,11 @@
             <a:pPr lvl="1"/>
             <a:r>
               <a:rPr lang="en-US" dirty="0" smtClean="0"/>
-              <a:t>Time (Run Time, CPU Time, IO Wait, DB Time)</a:t>
+              <a:t>Time (Run Time, CPU Time, IO Wait, DB Time</a:t>
+            </a:r>
+            <a:r>
+              <a:rPr lang="en-US" dirty="0" smtClean="0"/>
+              <a:t>)</a:t>
             </a:r>
           </a:p>
           <a:p>
@@ -16862,8 +16596,9 @@
             <a:pPr lvl="2"/>
             <a:r>
               <a:rPr lang="en-US" dirty="0" smtClean="0"/>
-              <a:t>V$BT_SCAN_OBJ_TEMPS</a:t>
-            </a:r>
+              <a:t>V$BT_SCAN_CACHE</a:t>
+            </a:r>
+            <a:endParaRPr lang="en-US" dirty="0"/>
           </a:p>
         </p:txBody>
       </p:sp>
@@ -16899,7 +16634,7 @@
         </p:nvSpPr>
         <p:spPr>
           <a:xfrm>
-            <a:off x="433971" y="3581400"/>
+            <a:off x="409526" y="4953000"/>
             <a:ext cx="4495800" cy="914400"/>
           </a:xfrm>
           <a:prstGeom prst="rect">
@@ -16927,6 +16662,30 @@
           </a:p>
         </p:txBody>
       </p:sp>
+      <p:pic>
+        <p:nvPicPr>
+          <p:cNvPr id="9" name="Picture 8"/>
+          <p:cNvPicPr>
+            <a:picLocks noChangeAspect="1"/>
+          </p:cNvPicPr>
+          <p:nvPr/>
+        </p:nvPicPr>
+        <p:blipFill>
+          <a:blip r:embed="rId4"/>
+          <a:stretch>
+            <a:fillRect/>
+          </a:stretch>
+        </p:blipFill>
+        <p:spPr>
+          <a:xfrm>
+            <a:off x="425491" y="3389677"/>
+            <a:ext cx="4512759" cy="1143000"/>
+          </a:xfrm>
+          <a:prstGeom prst="rect">
+            <a:avLst/>
+          </a:prstGeom>
+        </p:spPr>
+      </p:pic>
     </p:spTree>
     <p:extLst>
       <p:ext uri="{BB962C8B-B14F-4D97-AF65-F5344CB8AC3E}">
@@ -16959,7 +16718,7 @@
 </p:sld>
 </file>
 
-<file path=ppt/slides/slide16.xml><?xml version="1.0" encoding="utf-8"?>
+<file path=ppt/slides/slide15.xml><?xml version="1.0" encoding="utf-8"?>
 <p:sld xmlns:a="http://schemas.openxmlformats.org/drawingml/2006/main" xmlns:r="http://schemas.openxmlformats.org/officeDocument/2006/relationships" xmlns:p="http://schemas.openxmlformats.org/presentationml/2006/main">
   <p:cSld>
     <p:spTree>
@@ -17048,8 +16807,24 @@
             <a:pPr lvl="2"/>
             <a:r>
               <a:rPr lang="en-US" dirty="0" smtClean="0"/>
-              <a:t>2.6X speed improvement from the default</a:t>
-            </a:r>
+              <a:t>3.4X speed improvement vs the original default</a:t>
+            </a:r>
+          </a:p>
+          <a:p>
+            <a:pPr lvl="2"/>
+            <a:r>
+              <a:rPr lang="en-US" dirty="0" smtClean="0"/>
+              <a:t>2.6X </a:t>
+            </a:r>
+            <a:r>
+              <a:rPr lang="en-US" dirty="0" smtClean="0"/>
+              <a:t>speed improvement from the </a:t>
+            </a:r>
+            <a:r>
+              <a:rPr lang="en-US" dirty="0" smtClean="0"/>
+              <a:t>new default</a:t>
+            </a:r>
+            <a:endParaRPr lang="en-US" dirty="0" smtClean="0"/>
           </a:p>
           <a:p>
             <a:pPr lvl="1"/>
@@ -17060,30 +16835,6 @@
           </a:p>
         </p:txBody>
       </p:sp>
-      <p:pic>
-        <p:nvPicPr>
-          <p:cNvPr id="8" name="Picture 7"/>
-          <p:cNvPicPr>
-            <a:picLocks noChangeAspect="1"/>
-          </p:cNvPicPr>
-          <p:nvPr/>
-        </p:nvPicPr>
-        <p:blipFill>
-          <a:blip r:embed="rId3"/>
-          <a:stretch>
-            <a:fillRect/>
-          </a:stretch>
-        </p:blipFill>
-        <p:spPr>
-          <a:xfrm>
-            <a:off x="7267032" y="4953001"/>
-            <a:ext cx="4512759" cy="1143000"/>
-          </a:xfrm>
-          <a:prstGeom prst="rect">
-            <a:avLst/>
-          </a:prstGeom>
-        </p:spPr>
-      </p:pic>
       <p:pic>
         <p:nvPicPr>
           <p:cNvPr id="9" name="Picture 8"/>
@@ -17093,7 +16844,7 @@
           <p:nvPr/>
         </p:nvPicPr>
         <p:blipFill>
-          <a:blip r:embed="rId4"/>
+          <a:blip r:embed="rId3"/>
           <a:stretch>
             <a:fillRect/>
           </a:stretch>
@@ -17140,7 +16891,7 @@
 </p:sld>
 </file>
 
-<file path=ppt/slides/slide17.xml><?xml version="1.0" encoding="utf-8"?>
+<file path=ppt/slides/slide16.xml><?xml version="1.0" encoding="utf-8"?>
 <p:sld xmlns:a="http://schemas.openxmlformats.org/drawingml/2006/main" xmlns:r="http://schemas.openxmlformats.org/officeDocument/2006/relationships" xmlns:p="http://schemas.openxmlformats.org/presentationml/2006/main">
   <p:cSld>
     <p:spTree>
@@ -17191,8 +16942,8 @@
         </p:nvSpPr>
         <p:spPr>
           <a:xfrm>
-            <a:off x="6932612" y="1295401"/>
-            <a:ext cx="5181600" cy="4800600"/>
+            <a:off x="7467440" y="1295401"/>
+            <a:ext cx="4646772" cy="4114799"/>
           </a:xfrm>
         </p:spPr>
         <p:txBody>
@@ -17201,20 +16952,62 @@
           <a:p>
             <a:r>
               <a:rPr lang="en-US" dirty="0" smtClean="0"/>
-              <a:t>Notice that you appear to pay a penalty on the first run, but if your buffer cache is large enough you significantly improve the subsequent runs.</a:t>
-            </a:r>
-          </a:p>
-          <a:p>
+              <a:t>First run penalty?</a:t>
+            </a:r>
+          </a:p>
+          <a:p>
+            <a:pPr lvl="1"/>
             <a:r>
               <a:rPr lang="en-US" dirty="0" smtClean="0"/>
-              <a:t>This isn’t ideal for something like a nightly job because those typically aren’t run more than once.</a:t>
-            </a:r>
-          </a:p>
-          <a:p>
+              <a:t>It appears there is some overhead to filling up the big table cache</a:t>
+            </a:r>
+          </a:p>
+          <a:p>
+            <a:pPr lvl="1"/>
             <a:r>
               <a:rPr lang="en-US" dirty="0" smtClean="0"/>
-              <a:t>This might be a very nice solution for ad-hoc queries on large tables.</a:t>
-            </a:r>
+              <a:t>Significant improvements in subsequent runts</a:t>
+            </a:r>
+            <a:endParaRPr lang="en-US" dirty="0" smtClean="0"/>
+          </a:p>
+          <a:p>
+            <a:r>
+              <a:rPr lang="en-US" dirty="0" smtClean="0"/>
+              <a:t>Use Cases</a:t>
+            </a:r>
+          </a:p>
+          <a:p>
+            <a:pPr lvl="1"/>
+            <a:r>
+              <a:rPr lang="en-US" dirty="0" smtClean="0"/>
+              <a:t>Ad-hoc queries</a:t>
+            </a:r>
+          </a:p>
+          <a:p>
+            <a:pPr lvl="2"/>
+            <a:r>
+              <a:rPr lang="en-US" dirty="0" smtClean="0"/>
+              <a:t>Something where you spend a day/week crunching on the same </a:t>
+            </a:r>
+            <a:r>
+              <a:rPr lang="en-US" dirty="0" smtClean="0"/>
+              <a:t>big tables</a:t>
+            </a:r>
+          </a:p>
+          <a:p>
+            <a:pPr lvl="1"/>
+            <a:r>
+              <a:rPr lang="en-US" dirty="0" smtClean="0"/>
+              <a:t>Nightly Jobs</a:t>
+            </a:r>
+          </a:p>
+          <a:p>
+            <a:pPr lvl="2"/>
+            <a:r>
+              <a:rPr lang="en-US" dirty="0" smtClean="0"/>
+              <a:t>Probably not, unless you reference the same big many times.</a:t>
+            </a:r>
+            <a:endParaRPr lang="en-US" dirty="0" smtClean="0"/>
           </a:p>
         </p:txBody>
       </p:sp>
@@ -17234,8 +17027,8 @@
         </p:blipFill>
         <p:spPr>
           <a:xfrm>
-            <a:off x="0" y="1295401"/>
-            <a:ext cx="6800165" cy="4937760"/>
+            <a:off x="0" y="1295400"/>
+            <a:ext cx="7345856" cy="5333999"/>
           </a:xfrm>
           <a:prstGeom prst="rect">
             <a:avLst/>
@@ -17274,7 +17067,7 @@
 </p:sld>
 </file>
 
-<file path=ppt/slides/slide18.xml><?xml version="1.0" encoding="utf-8"?>
+<file path=ppt/slides/slide17.xml><?xml version="1.0" encoding="utf-8"?>
 <p:sld xmlns:a="http://schemas.openxmlformats.org/drawingml/2006/main" xmlns:r="http://schemas.openxmlformats.org/officeDocument/2006/relationships" xmlns:p="http://schemas.openxmlformats.org/presentationml/2006/main">
   <p:cSld>
     <p:spTree>
@@ -17483,8 +17276,8 @@
         </p:nvSpPr>
         <p:spPr>
           <a:xfrm>
-            <a:off x="7085012" y="1526628"/>
-            <a:ext cx="2362200" cy="1749972"/>
+            <a:off x="7616984" y="1817292"/>
+            <a:ext cx="3962400" cy="2091435"/>
           </a:xfrm>
           <a:prstGeom prst="rect">
             <a:avLst/>
@@ -17496,25 +17289,6 @@
             <a:noAutofit/>
           </a:bodyPr>
           <a:lstStyle/>
-          <a:p>
-            <a:pPr algn="ctr">
-              <a:lnSpc>
-                <a:spcPct val="90000"/>
-              </a:lnSpc>
-            </a:pPr>
-            <a:r>
-              <a:rPr lang="en-US" sz="2000" b="1" dirty="0" smtClean="0"/>
-              <a:t>Parameters</a:t>
-            </a:r>
-          </a:p>
-          <a:p>
-            <a:pPr algn="ctr">
-              <a:lnSpc>
-                <a:spcPct val="90000"/>
-              </a:lnSpc>
-            </a:pPr>
-            <a:endParaRPr lang="en-US" sz="2000" b="1" dirty="0" smtClean="0"/>
-          </a:p>
           <a:p>
             <a:pPr marL="342900" indent="-342900">
               <a:lnSpc>
@@ -17524,9 +17298,72 @@
               <a:buChar char="•"/>
             </a:pPr>
             <a:r>
+              <a:rPr lang="en-US" b="1" u="sng" dirty="0" smtClean="0"/>
+              <a:t>SGA Parameters</a:t>
+            </a:r>
+          </a:p>
+          <a:p>
+            <a:pPr marL="800100" lvl="1" indent="-342900">
+              <a:lnSpc>
+                <a:spcPct val="90000"/>
+              </a:lnSpc>
+              <a:buFont typeface="Arial" panose="020B0604020202020204" pitchFamily="34" charset="0"/>
+              <a:buChar char="•"/>
+            </a:pPr>
+            <a:r>
               <a:rPr lang="en-US" dirty="0" smtClean="0"/>
               <a:t>INMEMORY_SIZE</a:t>
             </a:r>
+          </a:p>
+          <a:p>
+            <a:pPr marL="800100" lvl="1" indent="-342900">
+              <a:lnSpc>
+                <a:spcPct val="90000"/>
+              </a:lnSpc>
+              <a:buFont typeface="Arial" panose="020B0604020202020204" pitchFamily="34" charset="0"/>
+              <a:buChar char="•"/>
+            </a:pPr>
+            <a:endParaRPr lang="en-US" dirty="0" smtClean="0"/>
+          </a:p>
+          <a:p>
+            <a:pPr marL="342900" indent="-342900">
+              <a:lnSpc>
+                <a:spcPct val="90000"/>
+              </a:lnSpc>
+              <a:buFont typeface="Arial" panose="020B0604020202020204" pitchFamily="34" charset="0"/>
+              <a:buChar char="•"/>
+            </a:pPr>
+            <a:r>
+              <a:rPr lang="en-US" b="1" u="sng" dirty="0" smtClean="0"/>
+              <a:t>Table Parameters</a:t>
+            </a:r>
+          </a:p>
+          <a:p>
+            <a:pPr marL="800100" lvl="1" indent="-342900">
+              <a:lnSpc>
+                <a:spcPct val="90000"/>
+              </a:lnSpc>
+              <a:buFont typeface="Arial" panose="020B0604020202020204" pitchFamily="34" charset="0"/>
+              <a:buChar char="•"/>
+            </a:pPr>
+            <a:r>
+              <a:rPr lang="en-US" dirty="0" smtClean="0"/>
+              <a:t>Compression Level</a:t>
+            </a:r>
+          </a:p>
+          <a:p>
+            <a:pPr marL="800100" lvl="1" indent="-342900">
+              <a:lnSpc>
+                <a:spcPct val="90000"/>
+              </a:lnSpc>
+              <a:buFont typeface="Arial" panose="020B0604020202020204" pitchFamily="34" charset="0"/>
+              <a:buChar char="•"/>
+            </a:pPr>
+            <a:r>
+              <a:rPr lang="en-US" dirty="0" smtClean="0"/>
+              <a:t>Priority (optional)</a:t>
+            </a:r>
+            <a:endParaRPr lang="en-US" dirty="0" smtClean="0"/>
           </a:p>
           <a:p>
             <a:pPr>
@@ -17691,10 +17528,17 @@
       </p:transition>
     </mc:Fallback>
   </mc:AlternateContent>
+  <p:timing>
+    <p:tnLst>
+      <p:par>
+        <p:cTn id="1" dur="indefinite" restart="never" nodeType="tmRoot"/>
+      </p:par>
+    </p:tnLst>
+  </p:timing>
 </p:sld>
 </file>
 
-<file path=ppt/slides/slide19.xml><?xml version="1.0" encoding="utf-8"?>
+<file path=ppt/slides/slide18.xml><?xml version="1.0" encoding="utf-8"?>
 <p:sld xmlns:a="http://schemas.openxmlformats.org/drawingml/2006/main" xmlns:r="http://schemas.openxmlformats.org/officeDocument/2006/relationships" xmlns:p="http://schemas.openxmlformats.org/presentationml/2006/main">
   <p:cSld>
     <p:spTree>
@@ -20963,120 +20807,6 @@
       </p:transition>
     </mc:Fallback>
   </mc:AlternateContent>
-</p:sld>
-</file>
-
-<file path=ppt/slides/slide2.xml><?xml version="1.0" encoding="utf-8"?>
-<p:sld xmlns:a="http://schemas.openxmlformats.org/drawingml/2006/main" xmlns:r="http://schemas.openxmlformats.org/officeDocument/2006/relationships" xmlns:p="http://schemas.openxmlformats.org/presentationml/2006/main">
-  <p:cSld>
-    <p:spTree>
-      <p:nvGrpSpPr>
-        <p:cNvPr id="1" name=""/>
-        <p:cNvGrpSpPr/>
-        <p:nvPr/>
-      </p:nvGrpSpPr>
-      <p:grpSpPr>
-        <a:xfrm>
-          <a:off x="0" y="0"/>
-          <a:ext cx="0" cy="0"/>
-          <a:chOff x="0" y="0"/>
-          <a:chExt cx="0" cy="0"/>
-        </a:xfrm>
-      </p:grpSpPr>
-      <p:sp>
-        <p:nvSpPr>
-          <p:cNvPr id="2" name="Title 1"/>
-          <p:cNvSpPr>
-            <a:spLocks noGrp="1"/>
-          </p:cNvSpPr>
-          <p:nvPr>
-            <p:ph type="title"/>
-          </p:nvPr>
-        </p:nvSpPr>
-        <p:spPr/>
-        <p:txBody>
-          <a:bodyPr/>
-          <a:lstStyle/>
-          <a:p>
-            <a:r>
-              <a:rPr lang="en-US" dirty="0" smtClean="0"/>
-              <a:t>Presentation Overview</a:t>
-            </a:r>
-            <a:endParaRPr lang="en-US" dirty="0"/>
-          </a:p>
-        </p:txBody>
-      </p:sp>
-      <p:sp>
-        <p:nvSpPr>
-          <p:cNvPr id="3" name="Content Placeholder 2"/>
-          <p:cNvSpPr>
-            <a:spLocks noGrp="1"/>
-          </p:cNvSpPr>
-          <p:nvPr>
-            <p:ph idx="1"/>
-          </p:nvPr>
-        </p:nvSpPr>
-        <p:spPr/>
-        <p:txBody>
-          <a:bodyPr>
-            <a:normAutofit/>
-          </a:bodyPr>
-          <a:lstStyle/>
-          <a:p>
-            <a:r>
-              <a:rPr lang="en-US" sz="2400" dirty="0" smtClean="0"/>
-              <a:t>Introduction</a:t>
-            </a:r>
-          </a:p>
-          <a:p>
-            <a:r>
-              <a:rPr lang="en-US" sz="2400" dirty="0" smtClean="0"/>
-              <a:t>Problem Statement</a:t>
-            </a:r>
-          </a:p>
-          <a:p>
-            <a:r>
-              <a:rPr lang="en-US" sz="2400" dirty="0" smtClean="0"/>
-              <a:t>Experiment Design and Results</a:t>
-            </a:r>
-          </a:p>
-          <a:p>
-            <a:r>
-              <a:rPr lang="en-US" sz="2200" dirty="0" smtClean="0"/>
-              <a:t>Conclusions &amp; Future Work</a:t>
-            </a:r>
-          </a:p>
-          <a:p>
-            <a:r>
-              <a:rPr lang="en-US" sz="2200" dirty="0" smtClean="0"/>
-              <a:t>Acknowledgements</a:t>
-            </a:r>
-            <a:endParaRPr lang="en-US" sz="2200" dirty="0"/>
-          </a:p>
-        </p:txBody>
-      </p:sp>
-    </p:spTree>
-    <p:extLst>
-      <p:ext uri="{BB962C8B-B14F-4D97-AF65-F5344CB8AC3E}">
-        <p14:creationId xmlns:p14="http://schemas.microsoft.com/office/powerpoint/2010/main" val="2147390003"/>
-      </p:ext>
-    </p:extLst>
-  </p:cSld>
-  <p:clrMapOvr>
-    <a:masterClrMapping/>
-  </p:clrMapOvr>
-  <mc:AlternateContent xmlns:mc="http://schemas.openxmlformats.org/markup-compatibility/2006" xmlns:p14="http://schemas.microsoft.com/office/powerpoint/2010/main">
-    <mc:Choice Requires="p14">
-      <p:transition spd="med" p14:dur="700">
-        <p:fade/>
-      </p:transition>
-    </mc:Choice>
-    <mc:Fallback xmlns="">
-      <p:transition spd="med">
-        <p:fade/>
-      </p:transition>
-    </mc:Fallback>
-  </mc:AlternateContent>
   <p:timing>
     <p:tnLst>
       <p:par>
@@ -21087,7 +20817,7 @@
 </p:sld>
 </file>
 
-<file path=ppt/slides/slide20.xml><?xml version="1.0" encoding="utf-8"?>
+<file path=ppt/slides/slide19.xml><?xml version="1.0" encoding="utf-8"?>
 <p:sld xmlns:a="http://schemas.openxmlformats.org/drawingml/2006/main" xmlns:r="http://schemas.openxmlformats.org/officeDocument/2006/relationships" xmlns:p="http://schemas.openxmlformats.org/presentationml/2006/main">
   <p:cSld>
     <p:spTree>
@@ -21377,37 +21107,38 @@
             </a:r>
           </a:p>
           <a:p>
+            <a:r>
+              <a:rPr lang="en-US" b="1" u="sng" dirty="0"/>
+              <a:t>New Default (no temp)</a:t>
+            </a:r>
+          </a:p>
+          <a:p>
             <a:pPr lvl="1"/>
             <a:r>
               <a:rPr lang="en-US" dirty="0"/>
-              <a:t>ALTER SYSTEM SET “PGA_MAX_SIZE” = </a:t>
-            </a:r>
+              <a:t>/*+ PARALLEL(32) */</a:t>
+            </a:r>
+          </a:p>
+          <a:p>
+            <a:pPr lvl="1"/>
+            <a:r>
+              <a:rPr lang="en-US" dirty="0"/>
+              <a:t>ALTER SYSTEM SET “PGA_MAX_SIZE” = 4G </a:t>
+            </a:r>
+            <a:endParaRPr lang="en-US" dirty="0" smtClean="0"/>
+          </a:p>
+          <a:p>
             <a:r>
               <a:rPr lang="en-US" b="1" u="sng" dirty="0" smtClean="0"/>
-              <a:t>4G</a:t>
-            </a:r>
-          </a:p>
-          <a:p>
+              <a:t>We </a:t>
+            </a:r>
             <a:r>
               <a:rPr lang="en-US" b="1" u="sng" dirty="0" smtClean="0"/>
-              <a:t>We forced DOP with a hint</a:t>
-            </a:r>
-          </a:p>
-          <a:p>
-            <a:pPr lvl="1"/>
-            <a:r>
-              <a:rPr lang="en-US" dirty="0" smtClean="0"/>
-              <a:t>/*+ PARALLEL(32) */</a:t>
-            </a:r>
-          </a:p>
-          <a:p>
+              <a:t>forced tables to be </a:t>
+            </a:r>
             <a:r>
               <a:rPr lang="en-US" b="1" u="sng" dirty="0" smtClean="0"/>
-              <a:t>We forced tables to be </a:t>
-            </a:r>
-            <a:r>
-              <a:rPr lang="en-US" b="1" u="sng" dirty="0" err="1" smtClean="0"/>
-              <a:t>InMemory</a:t>
+              <a:t>In-Memory</a:t>
             </a:r>
             <a:endParaRPr lang="en-US" b="1" u="sng" dirty="0" smtClean="0"/>
           </a:p>
@@ -21435,8 +21166,15 @@
           <a:p>
             <a:pPr lvl="1"/>
             <a:r>
-              <a:rPr lang="en-US" dirty="0"/>
+              <a:rPr lang="en-US" dirty="0" smtClean="0"/>
               <a:t>V$IM_SEGMENTS</a:t>
+            </a:r>
+          </a:p>
+          <a:p>
+            <a:pPr lvl="2"/>
+            <a:r>
+              <a:rPr lang="en-US" dirty="0" smtClean="0"/>
+              <a:t>Monitor population status and size</a:t>
             </a:r>
             <a:endParaRPr lang="en-US" dirty="0" smtClean="0"/>
           </a:p>
@@ -21570,7 +21308,7 @@
 </p:sld>
 </file>
 
-<file path=ppt/slides/slide21.xml><?xml version="1.0" encoding="utf-8"?>
+<file path=ppt/slides/slide2.xml><?xml version="1.0" encoding="utf-8"?>
 <p:sld xmlns:a="http://schemas.openxmlformats.org/drawingml/2006/main" xmlns:r="http://schemas.openxmlformats.org/officeDocument/2006/relationships" xmlns:p="http://schemas.openxmlformats.org/presentationml/2006/main">
   <p:cSld>
     <p:spTree>
@@ -21603,6 +21341,237 @@
           <a:lstStyle/>
           <a:p>
             <a:r>
+              <a:rPr lang="en-US" dirty="0" smtClean="0"/>
+              <a:t>Introduction</a:t>
+            </a:r>
+            <a:endParaRPr lang="en-US" dirty="0"/>
+          </a:p>
+        </p:txBody>
+      </p:sp>
+      <p:sp>
+        <p:nvSpPr>
+          <p:cNvPr id="3" name="Content Placeholder 2"/>
+          <p:cNvSpPr>
+            <a:spLocks noGrp="1"/>
+          </p:cNvSpPr>
+          <p:nvPr>
+            <p:ph idx="1"/>
+          </p:nvPr>
+        </p:nvSpPr>
+        <p:spPr/>
+        <p:txBody>
+          <a:bodyPr>
+            <a:normAutofit lnSpcReduction="10000"/>
+          </a:bodyPr>
+          <a:lstStyle/>
+          <a:p>
+            <a:r>
+              <a:rPr lang="en-US" dirty="0" smtClean="0"/>
+              <a:t>We work for HP Inc. in Corvallis Oregon</a:t>
+            </a:r>
+          </a:p>
+          <a:p>
+            <a:r>
+              <a:rPr lang="en-US" dirty="0" smtClean="0"/>
+              <a:t>We are on a team that builds really big printers</a:t>
+            </a:r>
+          </a:p>
+          <a:p>
+            <a:r>
+              <a:rPr lang="en-US" b="1" u="sng" dirty="0" smtClean="0"/>
+              <a:t>Engineering </a:t>
+            </a:r>
+            <a:r>
+              <a:rPr lang="en-US" b="1" u="sng" dirty="0"/>
+              <a:t>Analytics</a:t>
+            </a:r>
+            <a:endParaRPr lang="en-US" dirty="0"/>
+          </a:p>
+          <a:p>
+            <a:pPr lvl="1"/>
+            <a:r>
+              <a:rPr lang="en-US" dirty="0"/>
+              <a:t>Analytics on large datasets to provide insights to the engineering </a:t>
+            </a:r>
+            <a:r>
+              <a:rPr lang="en-US" dirty="0" smtClean="0"/>
+              <a:t>teams, </a:t>
+            </a:r>
+            <a:r>
+              <a:rPr lang="en-US" dirty="0"/>
+              <a:t>the tiered support organization, and to the end customer.</a:t>
+            </a:r>
+          </a:p>
+          <a:p>
+            <a:pPr lvl="2"/>
+            <a:r>
+              <a:rPr lang="en-US" dirty="0"/>
+              <a:t>Failure mode detection</a:t>
+            </a:r>
+          </a:p>
+          <a:p>
+            <a:pPr lvl="2"/>
+            <a:r>
+              <a:rPr lang="en-US" dirty="0"/>
+              <a:t>Machine performance</a:t>
+            </a:r>
+          </a:p>
+          <a:p>
+            <a:pPr lvl="2"/>
+            <a:r>
+              <a:rPr lang="en-US" dirty="0"/>
+              <a:t>Fundamental engineering models</a:t>
+            </a:r>
+          </a:p>
+          <a:p>
+            <a:r>
+              <a:rPr lang="en-US" b="1" u="sng" dirty="0"/>
+              <a:t>Our Data</a:t>
+            </a:r>
+          </a:p>
+          <a:p>
+            <a:pPr lvl="1"/>
+            <a:r>
+              <a:rPr lang="en-US" dirty="0"/>
+              <a:t>Raw sensor information</a:t>
+            </a:r>
+          </a:p>
+          <a:p>
+            <a:pPr lvl="2"/>
+            <a:r>
+              <a:rPr lang="en-US" dirty="0"/>
+              <a:t>temperature, pressure, speed, tension, vision system output, etc.</a:t>
+            </a:r>
+          </a:p>
+          <a:p>
+            <a:pPr lvl="1"/>
+            <a:r>
+              <a:rPr lang="en-US" dirty="0"/>
+              <a:t>Device status information</a:t>
+            </a:r>
+          </a:p>
+          <a:p>
+            <a:pPr lvl="2"/>
+            <a:r>
+              <a:rPr lang="en-US" dirty="0"/>
+              <a:t>Alarms, faults, compute system usage, etc.</a:t>
+            </a:r>
+          </a:p>
+          <a:p>
+            <a:pPr lvl="1"/>
+            <a:r>
+              <a:rPr lang="en-US" dirty="0"/>
+              <a:t>Production information</a:t>
+            </a:r>
+          </a:p>
+          <a:p>
+            <a:pPr lvl="2"/>
+            <a:r>
+              <a:rPr lang="en-US" dirty="0"/>
+              <a:t>Jobs, consumables, operator interactions, etc.</a:t>
+            </a:r>
+          </a:p>
+          <a:p>
+            <a:pPr lvl="1"/>
+            <a:r>
+              <a:rPr lang="en-US" dirty="0"/>
+              <a:t>The data is linked only by the device it came from and the timestamp.</a:t>
+            </a:r>
+          </a:p>
+          <a:p>
+            <a:endParaRPr lang="en-US" dirty="0"/>
+          </a:p>
+        </p:txBody>
+      </p:sp>
+      <p:pic>
+        <p:nvPicPr>
+          <p:cNvPr id="4" name="Picture 3"/>
+          <p:cNvPicPr>
+            <a:picLocks noChangeAspect="1"/>
+          </p:cNvPicPr>
+          <p:nvPr/>
+        </p:nvPicPr>
+        <p:blipFill>
+          <a:blip r:embed="rId3"/>
+          <a:stretch>
+            <a:fillRect/>
+          </a:stretch>
+        </p:blipFill>
+        <p:spPr>
+          <a:xfrm>
+            <a:off x="5438629" y="304800"/>
+            <a:ext cx="6751783" cy="1828800"/>
+          </a:xfrm>
+          <a:prstGeom prst="rect">
+            <a:avLst/>
+          </a:prstGeom>
+        </p:spPr>
+      </p:pic>
+    </p:spTree>
+    <p:extLst>
+      <p:ext uri="{BB962C8B-B14F-4D97-AF65-F5344CB8AC3E}">
+        <p14:creationId xmlns:p14="http://schemas.microsoft.com/office/powerpoint/2010/main" val="2334711322"/>
+      </p:ext>
+    </p:extLst>
+  </p:cSld>
+  <p:clrMapOvr>
+    <a:masterClrMapping/>
+  </p:clrMapOvr>
+  <mc:AlternateContent xmlns:mc="http://schemas.openxmlformats.org/markup-compatibility/2006" xmlns:p14="http://schemas.microsoft.com/office/powerpoint/2010/main">
+    <mc:Choice Requires="p14">
+      <p:transition spd="med" p14:dur="700">
+        <p:fade/>
+      </p:transition>
+    </mc:Choice>
+    <mc:Fallback xmlns="">
+      <p:transition spd="med">
+        <p:fade/>
+      </p:transition>
+    </mc:Fallback>
+  </mc:AlternateContent>
+  <p:timing>
+    <p:tnLst>
+      <p:par>
+        <p:cTn id="1" dur="indefinite" restart="never" nodeType="tmRoot"/>
+      </p:par>
+    </p:tnLst>
+  </p:timing>
+</p:sld>
+</file>
+
+<file path=ppt/slides/slide20.xml><?xml version="1.0" encoding="utf-8"?>
+<p:sld xmlns:a="http://schemas.openxmlformats.org/drawingml/2006/main" xmlns:r="http://schemas.openxmlformats.org/officeDocument/2006/relationships" xmlns:p="http://schemas.openxmlformats.org/presentationml/2006/main">
+  <p:cSld>
+    <p:spTree>
+      <p:nvGrpSpPr>
+        <p:cNvPr id="1" name=""/>
+        <p:cNvGrpSpPr/>
+        <p:nvPr/>
+      </p:nvGrpSpPr>
+      <p:grpSpPr>
+        <a:xfrm>
+          <a:off x="0" y="0"/>
+          <a:ext cx="0" cy="0"/>
+          <a:chOff x="0" y="0"/>
+          <a:chExt cx="0" cy="0"/>
+        </a:xfrm>
+      </p:grpSpPr>
+      <p:sp>
+        <p:nvSpPr>
+          <p:cNvPr id="2" name="Title 1"/>
+          <p:cNvSpPr>
+            <a:spLocks noGrp="1"/>
+          </p:cNvSpPr>
+          <p:nvPr>
+            <p:ph type="title"/>
+          </p:nvPr>
+        </p:nvSpPr>
+        <p:spPr/>
+        <p:txBody>
+          <a:bodyPr/>
+          <a:lstStyle/>
+          <a:p>
+            <a:r>
               <a:rPr lang="en-US" dirty="0"/>
               <a:t>Experiment # 3:  In-Memory Column Store</a:t>
             </a:r>
@@ -21621,8 +21590,8 @@
         </p:nvSpPr>
         <p:spPr>
           <a:xfrm>
-            <a:off x="6932612" y="1295401"/>
-            <a:ext cx="5181600" cy="4800600"/>
+            <a:off x="7313612" y="1295401"/>
+            <a:ext cx="4800600" cy="4267199"/>
           </a:xfrm>
         </p:spPr>
         <p:txBody>
@@ -21662,8 +21631,20 @@
             <a:pPr lvl="1"/>
             <a:r>
               <a:rPr lang="en-US" dirty="0" smtClean="0"/>
-              <a:t>Still get a 2.6X improvement over going to disk</a:t>
-            </a:r>
+              <a:t>Still get a 2.6X improvement over going to </a:t>
+            </a:r>
+            <a:r>
+              <a:rPr lang="en-US" dirty="0" smtClean="0"/>
+              <a:t>disk</a:t>
+            </a:r>
+          </a:p>
+          <a:p>
+            <a:pPr lvl="1"/>
+            <a:r>
+              <a:rPr lang="en-US" dirty="0" smtClean="0"/>
+              <a:t>78% reduction in size for our data</a:t>
+            </a:r>
+            <a:endParaRPr lang="en-US" dirty="0" smtClean="0"/>
           </a:p>
         </p:txBody>
       </p:sp>
@@ -21683,8 +21664,8 @@
         </p:blipFill>
         <p:spPr>
           <a:xfrm>
-            <a:off x="0" y="1295401"/>
-            <a:ext cx="6800165" cy="4937760"/>
+            <a:off x="0" y="1295400"/>
+            <a:ext cx="7237412" cy="5255255"/>
           </a:xfrm>
           <a:prstGeom prst="rect">
             <a:avLst/>
@@ -21723,7 +21704,7 @@
 </p:sld>
 </file>
 
-<file path=ppt/slides/slide22.xml><?xml version="1.0" encoding="utf-8"?>
+<file path=ppt/slides/slide21.xml><?xml version="1.0" encoding="utf-8"?>
 <p:sld xmlns:a="http://schemas.openxmlformats.org/drawingml/2006/main" xmlns:r="http://schemas.openxmlformats.org/officeDocument/2006/relationships" xmlns:p="http://schemas.openxmlformats.org/presentationml/2006/main">
   <p:cSld>
     <p:spTree>
@@ -21915,7 +21896,7 @@
 </p:sld>
 </file>
 
-<file path=ppt/slides/slide23.xml><?xml version="1.0" encoding="utf-8"?>
+<file path=ppt/slides/slide22.xml><?xml version="1.0" encoding="utf-8"?>
 <p:sld xmlns:a="http://schemas.openxmlformats.org/drawingml/2006/main" xmlns:r="http://schemas.openxmlformats.org/officeDocument/2006/relationships" xmlns:p="http://schemas.openxmlformats.org/presentationml/2006/main">
   <p:cSld>
     <p:spTree>
@@ -22504,7 +22485,7 @@
         <p:spPr>
           <a:xfrm>
             <a:off x="6932612" y="1295401"/>
-            <a:ext cx="5181600" cy="4800600"/>
+            <a:ext cx="5181600" cy="3351649"/>
           </a:xfrm>
         </p:spPr>
         <p:txBody>
@@ -22540,15 +22521,13 @@
             <a:pPr lvl="1"/>
             <a:r>
               <a:rPr lang="en-US" dirty="0" smtClean="0"/>
-              <a:t>Queries are all started as soon as they arrive, and CPU is downgraded causing some queries to run quickly, and some queries to run VERY slow.</a:t>
-            </a:r>
-          </a:p>
-          <a:p>
-            <a:pPr lvl="1"/>
+              <a:t>Queries are all started as soon as they arrive, and CPU is downgraded causing some queries to run quickly, and some queries to run VERY slow</a:t>
+            </a:r>
             <a:r>
               <a:rPr lang="en-US" dirty="0" smtClean="0"/>
-              <a:t>If you run without statement queuing and you include parallel hints in your query things can get ugly real quick.</a:t>
-            </a:r>
+              <a:t>.</a:t>
+            </a:r>
+            <a:endParaRPr lang="en-US" dirty="0" smtClean="0"/>
           </a:p>
         </p:txBody>
       </p:sp>
@@ -23147,6 +23126,187 @@
     <p:extLst>
       <p:ext uri="{BB962C8B-B14F-4D97-AF65-F5344CB8AC3E}">
         <p14:creationId xmlns:p14="http://schemas.microsoft.com/office/powerpoint/2010/main" val="576107688"/>
+      </p:ext>
+    </p:extLst>
+  </p:cSld>
+  <p:clrMapOvr>
+    <a:masterClrMapping/>
+  </p:clrMapOvr>
+  <mc:AlternateContent xmlns:mc="http://schemas.openxmlformats.org/markup-compatibility/2006" xmlns:p14="http://schemas.microsoft.com/office/powerpoint/2010/main">
+    <mc:Choice Requires="p14">
+      <p:transition spd="med" p14:dur="700">
+        <p:fade/>
+      </p:transition>
+    </mc:Choice>
+    <mc:Fallback xmlns="">
+      <p:transition spd="med">
+        <p:fade/>
+      </p:transition>
+    </mc:Fallback>
+  </mc:AlternateContent>
+  <p:timing>
+    <p:tnLst>
+      <p:par>
+        <p:cTn id="1" dur="indefinite" restart="never" nodeType="tmRoot"/>
+      </p:par>
+    </p:tnLst>
+  </p:timing>
+</p:sld>
+</file>
+
+<file path=ppt/slides/slide23.xml><?xml version="1.0" encoding="utf-8"?>
+<p:sld xmlns:a="http://schemas.openxmlformats.org/drawingml/2006/main" xmlns:r="http://schemas.openxmlformats.org/officeDocument/2006/relationships" xmlns:p="http://schemas.openxmlformats.org/presentationml/2006/main">
+  <p:cSld>
+    <p:spTree>
+      <p:nvGrpSpPr>
+        <p:cNvPr id="1" name=""/>
+        <p:cNvGrpSpPr/>
+        <p:nvPr/>
+      </p:nvGrpSpPr>
+      <p:grpSpPr>
+        <a:xfrm>
+          <a:off x="0" y="0"/>
+          <a:ext cx="0" cy="0"/>
+          <a:chOff x="0" y="0"/>
+          <a:chExt cx="0" cy="0"/>
+        </a:xfrm>
+      </p:grpSpPr>
+      <p:sp>
+        <p:nvSpPr>
+          <p:cNvPr id="2" name="Title 1"/>
+          <p:cNvSpPr>
+            <a:spLocks noGrp="1"/>
+          </p:cNvSpPr>
+          <p:nvPr>
+            <p:ph type="title"/>
+          </p:nvPr>
+        </p:nvSpPr>
+        <p:spPr/>
+        <p:txBody>
+          <a:bodyPr/>
+          <a:lstStyle/>
+          <a:p>
+            <a:r>
+              <a:rPr lang="en-US" dirty="0"/>
+              <a:t>Experiment # 4: Statement Queuing</a:t>
+            </a:r>
+            <a:endParaRPr lang="en-GB" dirty="0"/>
+          </a:p>
+        </p:txBody>
+      </p:sp>
+      <p:pic>
+        <p:nvPicPr>
+          <p:cNvPr id="4" name="Picture 3"/>
+          <p:cNvPicPr>
+            <a:picLocks noChangeAspect="1"/>
+          </p:cNvPicPr>
+          <p:nvPr/>
+        </p:nvPicPr>
+        <p:blipFill>
+          <a:blip r:embed="rId3"/>
+          <a:stretch>
+            <a:fillRect/>
+          </a:stretch>
+        </p:blipFill>
+        <p:spPr>
+          <a:xfrm>
+            <a:off x="74612" y="1371600"/>
+            <a:ext cx="6805584" cy="4937760"/>
+          </a:xfrm>
+          <a:prstGeom prst="rect">
+            <a:avLst/>
+          </a:prstGeom>
+        </p:spPr>
+      </p:pic>
+      <p:sp>
+        <p:nvSpPr>
+          <p:cNvPr id="5" name="Content Placeholder 2"/>
+          <p:cNvSpPr>
+            <a:spLocks noGrp="1"/>
+          </p:cNvSpPr>
+          <p:nvPr>
+            <p:ph idx="1"/>
+          </p:nvPr>
+        </p:nvSpPr>
+        <p:spPr>
+          <a:xfrm>
+            <a:off x="6932612" y="1295401"/>
+            <a:ext cx="5181600" cy="4800600"/>
+          </a:xfrm>
+        </p:spPr>
+        <p:txBody>
+          <a:bodyPr/>
+          <a:lstStyle/>
+          <a:p>
+            <a:r>
+              <a:rPr lang="en-US" dirty="0" smtClean="0"/>
+              <a:t>Summary</a:t>
+            </a:r>
+          </a:p>
+          <a:p>
+            <a:pPr lvl="1"/>
+            <a:r>
+              <a:rPr lang="en-US" dirty="0" smtClean="0"/>
+              <a:t>Statement queuing works like expected!</a:t>
+            </a:r>
+          </a:p>
+          <a:p>
+            <a:pPr lvl="1"/>
+            <a:r>
+              <a:rPr lang="en-US" dirty="0" smtClean="0"/>
+              <a:t>Without queuing most jobs get massive downgrading and therefore lots of swap to temp</a:t>
+            </a:r>
+          </a:p>
+          <a:p>
+            <a:pPr lvl="2"/>
+            <a:r>
+              <a:rPr lang="en-US" dirty="0" smtClean="0"/>
+              <a:t>Data was In-Memory for both sets of tests.</a:t>
+            </a:r>
+          </a:p>
+          <a:p>
+            <a:pPr lvl="1"/>
+            <a:r>
+              <a:rPr lang="en-US" dirty="0" smtClean="0"/>
+              <a:t>With queuing each job gets the optimal resources it needs to execute</a:t>
+            </a:r>
+          </a:p>
+          <a:p>
+            <a:pPr lvl="1"/>
+            <a:r>
+              <a:rPr lang="en-US" dirty="0" smtClean="0"/>
+              <a:t>Not shown:</a:t>
+            </a:r>
+          </a:p>
+          <a:p>
+            <a:pPr lvl="2"/>
+            <a:r>
+              <a:rPr lang="en-US" dirty="0" smtClean="0"/>
+              <a:t>If you keep in parallel hints and have queuing turned off your queries will start to die with: </a:t>
+            </a:r>
+            <a:br>
+              <a:rPr lang="en-US" dirty="0" smtClean="0"/>
+            </a:br>
+            <a:r>
+              <a:rPr lang="en-US" b="1" dirty="0" smtClean="0"/>
+              <a:t>ORA-04036</a:t>
+            </a:r>
+            <a:r>
+              <a:rPr lang="en-US" b="1" dirty="0"/>
+              <a:t>: PGA memory used by the instance exceeds </a:t>
+            </a:r>
+            <a:r>
+              <a:rPr lang="en-US" b="1" dirty="0" smtClean="0"/>
+              <a:t>PGA_AGGREGATE_LIMIT</a:t>
+            </a:r>
+            <a:endParaRPr lang="en-US" b="1" dirty="0"/>
+          </a:p>
+        </p:txBody>
+      </p:sp>
+    </p:spTree>
+    <p:extLst>
+      <p:ext uri="{BB962C8B-B14F-4D97-AF65-F5344CB8AC3E}">
+        <p14:creationId xmlns:p14="http://schemas.microsoft.com/office/powerpoint/2010/main" val="2411723860"/>
       </p:ext>
     </p:extLst>
   </p:cSld>
@@ -23208,40 +23368,16 @@
           <a:lstStyle/>
           <a:p>
             <a:r>
-              <a:rPr lang="en-US" dirty="0"/>
-              <a:t>Experiment # 4: Statement Queuing</a:t>
-            </a:r>
-            <a:endParaRPr lang="en-GB" dirty="0"/>
-          </a:p>
-        </p:txBody>
-      </p:sp>
-      <p:pic>
-        <p:nvPicPr>
-          <p:cNvPr id="4" name="Picture 3"/>
-          <p:cNvPicPr>
-            <a:picLocks noChangeAspect="1"/>
-          </p:cNvPicPr>
-          <p:nvPr/>
-        </p:nvPicPr>
-        <p:blipFill>
-          <a:blip r:embed="rId3"/>
-          <a:stretch>
-            <a:fillRect/>
-          </a:stretch>
-        </p:blipFill>
-        <p:spPr>
-          <a:xfrm>
-            <a:off x="74612" y="1371600"/>
-            <a:ext cx="6805584" cy="4937760"/>
-          </a:xfrm>
-          <a:prstGeom prst="rect">
-            <a:avLst/>
-          </a:prstGeom>
-        </p:spPr>
-      </p:pic>
-      <p:sp>
-        <p:nvSpPr>
-          <p:cNvPr id="5" name="Content Placeholder 2"/>
+              <a:rPr lang="en-US" dirty="0" smtClean="0"/>
+              <a:t>Conclusions</a:t>
+            </a:r>
+            <a:endParaRPr lang="en-US" dirty="0"/>
+          </a:p>
+        </p:txBody>
+      </p:sp>
+      <p:sp>
+        <p:nvSpPr>
+          <p:cNvPr id="3" name="Content Placeholder 2"/>
           <p:cNvSpPr>
             <a:spLocks noGrp="1"/>
           </p:cNvSpPr>
@@ -23249,170 +23385,13 @@
             <p:ph idx="1"/>
           </p:nvPr>
         </p:nvSpPr>
-        <p:spPr>
-          <a:xfrm>
-            <a:off x="6932612" y="1295401"/>
-            <a:ext cx="5181600" cy="4800600"/>
-          </a:xfrm>
-        </p:spPr>
+        <p:spPr/>
         <p:txBody>
           <a:bodyPr/>
           <a:lstStyle/>
           <a:p>
             <a:r>
               <a:rPr lang="en-US" dirty="0" smtClean="0"/>
-              <a:t>Summary</a:t>
-            </a:r>
-          </a:p>
-          <a:p>
-            <a:pPr lvl="1"/>
-            <a:r>
-              <a:rPr lang="en-US" dirty="0" smtClean="0"/>
-              <a:t>Statement queuing works like expected!</a:t>
-            </a:r>
-          </a:p>
-          <a:p>
-            <a:pPr lvl="1"/>
-            <a:r>
-              <a:rPr lang="en-US" dirty="0" smtClean="0"/>
-              <a:t>Without queuing most jobs get massive downgrading and therefore lots of swap to temp</a:t>
-            </a:r>
-          </a:p>
-          <a:p>
-            <a:pPr lvl="2"/>
-            <a:r>
-              <a:rPr lang="en-US" dirty="0" smtClean="0"/>
-              <a:t>Data was In-Memory for both sets of tests.</a:t>
-            </a:r>
-          </a:p>
-          <a:p>
-            <a:pPr lvl="1"/>
-            <a:r>
-              <a:rPr lang="en-US" dirty="0" smtClean="0"/>
-              <a:t>With queuing each job gets the optimal resources it needs to execute</a:t>
-            </a:r>
-          </a:p>
-          <a:p>
-            <a:pPr lvl="1"/>
-            <a:r>
-              <a:rPr lang="en-US" dirty="0" smtClean="0"/>
-              <a:t>Not shown:</a:t>
-            </a:r>
-          </a:p>
-          <a:p>
-            <a:pPr lvl="2"/>
-            <a:r>
-              <a:rPr lang="en-US" dirty="0" smtClean="0"/>
-              <a:t>If you keep in parallel hints and have queuing turned off your queries will start to die with: </a:t>
-            </a:r>
-            <a:br>
-              <a:rPr lang="en-US" dirty="0" smtClean="0"/>
-            </a:br>
-            <a:r>
-              <a:rPr lang="en-US" b="1" dirty="0" smtClean="0"/>
-              <a:t>ORA-04036</a:t>
-            </a:r>
-            <a:r>
-              <a:rPr lang="en-US" b="1" dirty="0"/>
-              <a:t>: PGA memory used by the instance exceeds </a:t>
-            </a:r>
-            <a:r>
-              <a:rPr lang="en-US" b="1" dirty="0" smtClean="0"/>
-              <a:t>PGA_AGGREGATE_LIMIT</a:t>
-            </a:r>
-            <a:endParaRPr lang="en-US" b="1" dirty="0"/>
-          </a:p>
-        </p:txBody>
-      </p:sp>
-    </p:spTree>
-    <p:extLst>
-      <p:ext uri="{BB962C8B-B14F-4D97-AF65-F5344CB8AC3E}">
-        <p14:creationId xmlns:p14="http://schemas.microsoft.com/office/powerpoint/2010/main" val="2411723860"/>
-      </p:ext>
-    </p:extLst>
-  </p:cSld>
-  <p:clrMapOvr>
-    <a:masterClrMapping/>
-  </p:clrMapOvr>
-  <mc:AlternateContent xmlns:mc="http://schemas.openxmlformats.org/markup-compatibility/2006" xmlns:p14="http://schemas.microsoft.com/office/powerpoint/2010/main">
-    <mc:Choice Requires="p14">
-      <p:transition spd="med" p14:dur="700">
-        <p:fade/>
-      </p:transition>
-    </mc:Choice>
-    <mc:Fallback xmlns="">
-      <p:transition spd="med">
-        <p:fade/>
-      </p:transition>
-    </mc:Fallback>
-  </mc:AlternateContent>
-  <p:timing>
-    <p:tnLst>
-      <p:par>
-        <p:cTn id="1" dur="indefinite" restart="never" nodeType="tmRoot"/>
-      </p:par>
-    </p:tnLst>
-  </p:timing>
-</p:sld>
-</file>
-
-<file path=ppt/slides/slide25.xml><?xml version="1.0" encoding="utf-8"?>
-<p:sld xmlns:a="http://schemas.openxmlformats.org/drawingml/2006/main" xmlns:r="http://schemas.openxmlformats.org/officeDocument/2006/relationships" xmlns:p="http://schemas.openxmlformats.org/presentationml/2006/main">
-  <p:cSld>
-    <p:spTree>
-      <p:nvGrpSpPr>
-        <p:cNvPr id="1" name=""/>
-        <p:cNvGrpSpPr/>
-        <p:nvPr/>
-      </p:nvGrpSpPr>
-      <p:grpSpPr>
-        <a:xfrm>
-          <a:off x="0" y="0"/>
-          <a:ext cx="0" cy="0"/>
-          <a:chOff x="0" y="0"/>
-          <a:chExt cx="0" cy="0"/>
-        </a:xfrm>
-      </p:grpSpPr>
-      <p:sp>
-        <p:nvSpPr>
-          <p:cNvPr id="2" name="Title 1"/>
-          <p:cNvSpPr>
-            <a:spLocks noGrp="1"/>
-          </p:cNvSpPr>
-          <p:nvPr>
-            <p:ph type="title"/>
-          </p:nvPr>
-        </p:nvSpPr>
-        <p:spPr/>
-        <p:txBody>
-          <a:bodyPr/>
-          <a:lstStyle/>
-          <a:p>
-            <a:r>
-              <a:rPr lang="en-US" dirty="0" smtClean="0"/>
-              <a:t>Conclusions</a:t>
-            </a:r>
-            <a:endParaRPr lang="en-US" dirty="0"/>
-          </a:p>
-        </p:txBody>
-      </p:sp>
-      <p:sp>
-        <p:nvSpPr>
-          <p:cNvPr id="3" name="Content Placeholder 2"/>
-          <p:cNvSpPr>
-            <a:spLocks noGrp="1"/>
-          </p:cNvSpPr>
-          <p:nvPr>
-            <p:ph idx="1"/>
-          </p:nvPr>
-        </p:nvSpPr>
-        <p:spPr/>
-        <p:txBody>
-          <a:bodyPr/>
-          <a:lstStyle/>
-          <a:p>
-            <a:r>
-              <a:rPr lang="en-US" dirty="0" smtClean="0"/>
               <a:t>Going to temp is bad</a:t>
             </a:r>
           </a:p>
@@ -23433,22 +23412,24 @@
             <a:pPr lvl="1"/>
             <a:r>
               <a:rPr lang="en-US" dirty="0" smtClean="0"/>
-              <a:t>Big table caching is a good alternative if you don’t </a:t>
-            </a:r>
+              <a:t>Big table caching is a good alternative if you don’t have the In-Memory option</a:t>
+            </a:r>
+          </a:p>
+          <a:p>
+            <a:pPr lvl="1"/>
             <a:r>
               <a:rPr lang="en-US" dirty="0" smtClean="0"/>
-              <a:t>have the </a:t>
+              <a:t>In-Memory column store is very </a:t>
             </a:r>
             <a:r>
               <a:rPr lang="en-US" dirty="0" smtClean="0"/>
-              <a:t>In-Memory option</a:t>
-            </a:r>
-          </a:p>
-          <a:p>
-            <a:pPr lvl="1"/>
+              <a:t>performant</a:t>
+            </a:r>
+          </a:p>
+          <a:p>
             <a:r>
               <a:rPr lang="en-US" dirty="0" smtClean="0"/>
-              <a:t>In-Memory column store is very performant</a:t>
+              <a:t>Statement Queuing works well!</a:t>
             </a:r>
             <a:endParaRPr lang="en-US" dirty="0"/>
           </a:p>
@@ -23486,7 +23467,7 @@
 </p:sld>
 </file>
 
-<file path=ppt/slides/slide26.xml><?xml version="1.0" encoding="utf-8"?>
+<file path=ppt/slides/slide25.xml><?xml version="1.0" encoding="utf-8"?>
 <p:sld xmlns:a="http://schemas.openxmlformats.org/drawingml/2006/main" xmlns:r="http://schemas.openxmlformats.org/officeDocument/2006/relationships" xmlns:p="http://schemas.openxmlformats.org/presentationml/2006/main">
   <p:cSld>
     <p:spTree>
@@ -23933,6 +23914,164 @@
 </p:sld>
 </file>
 
+<file path=ppt/slides/slide26.xml><?xml version="1.0" encoding="utf-8"?>
+<p:sld xmlns:a="http://schemas.openxmlformats.org/drawingml/2006/main" xmlns:r="http://schemas.openxmlformats.org/officeDocument/2006/relationships" xmlns:p="http://schemas.openxmlformats.org/presentationml/2006/main">
+  <p:cSld>
+    <p:spTree>
+      <p:nvGrpSpPr>
+        <p:cNvPr id="1" name=""/>
+        <p:cNvGrpSpPr/>
+        <p:nvPr/>
+      </p:nvGrpSpPr>
+      <p:grpSpPr>
+        <a:xfrm>
+          <a:off x="0" y="0"/>
+          <a:ext cx="0" cy="0"/>
+          <a:chOff x="0" y="0"/>
+          <a:chExt cx="0" cy="0"/>
+        </a:xfrm>
+      </p:grpSpPr>
+      <p:sp>
+        <p:nvSpPr>
+          <p:cNvPr id="2" name="Title 1"/>
+          <p:cNvSpPr>
+            <a:spLocks noGrp="1"/>
+          </p:cNvSpPr>
+          <p:nvPr>
+            <p:ph type="title"/>
+          </p:nvPr>
+        </p:nvSpPr>
+        <p:spPr/>
+        <p:txBody>
+          <a:bodyPr/>
+          <a:lstStyle/>
+          <a:p>
+            <a:r>
+              <a:rPr lang="en-US" dirty="0" smtClean="0"/>
+              <a:t>Future Work</a:t>
+            </a:r>
+            <a:endParaRPr lang="en-US" dirty="0"/>
+          </a:p>
+        </p:txBody>
+      </p:sp>
+      <p:sp>
+        <p:nvSpPr>
+          <p:cNvPr id="3" name="Content Placeholder 2"/>
+          <p:cNvSpPr>
+            <a:spLocks noGrp="1"/>
+          </p:cNvSpPr>
+          <p:nvPr>
+            <p:ph idx="1"/>
+          </p:nvPr>
+        </p:nvSpPr>
+        <p:spPr/>
+        <p:txBody>
+          <a:bodyPr>
+            <a:normAutofit/>
+          </a:bodyPr>
+          <a:lstStyle/>
+          <a:p>
+            <a:r>
+              <a:rPr lang="en-US" sz="2400" dirty="0" smtClean="0"/>
+              <a:t>What happens with…</a:t>
+            </a:r>
+          </a:p>
+          <a:p>
+            <a:pPr lvl="1"/>
+            <a:r>
+              <a:rPr lang="en-US" sz="2000" dirty="0"/>
+              <a:t>Resource Manager</a:t>
+            </a:r>
+          </a:p>
+          <a:p>
+            <a:pPr lvl="1"/>
+            <a:r>
+              <a:rPr lang="en-US" sz="2000" dirty="0" smtClean="0"/>
+              <a:t>Partitioning </a:t>
+            </a:r>
+            <a:r>
+              <a:rPr lang="en-US" sz="2000" dirty="0" smtClean="0"/>
+              <a:t>and parallel </a:t>
+            </a:r>
+            <a:r>
+              <a:rPr lang="en-US" sz="2000" dirty="0" smtClean="0"/>
+              <a:t>queries</a:t>
+            </a:r>
+          </a:p>
+          <a:p>
+            <a:pPr lvl="2"/>
+            <a:r>
+              <a:rPr lang="en-US" sz="1800" dirty="0" smtClean="0"/>
+              <a:t>Share everything vs. share nothing</a:t>
+            </a:r>
+            <a:endParaRPr lang="en-US" sz="1800" dirty="0" smtClean="0"/>
+          </a:p>
+          <a:p>
+            <a:pPr lvl="1"/>
+            <a:r>
+              <a:rPr lang="en-US" sz="2000" dirty="0" smtClean="0"/>
+              <a:t>Table compression and parallel queries</a:t>
+            </a:r>
+          </a:p>
+          <a:p>
+            <a:pPr lvl="1"/>
+            <a:r>
+              <a:rPr lang="en-US" sz="2000" dirty="0" smtClean="0"/>
+              <a:t>Indexing and In-Memory</a:t>
+            </a:r>
+          </a:p>
+          <a:p>
+            <a:pPr lvl="1"/>
+            <a:r>
+              <a:rPr lang="en-US" sz="2000" dirty="0" smtClean="0"/>
+              <a:t>DML and In-Memory</a:t>
+            </a:r>
+          </a:p>
+          <a:p>
+            <a:r>
+              <a:rPr lang="en-US" sz="2200" dirty="0" smtClean="0"/>
+              <a:t>Roll </a:t>
+            </a:r>
+            <a:r>
+              <a:rPr lang="en-US" sz="2200" dirty="0" smtClean="0"/>
+              <a:t>to production</a:t>
+            </a:r>
+            <a:endParaRPr lang="en-US" sz="2200" dirty="0"/>
+          </a:p>
+        </p:txBody>
+      </p:sp>
+    </p:spTree>
+    <p:extLst>
+      <p:ext uri="{BB962C8B-B14F-4D97-AF65-F5344CB8AC3E}">
+        <p14:creationId xmlns:p14="http://schemas.microsoft.com/office/powerpoint/2010/main" val="3857914130"/>
+      </p:ext>
+    </p:extLst>
+  </p:cSld>
+  <p:clrMapOvr>
+    <a:masterClrMapping/>
+  </p:clrMapOvr>
+  <mc:AlternateContent xmlns:mc="http://schemas.openxmlformats.org/markup-compatibility/2006" xmlns:p14="http://schemas.microsoft.com/office/powerpoint/2010/main">
+    <mc:Choice Requires="p14">
+      <p:transition spd="med" p14:dur="700">
+        <p:fade/>
+      </p:transition>
+    </mc:Choice>
+    <mc:Fallback xmlns="">
+      <p:transition spd="med">
+        <p:fade/>
+      </p:transition>
+    </mc:Fallback>
+  </mc:AlternateContent>
+  <p:timing>
+    <p:tnLst>
+      <p:par>
+        <p:cTn id="1" dur="indefinite" restart="never" nodeType="tmRoot"/>
+      </p:par>
+    </p:tnLst>
+  </p:timing>
+</p:sld>
+</file>
+
 <file path=ppt/slides/slide27.xml><?xml version="1.0" encoding="utf-8"?>
 <p:sld xmlns:a="http://schemas.openxmlformats.org/drawingml/2006/main" xmlns:r="http://schemas.openxmlformats.org/officeDocument/2006/relationships" xmlns:p="http://schemas.openxmlformats.org/presentationml/2006/main">
   <p:cSld>
@@ -23967,7 +24106,7 @@
           <a:p>
             <a:r>
               <a:rPr lang="en-US" dirty="0" smtClean="0"/>
-              <a:t>Future Work</a:t>
+              <a:t>Acknowledgements</a:t>
             </a:r>
             <a:endParaRPr lang="en-US" dirty="0"/>
           </a:p>
@@ -23985,64 +24124,54 @@
         </p:nvSpPr>
         <p:spPr/>
         <p:txBody>
-          <a:bodyPr>
-            <a:normAutofit/>
-          </a:bodyPr>
+          <a:bodyPr/>
           <a:lstStyle/>
           <a:p>
             <a:r>
-              <a:rPr lang="en-US" sz="2400" dirty="0" smtClean="0"/>
-              <a:t>What happens with…</a:t>
+              <a:rPr lang="en-US" dirty="0" err="1" smtClean="0"/>
+              <a:t>Hotsos</a:t>
+            </a:r>
+            <a:r>
+              <a:rPr lang="en-US" dirty="0" smtClean="0"/>
+              <a:t>!</a:t>
+            </a:r>
+          </a:p>
+          <a:p>
+            <a:r>
+              <a:rPr lang="en-US" dirty="0" smtClean="0"/>
+              <a:t>OSU Computer Science Students</a:t>
             </a:r>
           </a:p>
           <a:p>
             <a:pPr lvl="1"/>
             <a:r>
-              <a:rPr lang="en-US" sz="2000" dirty="0" smtClean="0"/>
-              <a:t>Partitioning and parallel queries</a:t>
+              <a:rPr lang="en-US" dirty="0" smtClean="0"/>
+              <a:t>Nathaniel Whitlock</a:t>
             </a:r>
           </a:p>
           <a:p>
             <a:pPr lvl="1"/>
             <a:r>
-              <a:rPr lang="en-US" sz="2000" dirty="0" smtClean="0"/>
-              <a:t>Table compression and parallel queries</a:t>
+              <a:rPr lang="en-US" dirty="0" smtClean="0"/>
+              <a:t>Nic Desilets</a:t>
+            </a:r>
+          </a:p>
+          <a:p>
+            <a:r>
+              <a:rPr lang="en-US" dirty="0" smtClean="0"/>
+              <a:t>All the great Oracle Bloggers</a:t>
             </a:r>
           </a:p>
           <a:p>
             <a:pPr lvl="1"/>
-            <a:r>
-              <a:rPr lang="en-US" sz="2000" dirty="0" smtClean="0"/>
-              <a:t>Indexing and In-Memory</a:t>
-            </a:r>
-          </a:p>
-          <a:p>
-            <a:pPr lvl="1"/>
-            <a:r>
-              <a:rPr lang="en-US" sz="2000" dirty="0" smtClean="0"/>
-              <a:t>DML and In-Memory</a:t>
-            </a:r>
-          </a:p>
-          <a:p>
-            <a:pPr lvl="1"/>
-            <a:r>
-              <a:rPr lang="en-US" sz="2000" dirty="0" smtClean="0"/>
-              <a:t>Resource Manager</a:t>
-            </a:r>
-          </a:p>
-          <a:p>
-            <a:r>
-              <a:rPr lang="en-US" sz="2200" dirty="0" smtClean="0"/>
-              <a:t>Roll to production</a:t>
-            </a:r>
-            <a:endParaRPr lang="en-US" sz="2200" dirty="0"/>
+            <a:endParaRPr lang="en-US" dirty="0"/>
           </a:p>
         </p:txBody>
       </p:sp>
     </p:spTree>
     <p:extLst>
       <p:ext uri="{BB962C8B-B14F-4D97-AF65-F5344CB8AC3E}">
-        <p14:creationId xmlns:p14="http://schemas.microsoft.com/office/powerpoint/2010/main" val="3857914130"/>
+        <p14:creationId xmlns:p14="http://schemas.microsoft.com/office/powerpoint/2010/main" val="1127954951"/>
       </p:ext>
     </p:extLst>
   </p:cSld>
@@ -24090,87 +24219,36 @@
       </p:grpSpPr>
       <p:sp>
         <p:nvSpPr>
-          <p:cNvPr id="2" name="Title 1"/>
+          <p:cNvPr id="3" name="Content Placeholder 2"/>
           <p:cNvSpPr>
             <a:spLocks noGrp="1"/>
           </p:cNvSpPr>
           <p:nvPr>
-            <p:ph type="title"/>
+            <p:ph idx="1"/>
           </p:nvPr>
         </p:nvSpPr>
         <p:spPr/>
         <p:txBody>
-          <a:bodyPr/>
+          <a:bodyPr>
+            <a:noAutofit/>
+          </a:bodyPr>
           <a:lstStyle/>
           <a:p>
-            <a:r>
-              <a:rPr lang="en-US" dirty="0" smtClean="0"/>
-              <a:t>Acknowledgements</a:t>
-            </a:r>
-            <a:endParaRPr lang="en-US" dirty="0"/>
-          </a:p>
-        </p:txBody>
-      </p:sp>
-      <p:sp>
-        <p:nvSpPr>
-          <p:cNvPr id="3" name="Content Placeholder 2"/>
-          <p:cNvSpPr>
-            <a:spLocks noGrp="1"/>
-          </p:cNvSpPr>
-          <p:nvPr>
-            <p:ph idx="1"/>
-          </p:nvPr>
-        </p:nvSpPr>
-        <p:spPr/>
-        <p:txBody>
-          <a:bodyPr/>
-          <a:lstStyle/>
-          <a:p>
-            <a:r>
-              <a:rPr lang="en-US" dirty="0" err="1" smtClean="0"/>
-              <a:t>Hotsos</a:t>
-            </a:r>
-            <a:r>
-              <a:rPr lang="en-US" dirty="0" smtClean="0"/>
-              <a:t>!</a:t>
-            </a:r>
-          </a:p>
-          <a:p>
-            <a:r>
-              <a:rPr lang="en-US" dirty="0" smtClean="0"/>
-              <a:t>OSU Computer Science Students</a:t>
-            </a:r>
-          </a:p>
-          <a:p>
-            <a:pPr lvl="1"/>
-            <a:r>
-              <a:rPr lang="en-US" dirty="0" smtClean="0"/>
-              <a:t>Nathaniel Whitlock</a:t>
-            </a:r>
-          </a:p>
-          <a:p>
-            <a:pPr lvl="1"/>
-            <a:r>
-              <a:rPr lang="en-US" dirty="0" smtClean="0"/>
-              <a:t>Nic Desilets</a:t>
-            </a:r>
-          </a:p>
-          <a:p>
-            <a:r>
-              <a:rPr lang="en-US" dirty="0" smtClean="0"/>
-              <a:t>All the great Oracle Bloggers</a:t>
-            </a:r>
-          </a:p>
-          <a:p>
-            <a:pPr lvl="1"/>
-            <a:endParaRPr lang="en-US" dirty="0"/>
+            <a:pPr marL="0" indent="0" algn="ctr">
+              <a:buNone/>
+            </a:pPr>
+            <a:r>
+              <a:rPr lang="en-US" sz="16600" dirty="0" smtClean="0"/>
+              <a:t>Questions?</a:t>
+            </a:r>
+            <a:endParaRPr lang="en-GB" sz="16600" dirty="0"/>
           </a:p>
         </p:txBody>
       </p:sp>
     </p:spTree>
     <p:extLst>
       <p:ext uri="{BB962C8B-B14F-4D97-AF65-F5344CB8AC3E}">
-        <p14:creationId xmlns:p14="http://schemas.microsoft.com/office/powerpoint/2010/main" val="1127954951"/>
+        <p14:creationId xmlns:p14="http://schemas.microsoft.com/office/powerpoint/2010/main" val="1069297114"/>
       </p:ext>
     </p:extLst>
   </p:cSld>
@@ -24233,7 +24311,7 @@
           <a:p>
             <a:r>
               <a:rPr lang="en-US" dirty="0" smtClean="0"/>
-              <a:t>Introduction</a:t>
+              <a:t>Presentation Overview</a:t>
             </a:r>
             <a:endParaRPr lang="en-US" dirty="0"/>
           </a:p>
@@ -24252,164 +24330,50 @@
         <p:spPr/>
         <p:txBody>
           <a:bodyPr>
-            <a:normAutofit lnSpcReduction="10000"/>
+            <a:normAutofit/>
           </a:bodyPr>
           <a:lstStyle/>
           <a:p>
             <a:r>
-              <a:rPr lang="en-US" dirty="0" smtClean="0"/>
-              <a:t>We work for </a:t>
-            </a:r>
-            <a:r>
-              <a:rPr lang="en-US" dirty="0" smtClean="0"/>
-              <a:t>HP Inc. </a:t>
-            </a:r>
-            <a:r>
-              <a:rPr lang="en-US" dirty="0" smtClean="0"/>
-              <a:t>in Corvallis Oregon</a:t>
-            </a:r>
-          </a:p>
-          <a:p>
-            <a:r>
-              <a:rPr lang="en-US" dirty="0" smtClean="0"/>
-              <a:t>We are on a team that builds really big printers</a:t>
-            </a:r>
-          </a:p>
-          <a:p>
-            <a:r>
-              <a:rPr lang="en-US" b="1" u="sng" dirty="0" smtClean="0"/>
-              <a:t>Engineering </a:t>
-            </a:r>
-            <a:r>
-              <a:rPr lang="en-US" b="1" u="sng" dirty="0"/>
-              <a:t>Analytics</a:t>
-            </a:r>
-            <a:endParaRPr lang="en-US" dirty="0"/>
-          </a:p>
-          <a:p>
-            <a:pPr lvl="1"/>
-            <a:r>
-              <a:rPr lang="en-US" dirty="0"/>
-              <a:t>Analytics on large datasets to provide insights to the engineering </a:t>
-            </a:r>
-            <a:r>
-              <a:rPr lang="en-US" dirty="0" smtClean="0"/>
-              <a:t>teams, </a:t>
-            </a:r>
-            <a:r>
-              <a:rPr lang="en-US" dirty="0"/>
-              <a:t>the tiered support organization, and to the end customer.</a:t>
-            </a:r>
-          </a:p>
-          <a:p>
-            <a:pPr lvl="2"/>
-            <a:r>
-              <a:rPr lang="en-US" dirty="0"/>
-              <a:t>Failure mode detection</a:t>
-            </a:r>
-          </a:p>
-          <a:p>
-            <a:pPr lvl="2"/>
-            <a:r>
-              <a:rPr lang="en-US" dirty="0"/>
-              <a:t>Machine performance</a:t>
-            </a:r>
-          </a:p>
-          <a:p>
-            <a:pPr lvl="2"/>
-            <a:r>
-              <a:rPr lang="en-US" dirty="0"/>
-              <a:t>Fundamental engineering models</a:t>
-            </a:r>
-          </a:p>
-          <a:p>
-            <a:r>
-              <a:rPr lang="en-US" b="1" u="sng" dirty="0"/>
-              <a:t>Our Data</a:t>
-            </a:r>
-          </a:p>
-          <a:p>
-            <a:pPr lvl="1"/>
-            <a:r>
-              <a:rPr lang="en-US" dirty="0"/>
-              <a:t>Raw sensor information</a:t>
-            </a:r>
-          </a:p>
-          <a:p>
-            <a:pPr lvl="2"/>
-            <a:r>
-              <a:rPr lang="en-US" dirty="0"/>
-              <a:t>temperature, pressure, speed, tension, vision system output, etc.</a:t>
-            </a:r>
-          </a:p>
-          <a:p>
-            <a:pPr lvl="1"/>
-            <a:r>
-              <a:rPr lang="en-US" dirty="0"/>
-              <a:t>Device status information</a:t>
-            </a:r>
-          </a:p>
-          <a:p>
-            <a:pPr lvl="2"/>
-            <a:r>
-              <a:rPr lang="en-US" dirty="0"/>
-              <a:t>Alarms, faults, compute system usage, etc.</a:t>
-            </a:r>
-          </a:p>
-          <a:p>
-            <a:pPr lvl="1"/>
-            <a:r>
-              <a:rPr lang="en-US" dirty="0"/>
-              <a:t>Production information</a:t>
-            </a:r>
-          </a:p>
-          <a:p>
-            <a:pPr lvl="2"/>
-            <a:r>
-              <a:rPr lang="en-US" dirty="0"/>
-              <a:t>Jobs, consumables, operator interactions, etc.</a:t>
-            </a:r>
-          </a:p>
-          <a:p>
-            <a:pPr lvl="1"/>
-            <a:r>
-              <a:rPr lang="en-US" dirty="0"/>
-              <a:t>The data is linked only by the device it came from and the timestamp.</a:t>
-            </a:r>
-          </a:p>
-          <a:p>
-            <a:endParaRPr lang="en-US" dirty="0"/>
-          </a:p>
-        </p:txBody>
-      </p:sp>
-      <p:pic>
-        <p:nvPicPr>
-          <p:cNvPr id="4" name="Picture 3"/>
-          <p:cNvPicPr>
-            <a:picLocks noChangeAspect="1"/>
-          </p:cNvPicPr>
-          <p:nvPr/>
-        </p:nvPicPr>
-        <p:blipFill>
-          <a:blip r:embed="rId3"/>
-          <a:stretch>
-            <a:fillRect/>
-          </a:stretch>
-        </p:blipFill>
-        <p:spPr>
-          <a:xfrm>
-            <a:off x="5438629" y="304800"/>
-            <a:ext cx="6751783" cy="1828800"/>
-          </a:xfrm>
-          <a:prstGeom prst="rect">
-            <a:avLst/>
-          </a:prstGeom>
-        </p:spPr>
-      </p:pic>
+              <a:rPr lang="en-US" sz="2400" dirty="0" smtClean="0"/>
+              <a:t>Problem </a:t>
+            </a:r>
+            <a:r>
+              <a:rPr lang="en-US" sz="2400" dirty="0" smtClean="0"/>
+              <a:t>Statement</a:t>
+            </a:r>
+          </a:p>
+          <a:p>
+            <a:r>
+              <a:rPr lang="en-US" sz="2400" dirty="0" smtClean="0"/>
+              <a:t>Experiment Design and Results</a:t>
+            </a:r>
+          </a:p>
+          <a:p>
+            <a:r>
+              <a:rPr lang="en-US" sz="2400" dirty="0"/>
+              <a:t>Conclusions &amp; Future Work</a:t>
+            </a:r>
+          </a:p>
+          <a:p>
+            <a:r>
+              <a:rPr lang="en-US" sz="2400" dirty="0" smtClean="0"/>
+              <a:t>Acknowledgements</a:t>
+            </a:r>
+          </a:p>
+          <a:p>
+            <a:r>
+              <a:rPr lang="en-US" sz="2400" dirty="0" smtClean="0"/>
+              <a:t>Questions</a:t>
+            </a:r>
+            <a:endParaRPr lang="en-US" sz="2400" dirty="0"/>
+          </a:p>
+        </p:txBody>
+      </p:sp>
     </p:spTree>
     <p:extLst>
       <p:ext uri="{BB962C8B-B14F-4D97-AF65-F5344CB8AC3E}">
-        <p14:creationId xmlns:p14="http://schemas.microsoft.com/office/powerpoint/2010/main" val="2334711322"/>
+        <p14:creationId xmlns:p14="http://schemas.microsoft.com/office/powerpoint/2010/main" val="2147390003"/>
       </p:ext>
     </p:extLst>
   </p:cSld>
@@ -24439,171 +24403,6 @@
 </file>
 
 <file path=ppt/slides/slide4.xml><?xml version="1.0" encoding="utf-8"?>
-<p:sld xmlns:a="http://schemas.openxmlformats.org/drawingml/2006/main" xmlns:r="http://schemas.openxmlformats.org/officeDocument/2006/relationships" xmlns:p="http://schemas.openxmlformats.org/presentationml/2006/main">
-  <p:cSld>
-    <p:spTree>
-      <p:nvGrpSpPr>
-        <p:cNvPr id="1" name=""/>
-        <p:cNvGrpSpPr/>
-        <p:nvPr/>
-      </p:nvGrpSpPr>
-      <p:grpSpPr>
-        <a:xfrm>
-          <a:off x="0" y="0"/>
-          <a:ext cx="0" cy="0"/>
-          <a:chOff x="0" y="0"/>
-          <a:chExt cx="0" cy="0"/>
-        </a:xfrm>
-      </p:grpSpPr>
-      <p:sp>
-        <p:nvSpPr>
-          <p:cNvPr id="2" name="Title 1"/>
-          <p:cNvSpPr>
-            <a:spLocks noGrp="1"/>
-          </p:cNvSpPr>
-          <p:nvPr>
-            <p:ph type="title"/>
-          </p:nvPr>
-        </p:nvSpPr>
-        <p:spPr/>
-        <p:txBody>
-          <a:bodyPr/>
-          <a:lstStyle/>
-          <a:p>
-            <a:r>
-              <a:rPr lang="en-US" dirty="0" smtClean="0"/>
-              <a:t>The Different Approaches to Tuning</a:t>
-            </a:r>
-            <a:endParaRPr lang="en-US" dirty="0"/>
-          </a:p>
-        </p:txBody>
-      </p:sp>
-      <p:sp>
-        <p:nvSpPr>
-          <p:cNvPr id="3" name="Content Placeholder 2"/>
-          <p:cNvSpPr>
-            <a:spLocks noGrp="1"/>
-          </p:cNvSpPr>
-          <p:nvPr>
-            <p:ph idx="1"/>
-          </p:nvPr>
-        </p:nvSpPr>
-        <p:spPr/>
-        <p:txBody>
-          <a:bodyPr>
-            <a:normAutofit/>
-          </a:bodyPr>
-          <a:lstStyle/>
-          <a:p>
-            <a:r>
-              <a:rPr lang="en-US" sz="2800" dirty="0" smtClean="0"/>
-              <a:t>The 3 R’s of query tuning</a:t>
-            </a:r>
-          </a:p>
-          <a:p>
-            <a:pPr lvl="1"/>
-            <a:r>
-              <a:rPr lang="en-US" sz="2400" b="1" u="sng" dirty="0" smtClean="0"/>
-              <a:t>Reduce</a:t>
-            </a:r>
-          </a:p>
-          <a:p>
-            <a:pPr lvl="2"/>
-            <a:r>
-              <a:rPr lang="en-US" sz="2000" dirty="0" smtClean="0"/>
-              <a:t>Partition pruning, indexing, etc.</a:t>
-            </a:r>
-          </a:p>
-          <a:p>
-            <a:pPr lvl="1"/>
-            <a:r>
-              <a:rPr lang="en-US" sz="2400" b="1" u="sng" dirty="0" smtClean="0"/>
-              <a:t>Reuse</a:t>
-            </a:r>
-          </a:p>
-          <a:p>
-            <a:pPr lvl="2"/>
-            <a:r>
-              <a:rPr lang="en-US" sz="2000" dirty="0" smtClean="0"/>
-              <a:t>Pre-Aggregation, Bind variables, SQL Plan Baselines, etc.</a:t>
-            </a:r>
-          </a:p>
-          <a:p>
-            <a:pPr lvl="1"/>
-            <a:r>
-              <a:rPr lang="en-US" sz="2400" b="1" u="sng" dirty="0" smtClean="0"/>
-              <a:t>Rev It Up!</a:t>
-            </a:r>
-          </a:p>
-          <a:p>
-            <a:pPr lvl="2"/>
-            <a:r>
-              <a:rPr lang="en-US" sz="2000" dirty="0" smtClean="0"/>
-              <a:t>Use your resources</a:t>
-            </a:r>
-          </a:p>
-          <a:p>
-            <a:pPr marL="411480" lvl="2" indent="0">
-              <a:buNone/>
-            </a:pPr>
-            <a:endParaRPr lang="en-US" sz="2000" dirty="0" smtClean="0"/>
-          </a:p>
-          <a:p>
-            <a:r>
-              <a:rPr lang="en-US" sz="2800" dirty="0" smtClean="0"/>
-              <a:t>Sometimes you just have to crunch a lot of data…</a:t>
-            </a:r>
-          </a:p>
-          <a:p>
-            <a:pPr lvl="1"/>
-            <a:r>
-              <a:rPr lang="en-US" sz="2600" dirty="0" smtClean="0"/>
-              <a:t>Monthly/Weekly/Nightly/Hourly Jobs</a:t>
-            </a:r>
-          </a:p>
-          <a:p>
-            <a:pPr lvl="1"/>
-            <a:r>
-              <a:rPr lang="en-US" sz="2600" dirty="0" smtClean="0"/>
-              <a:t>Ad-hoc queries</a:t>
-            </a:r>
-            <a:endParaRPr lang="en-US" sz="2600" dirty="0"/>
-          </a:p>
-        </p:txBody>
-      </p:sp>
-    </p:spTree>
-    <p:extLst>
-      <p:ext uri="{BB962C8B-B14F-4D97-AF65-F5344CB8AC3E}">
-        <p14:creationId xmlns:p14="http://schemas.microsoft.com/office/powerpoint/2010/main" val="4107619936"/>
-      </p:ext>
-    </p:extLst>
-  </p:cSld>
-  <p:clrMapOvr>
-    <a:masterClrMapping/>
-  </p:clrMapOvr>
-  <mc:AlternateContent xmlns:mc="http://schemas.openxmlformats.org/markup-compatibility/2006" xmlns:p14="http://schemas.microsoft.com/office/powerpoint/2010/main">
-    <mc:Choice Requires="p14">
-      <p:transition spd="med" p14:dur="700">
-        <p:fade/>
-      </p:transition>
-    </mc:Choice>
-    <mc:Fallback xmlns="">
-      <p:transition spd="med">
-        <p:fade/>
-      </p:transition>
-    </mc:Fallback>
-  </mc:AlternateContent>
-  <p:timing>
-    <p:tnLst>
-      <p:par>
-        <p:cTn id="1" dur="indefinite" restart="never" nodeType="tmRoot"/>
-      </p:par>
-    </p:tnLst>
-  </p:timing>
-</p:sld>
-</file>
-
-<file path=ppt/slides/slide5.xml><?xml version="1.0" encoding="utf-8"?>
 <p:sld xmlns:a="http://schemas.openxmlformats.org/drawingml/2006/main" xmlns:r="http://schemas.openxmlformats.org/officeDocument/2006/relationships" xmlns:p="http://schemas.openxmlformats.org/presentationml/2006/main">
   <p:cSld>
     <p:spTree>
@@ -25417,7 +25216,7 @@
 </p:sld>
 </file>
 
-<file path=ppt/slides/slide6.xml><?xml version="1.0" encoding="utf-8"?>
+<file path=ppt/slides/slide5.xml><?xml version="1.0" encoding="utf-8"?>
 <p:sld xmlns:a="http://schemas.openxmlformats.org/drawingml/2006/main" xmlns:r="http://schemas.openxmlformats.org/officeDocument/2006/relationships" xmlns:p="http://schemas.openxmlformats.org/presentationml/2006/main">
   <p:cSld>
     <p:spTree>
@@ -25549,7 +25348,838 @@
 </p:sld>
 </file>
 
+<file path=ppt/slides/slide6.xml><?xml version="1.0" encoding="utf-8"?>
+<p:sld xmlns:a="http://schemas.openxmlformats.org/drawingml/2006/main" xmlns:r="http://schemas.openxmlformats.org/officeDocument/2006/relationships" xmlns:p="http://schemas.openxmlformats.org/presentationml/2006/main">
+  <p:cSld>
+    <p:spTree>
+      <p:nvGrpSpPr>
+        <p:cNvPr id="1" name=""/>
+        <p:cNvGrpSpPr/>
+        <p:nvPr/>
+      </p:nvGrpSpPr>
+      <p:grpSpPr>
+        <a:xfrm>
+          <a:off x="0" y="0"/>
+          <a:ext cx="0" cy="0"/>
+          <a:chOff x="0" y="0"/>
+          <a:chExt cx="0" cy="0"/>
+        </a:xfrm>
+      </p:grpSpPr>
+      <p:sp>
+        <p:nvSpPr>
+          <p:cNvPr id="2" name="Title 1"/>
+          <p:cNvSpPr>
+            <a:spLocks noGrp="1"/>
+          </p:cNvSpPr>
+          <p:nvPr>
+            <p:ph type="title"/>
+          </p:nvPr>
+        </p:nvSpPr>
+        <p:spPr/>
+        <p:txBody>
+          <a:bodyPr/>
+          <a:lstStyle/>
+          <a:p>
+            <a:r>
+              <a:rPr lang="en-US" dirty="0" smtClean="0"/>
+              <a:t>PGA Overview</a:t>
+            </a:r>
+            <a:endParaRPr lang="en-US" dirty="0"/>
+          </a:p>
+        </p:txBody>
+      </p:sp>
+      <p:pic>
+        <p:nvPicPr>
+          <p:cNvPr id="2052" name="Picture 4" descr="Description of Figure 14-4 follows"/>
+          <p:cNvPicPr>
+            <a:picLocks noChangeAspect="1" noChangeArrowheads="1"/>
+          </p:cNvPicPr>
+          <p:nvPr/>
+        </p:nvPicPr>
+        <p:blipFill>
+          <a:blip r:embed="rId3">
+            <a:extLst>
+              <a:ext uri="{28A0092B-C50C-407E-A947-70E740481C1C}">
+                <a14:useLocalDpi xmlns:a14="http://schemas.microsoft.com/office/drawing/2010/main" val="0"/>
+              </a:ext>
+            </a:extLst>
+          </a:blip>
+          <a:srcRect/>
+          <a:stretch>
+            <a:fillRect/>
+          </a:stretch>
+        </p:blipFill>
+        <p:spPr bwMode="auto">
+          <a:xfrm>
+            <a:off x="455612" y="1219200"/>
+            <a:ext cx="7540057" cy="1828801"/>
+          </a:xfrm>
+          <a:prstGeom prst="rect">
+            <a:avLst/>
+          </a:prstGeom>
+          <a:noFill/>
+          <a:extLst>
+            <a:ext uri="{909E8E84-426E-40DD-AFC4-6F175D3DCCD1}">
+              <a14:hiddenFill xmlns:a14="http://schemas.microsoft.com/office/drawing/2010/main">
+                <a:solidFill>
+                  <a:srgbClr val="FFFFFF"/>
+                </a:solidFill>
+              </a14:hiddenFill>
+            </a:ext>
+          </a:extLst>
+        </p:spPr>
+      </p:pic>
+      <p:sp>
+        <p:nvSpPr>
+          <p:cNvPr id="3" name="TextBox 2"/>
+          <p:cNvSpPr txBox="1"/>
+          <p:nvPr/>
+        </p:nvSpPr>
+        <p:spPr>
+          <a:xfrm>
+            <a:off x="455612" y="3851211"/>
+            <a:ext cx="4265772" cy="2286000"/>
+          </a:xfrm>
+          <a:prstGeom prst="rect">
+            <a:avLst/>
+          </a:prstGeom>
+          <a:noFill/>
+        </p:spPr>
+        <p:txBody>
+          <a:bodyPr wrap="none" lIns="0" tIns="0" rIns="0" bIns="0" rtlCol="0">
+            <a:noAutofit/>
+          </a:bodyPr>
+          <a:lstStyle/>
+          <a:p>
+            <a:pPr algn="ctr"/>
+            <a:r>
+              <a:rPr lang="en-US" sz="2000" dirty="0" smtClean="0"/>
+              <a:t>   </a:t>
+            </a:r>
+            <a:r>
+              <a:rPr lang="en-US" sz="2000" b="1" dirty="0" smtClean="0"/>
+              <a:t>How do we measure it?</a:t>
+            </a:r>
+            <a:endParaRPr lang="en-US" sz="2000" dirty="0" smtClean="0"/>
+          </a:p>
+          <a:p>
+            <a:pPr marL="342900" indent="-342900">
+              <a:buFont typeface="Arial" panose="020B0604020202020204" pitchFamily="34" charset="0"/>
+              <a:buChar char="•"/>
+            </a:pPr>
+            <a:endParaRPr lang="en-US" sz="2000" dirty="0"/>
+          </a:p>
+          <a:p>
+            <a:pPr marL="342900" indent="-342900">
+              <a:buFont typeface="Arial" panose="020B0604020202020204" pitchFamily="34" charset="0"/>
+              <a:buChar char="•"/>
+            </a:pPr>
+            <a:r>
+              <a:rPr lang="en-US" sz="2000" dirty="0" smtClean="0"/>
+              <a:t>V$PGASTAT</a:t>
+            </a:r>
+            <a:r>
+              <a:rPr lang="en-US" sz="2000" dirty="0"/>
+              <a:t> </a:t>
+            </a:r>
+            <a:endParaRPr lang="en-US" sz="2000" dirty="0" smtClean="0"/>
+          </a:p>
+          <a:p>
+            <a:pPr marL="342900" indent="-342900">
+              <a:buFont typeface="Arial" panose="020B0604020202020204" pitchFamily="34" charset="0"/>
+              <a:buChar char="•"/>
+            </a:pPr>
+            <a:r>
+              <a:rPr lang="en-US" sz="2000" dirty="0" smtClean="0"/>
+              <a:t>V$PROCESS</a:t>
+            </a:r>
+          </a:p>
+          <a:p>
+            <a:pPr marL="342900" indent="-342900">
+              <a:buFont typeface="Arial" panose="020B0604020202020204" pitchFamily="34" charset="0"/>
+              <a:buChar char="•"/>
+            </a:pPr>
+            <a:r>
+              <a:rPr lang="en-US" sz="2000" dirty="0" smtClean="0"/>
+              <a:t>V$SQL_WORKAREA_ACTIVE         </a:t>
+            </a:r>
+          </a:p>
+          <a:p>
+            <a:pPr marL="342900" indent="-342900">
+              <a:buFont typeface="Arial" panose="020B0604020202020204" pitchFamily="34" charset="0"/>
+              <a:buChar char="•"/>
+            </a:pPr>
+            <a:r>
+              <a:rPr lang="en-US" sz="2000" dirty="0" smtClean="0"/>
+              <a:t>V$SQL_WORKAREA</a:t>
+            </a:r>
+            <a:endParaRPr lang="en-US" sz="2000" dirty="0"/>
+          </a:p>
+          <a:p>
+            <a:pPr marL="342900" indent="-342900">
+              <a:buFont typeface="Arial" panose="020B0604020202020204" pitchFamily="34" charset="0"/>
+              <a:buChar char="•"/>
+            </a:pPr>
+            <a:endParaRPr lang="en-US" sz="2000" dirty="0"/>
+          </a:p>
+        </p:txBody>
+      </p:sp>
+      <p:sp>
+        <p:nvSpPr>
+          <p:cNvPr id="6" name="TextBox 5"/>
+          <p:cNvSpPr txBox="1"/>
+          <p:nvPr/>
+        </p:nvSpPr>
+        <p:spPr>
+          <a:xfrm>
+            <a:off x="7521256" y="3048000"/>
+            <a:ext cx="4665981" cy="3350172"/>
+          </a:xfrm>
+          <a:prstGeom prst="rect">
+            <a:avLst/>
+          </a:prstGeom>
+          <a:noFill/>
+        </p:spPr>
+        <p:txBody>
+          <a:bodyPr wrap="square" lIns="0" tIns="0" rIns="0" bIns="0" rtlCol="0">
+            <a:noAutofit/>
+          </a:bodyPr>
+          <a:lstStyle/>
+          <a:p>
+            <a:pPr algn="ctr">
+              <a:lnSpc>
+                <a:spcPct val="90000"/>
+              </a:lnSpc>
+            </a:pPr>
+            <a:r>
+              <a:rPr lang="en-US" sz="2000" b="1" dirty="0" smtClean="0"/>
+              <a:t>Parameters</a:t>
+            </a:r>
+          </a:p>
+          <a:p>
+            <a:pPr algn="ctr">
+              <a:lnSpc>
+                <a:spcPct val="90000"/>
+              </a:lnSpc>
+            </a:pPr>
+            <a:endParaRPr lang="en-US" sz="2000" b="1" dirty="0"/>
+          </a:p>
+          <a:p>
+            <a:pPr marL="342900" indent="-342900">
+              <a:lnSpc>
+                <a:spcPct val="90000"/>
+              </a:lnSpc>
+              <a:buFont typeface="Arial" panose="020B0604020202020204" pitchFamily="34" charset="0"/>
+              <a:buChar char="•"/>
+            </a:pPr>
+            <a:endParaRPr lang="en-US" sz="2000" dirty="0" smtClean="0"/>
+          </a:p>
+          <a:p>
+            <a:pPr marL="342900" indent="-342900">
+              <a:lnSpc>
+                <a:spcPct val="90000"/>
+              </a:lnSpc>
+              <a:buFont typeface="Arial" panose="020B0604020202020204" pitchFamily="34" charset="0"/>
+              <a:buChar char="•"/>
+            </a:pPr>
+            <a:r>
+              <a:rPr lang="en-US" sz="2000" dirty="0" smtClean="0"/>
+              <a:t>PGA_AGGREGATE_TARGET</a:t>
+            </a:r>
+          </a:p>
+          <a:p>
+            <a:pPr marL="342900" indent="-342900">
+              <a:lnSpc>
+                <a:spcPct val="90000"/>
+              </a:lnSpc>
+              <a:buFont typeface="Arial" panose="020B0604020202020204" pitchFamily="34" charset="0"/>
+              <a:buChar char="•"/>
+            </a:pPr>
+            <a:endParaRPr lang="en-US" sz="2000" dirty="0" smtClean="0"/>
+          </a:p>
+          <a:p>
+            <a:pPr marL="342900" indent="-342900">
+              <a:lnSpc>
+                <a:spcPct val="90000"/>
+              </a:lnSpc>
+              <a:buFont typeface="Arial" panose="020B0604020202020204" pitchFamily="34" charset="0"/>
+              <a:buChar char="•"/>
+            </a:pPr>
+            <a:r>
+              <a:rPr lang="en-US" sz="2000" dirty="0" smtClean="0"/>
+              <a:t>WORK_AREA_SIZE_POLICY</a:t>
+            </a:r>
+          </a:p>
+          <a:p>
+            <a:pPr marL="800100" lvl="1" indent="-342900">
+              <a:lnSpc>
+                <a:spcPct val="90000"/>
+              </a:lnSpc>
+              <a:buFont typeface="Arial" panose="020B0604020202020204" pitchFamily="34" charset="0"/>
+              <a:buChar char="•"/>
+            </a:pPr>
+            <a:r>
+              <a:rPr lang="en-US" sz="2000" dirty="0" smtClean="0"/>
+              <a:t>Manual/Auto</a:t>
+            </a:r>
+          </a:p>
+          <a:p>
+            <a:pPr marL="342900" indent="-342900">
+              <a:lnSpc>
+                <a:spcPct val="90000"/>
+              </a:lnSpc>
+              <a:buFont typeface="Arial" panose="020B0604020202020204" pitchFamily="34" charset="0"/>
+              <a:buChar char="•"/>
+            </a:pPr>
+            <a:r>
+              <a:rPr lang="en-US" sz="2000" dirty="0" smtClean="0"/>
+              <a:t>Different Work Areas</a:t>
+            </a:r>
+            <a:endParaRPr lang="en-US" sz="2000" dirty="0" smtClean="0"/>
+          </a:p>
+          <a:p>
+            <a:pPr marL="800100" lvl="1" indent="-342900">
+              <a:lnSpc>
+                <a:spcPct val="90000"/>
+              </a:lnSpc>
+              <a:buFont typeface="Arial" panose="020B0604020202020204" pitchFamily="34" charset="0"/>
+              <a:buChar char="•"/>
+            </a:pPr>
+            <a:r>
+              <a:rPr lang="en-US" sz="2000" dirty="0" smtClean="0"/>
+              <a:t>SORT_AREA_SIZE</a:t>
+            </a:r>
+          </a:p>
+          <a:p>
+            <a:pPr marL="800100" lvl="1" indent="-342900">
+              <a:lnSpc>
+                <a:spcPct val="90000"/>
+              </a:lnSpc>
+              <a:buFont typeface="Arial" panose="020B0604020202020204" pitchFamily="34" charset="0"/>
+              <a:buChar char="•"/>
+            </a:pPr>
+            <a:r>
+              <a:rPr lang="en-US" sz="2000" dirty="0" smtClean="0"/>
+              <a:t>HASH_AREA_SIZE</a:t>
+            </a:r>
+          </a:p>
+          <a:p>
+            <a:pPr marL="800100" lvl="1" indent="-342900">
+              <a:lnSpc>
+                <a:spcPct val="90000"/>
+              </a:lnSpc>
+              <a:buFont typeface="Arial" panose="020B0604020202020204" pitchFamily="34" charset="0"/>
+              <a:buChar char="•"/>
+            </a:pPr>
+            <a:r>
+              <a:rPr lang="en-US" sz="2000" dirty="0" smtClean="0"/>
+              <a:t>Etc.</a:t>
+            </a:r>
+            <a:endParaRPr lang="en-US" sz="2000" dirty="0" smtClean="0"/>
+          </a:p>
+          <a:p>
+            <a:pPr marL="342900" indent="-342900">
+              <a:lnSpc>
+                <a:spcPct val="90000"/>
+              </a:lnSpc>
+              <a:buFont typeface="Arial" panose="020B0604020202020204" pitchFamily="34" charset="0"/>
+              <a:buChar char="•"/>
+            </a:pPr>
+            <a:endParaRPr lang="en-US" sz="2000" dirty="0" smtClean="0"/>
+          </a:p>
+          <a:p>
+            <a:pPr marL="342900" indent="-342900">
+              <a:lnSpc>
+                <a:spcPct val="90000"/>
+              </a:lnSpc>
+              <a:buFont typeface="Arial" panose="020B0604020202020204" pitchFamily="34" charset="0"/>
+              <a:buChar char="•"/>
+            </a:pPr>
+            <a:endParaRPr lang="en-US" sz="2000" b="1" dirty="0" smtClean="0"/>
+          </a:p>
+        </p:txBody>
+      </p:sp>
+    </p:spTree>
+    <p:extLst>
+      <p:ext uri="{BB962C8B-B14F-4D97-AF65-F5344CB8AC3E}">
+        <p14:creationId xmlns:p14="http://schemas.microsoft.com/office/powerpoint/2010/main" val="479161441"/>
+      </p:ext>
+    </p:extLst>
+  </p:cSld>
+  <p:clrMapOvr>
+    <a:masterClrMapping/>
+  </p:clrMapOvr>
+  <mc:AlternateContent xmlns:mc="http://schemas.openxmlformats.org/markup-compatibility/2006" xmlns:p14="http://schemas.microsoft.com/office/powerpoint/2010/main">
+    <mc:Choice Requires="p14">
+      <p:transition spd="med" p14:dur="700">
+        <p:fade/>
+      </p:transition>
+    </mc:Choice>
+    <mc:Fallback xmlns="">
+      <p:transition spd="med">
+        <p:fade/>
+      </p:transition>
+    </mc:Fallback>
+  </mc:AlternateContent>
+  <p:timing>
+    <p:tnLst>
+      <p:par>
+        <p:cTn id="1" dur="indefinite" restart="never" nodeType="tmRoot"/>
+      </p:par>
+    </p:tnLst>
+  </p:timing>
+</p:sld>
+</file>
+
 <file path=ppt/slides/slide7.xml><?xml version="1.0" encoding="utf-8"?>
+<p:sld xmlns:a="http://schemas.openxmlformats.org/drawingml/2006/main" xmlns:r="http://schemas.openxmlformats.org/officeDocument/2006/relationships" xmlns:p="http://schemas.openxmlformats.org/presentationml/2006/main">
+  <p:cSld>
+    <p:spTree>
+      <p:nvGrpSpPr>
+        <p:cNvPr id="1" name=""/>
+        <p:cNvGrpSpPr/>
+        <p:nvPr/>
+      </p:nvGrpSpPr>
+      <p:grpSpPr>
+        <a:xfrm>
+          <a:off x="0" y="0"/>
+          <a:ext cx="0" cy="0"/>
+          <a:chOff x="0" y="0"/>
+          <a:chExt cx="0" cy="0"/>
+        </a:xfrm>
+      </p:grpSpPr>
+      <p:sp>
+        <p:nvSpPr>
+          <p:cNvPr id="2" name="Title 1"/>
+          <p:cNvSpPr>
+            <a:spLocks noGrp="1"/>
+          </p:cNvSpPr>
+          <p:nvPr>
+            <p:ph type="title"/>
+          </p:nvPr>
+        </p:nvSpPr>
+        <p:spPr/>
+        <p:txBody>
+          <a:bodyPr/>
+          <a:lstStyle/>
+          <a:p>
+            <a:r>
+              <a:rPr lang="en-US" dirty="0" smtClean="0"/>
+              <a:t>PGA Sizing Calculations</a:t>
+            </a:r>
+            <a:endParaRPr lang="en-US" dirty="0"/>
+          </a:p>
+        </p:txBody>
+      </p:sp>
+      <p:sp>
+        <p:nvSpPr>
+          <p:cNvPr id="6" name="Content Placeholder 5"/>
+          <p:cNvSpPr>
+            <a:spLocks noGrp="1"/>
+          </p:cNvSpPr>
+          <p:nvPr>
+            <p:ph sz="quarter" idx="4294967295"/>
+          </p:nvPr>
+        </p:nvSpPr>
+        <p:spPr>
+          <a:xfrm>
+            <a:off x="6932612" y="1295400"/>
+            <a:ext cx="5180172" cy="3657600"/>
+          </a:xfrm>
+          <a:prstGeom prst="rect">
+            <a:avLst/>
+          </a:prstGeom>
+        </p:spPr>
+        <p:txBody>
+          <a:bodyPr>
+            <a:noAutofit/>
+          </a:bodyPr>
+          <a:lstStyle/>
+          <a:p>
+            <a:r>
+              <a:rPr lang="en-US" sz="1400" b="1" dirty="0"/>
+              <a:t>_</a:t>
+            </a:r>
+            <a:r>
+              <a:rPr lang="en-US" sz="1600" b="1" dirty="0"/>
+              <a:t>PGA_MAX_SIZE: </a:t>
+            </a:r>
+          </a:p>
+          <a:p>
+            <a:pPr marL="228600" lvl="1" indent="0">
+              <a:buNone/>
+            </a:pPr>
+            <a:r>
+              <a:rPr lang="en-US" sz="1400" dirty="0"/>
+              <a:t>m</a:t>
+            </a:r>
+            <a:r>
+              <a:rPr lang="en-US" sz="1400" dirty="0" smtClean="0"/>
+              <a:t>ax ( 200MB , min ( 2GB</a:t>
+            </a:r>
+            <a:r>
+              <a:rPr lang="en-US" sz="1400" dirty="0"/>
+              <a:t>,  20% of </a:t>
+            </a:r>
+            <a:r>
+              <a:rPr lang="en-US" sz="1400" dirty="0" smtClean="0"/>
+              <a:t>PGA_AGGREGATE_TARGET ))</a:t>
+            </a:r>
+            <a:endParaRPr lang="en-US" sz="1400" dirty="0"/>
+          </a:p>
+          <a:p>
+            <a:r>
+              <a:rPr lang="en-US" sz="1600" b="1" dirty="0"/>
+              <a:t>_SMM_MAX_SIZE: </a:t>
+            </a:r>
+          </a:p>
+          <a:p>
+            <a:pPr marL="228600" lvl="1" indent="0">
+              <a:buNone/>
+            </a:pPr>
+            <a:r>
+              <a:rPr lang="en-US" sz="1400" dirty="0"/>
+              <a:t>m</a:t>
+            </a:r>
+            <a:r>
+              <a:rPr lang="en-US" sz="1400" dirty="0" smtClean="0"/>
+              <a:t>in ( 20% of PGA_AGGREGATE_TARGET, 50</a:t>
+            </a:r>
+            <a:r>
+              <a:rPr lang="en-US" sz="1400" dirty="0"/>
+              <a:t>% of _</a:t>
+            </a:r>
+            <a:r>
+              <a:rPr lang="en-US" sz="1400" dirty="0" smtClean="0"/>
+              <a:t>PGA_MAX_SIZE )</a:t>
+            </a:r>
+            <a:endParaRPr lang="en-US" sz="1400" dirty="0"/>
+          </a:p>
+          <a:p>
+            <a:r>
+              <a:rPr lang="en-US" sz="1600" b="1" dirty="0"/>
+              <a:t>_SMM_PX_MAX_SIZE:</a:t>
+            </a:r>
+          </a:p>
+          <a:p>
+            <a:pPr marL="228600" lvl="1" indent="0">
+              <a:buNone/>
+            </a:pPr>
+            <a:r>
+              <a:rPr lang="en-US" sz="1400" dirty="0" smtClean="0"/>
+              <a:t> </a:t>
+            </a:r>
+            <a:r>
+              <a:rPr lang="en-US" sz="1400" dirty="0"/>
+              <a:t>50% of </a:t>
+            </a:r>
+            <a:r>
+              <a:rPr lang="en-US" sz="1400" dirty="0" smtClean="0"/>
+              <a:t>PAT</a:t>
+            </a:r>
+            <a:endParaRPr lang="en-US" sz="1400" dirty="0"/>
+          </a:p>
+        </p:txBody>
+      </p:sp>
+      <p:pic>
+        <p:nvPicPr>
+          <p:cNvPr id="9" name="Picture 8"/>
+          <p:cNvPicPr>
+            <a:picLocks noChangeAspect="1"/>
+          </p:cNvPicPr>
+          <p:nvPr/>
+        </p:nvPicPr>
+        <p:blipFill>
+          <a:blip r:embed="rId3"/>
+          <a:stretch>
+            <a:fillRect/>
+          </a:stretch>
+        </p:blipFill>
+        <p:spPr>
+          <a:xfrm>
+            <a:off x="0" y="1290536"/>
+            <a:ext cx="6781640" cy="4924308"/>
+          </a:xfrm>
+          <a:prstGeom prst="rect">
+            <a:avLst/>
+          </a:prstGeom>
+        </p:spPr>
+      </p:pic>
+      <mc:AlternateContent xmlns:mc="http://schemas.openxmlformats.org/markup-compatibility/2006">
+        <mc:Choice xmlns:a14="http://schemas.microsoft.com/office/drawing/2010/main" Requires="a14">
+          <p:sp>
+            <p:nvSpPr>
+              <p:cNvPr id="10" name="TextBox 9"/>
+              <p:cNvSpPr txBox="1"/>
+              <p:nvPr/>
+            </p:nvSpPr>
+            <p:spPr>
+              <a:xfrm>
+                <a:off x="6646207" y="4191000"/>
+                <a:ext cx="4928714" cy="1219200"/>
+              </a:xfrm>
+              <a:prstGeom prst="rect">
+                <a:avLst/>
+              </a:prstGeom>
+              <a:noFill/>
+            </p:spPr>
+            <p:txBody>
+              <a:bodyPr wrap="none" lIns="0" tIns="0" rIns="0" bIns="0" rtlCol="0">
+                <a:noAutofit/>
+              </a:bodyPr>
+              <a:lstStyle/>
+              <a:p>
+                <a:pPr>
+                  <a:lnSpc>
+                    <a:spcPct val="90000"/>
+                  </a:lnSpc>
+                </a:pPr>
+                <a14:m>
+                  <m:oMathPara xmlns:m="http://schemas.openxmlformats.org/officeDocument/2006/math">
+                    <m:oMathParaPr>
+                      <m:jc m:val="centerGroup"/>
+                    </m:oMathParaPr>
+                    <m:oMath xmlns:m="http://schemas.openxmlformats.org/officeDocument/2006/math">
+                      <m:r>
+                        <a:rPr lang="en-US" b="1" i="1" smtClean="0">
+                          <a:latin typeface="Cambria Math" panose="02040503050406030204" pitchFamily="18" charset="0"/>
+                        </a:rPr>
+                        <m:t>𝑾𝒐𝒓𝒌</m:t>
+                      </m:r>
+                      <m:r>
+                        <a:rPr lang="en-US" b="1" i="1" smtClean="0">
+                          <a:latin typeface="Cambria Math" panose="02040503050406030204" pitchFamily="18" charset="0"/>
+                        </a:rPr>
+                        <m:t> </m:t>
+                      </m:r>
+                      <m:r>
+                        <a:rPr lang="en-US" b="1" i="1" smtClean="0">
+                          <a:latin typeface="Cambria Math" panose="02040503050406030204" pitchFamily="18" charset="0"/>
+                        </a:rPr>
+                        <m:t>𝑨𝒓𝒆𝒂</m:t>
+                      </m:r>
+                      <m:r>
+                        <a:rPr lang="en-US" b="0" i="1" smtClean="0">
+                          <a:latin typeface="Cambria Math" panose="02040503050406030204" pitchFamily="18" charset="0"/>
+                        </a:rPr>
+                        <m:t>=</m:t>
+                      </m:r>
+                      <m:r>
+                        <a:rPr lang="en-US" b="0" i="1" smtClean="0">
+                          <a:latin typeface="Cambria Math" panose="02040503050406030204" pitchFamily="18" charset="0"/>
+                        </a:rPr>
+                        <m:t>𝑚𝑖𝑛</m:t>
+                      </m:r>
+                      <m:d>
+                        <m:dPr>
+                          <m:begChr m:val="{"/>
+                          <m:endChr m:val=""/>
+                          <m:ctrlPr>
+                            <a:rPr lang="en-US" b="0" i="1" smtClean="0">
+                              <a:latin typeface="Cambria Math" panose="02040503050406030204" pitchFamily="18" charset="0"/>
+                            </a:rPr>
+                          </m:ctrlPr>
+                        </m:dPr>
+                        <m:e>
+                          <m:eqArr>
+                            <m:eqArrPr>
+                              <m:ctrlPr>
+                                <a:rPr lang="en-US" b="0" i="1" smtClean="0">
+                                  <a:latin typeface="Cambria Math" panose="02040503050406030204" pitchFamily="18" charset="0"/>
+                                </a:rPr>
+                              </m:ctrlPr>
+                            </m:eqArrPr>
+                            <m:e>
+                              <m:r>
+                                <a:rPr lang="en-US" b="0" i="1" smtClean="0">
+                                  <a:latin typeface="Cambria Math" panose="02040503050406030204" pitchFamily="18" charset="0"/>
+                                </a:rPr>
+                                <m:t>_</m:t>
+                              </m:r>
+                              <m:r>
+                                <a:rPr lang="en-US" b="0" i="1" smtClean="0">
+                                  <a:latin typeface="Cambria Math" panose="02040503050406030204" pitchFamily="18" charset="0"/>
+                                </a:rPr>
+                                <m:t>𝑆𝑀𝑀</m:t>
+                              </m:r>
+                              <m:r>
+                                <a:rPr lang="en-US" b="0" i="1" smtClean="0">
+                                  <a:latin typeface="Cambria Math" panose="02040503050406030204" pitchFamily="18" charset="0"/>
+                                </a:rPr>
+                                <m:t>_</m:t>
+                              </m:r>
+                              <m:r>
+                                <a:rPr lang="en-US" b="0" i="1" smtClean="0">
+                                  <a:latin typeface="Cambria Math" panose="02040503050406030204" pitchFamily="18" charset="0"/>
+                                </a:rPr>
+                                <m:t>𝑀𝐴𝑋</m:t>
+                              </m:r>
+                              <m:r>
+                                <a:rPr lang="en-US" b="0" i="1" smtClean="0">
+                                  <a:latin typeface="Cambria Math" panose="02040503050406030204" pitchFamily="18" charset="0"/>
+                                </a:rPr>
+                                <m:t>_</m:t>
+                              </m:r>
+                              <m:r>
+                                <a:rPr lang="en-US" b="0" i="1" smtClean="0">
+                                  <a:latin typeface="Cambria Math" panose="02040503050406030204" pitchFamily="18" charset="0"/>
+                                </a:rPr>
+                                <m:t>𝑆𝐼𝑍𝐸</m:t>
+                              </m:r>
+                            </m:e>
+                            <m:e/>
+                            <m:e>
+                              <m:f>
+                                <m:fPr>
+                                  <m:ctrlPr>
+                                    <a:rPr lang="en-US" b="0" i="1" smtClean="0">
+                                      <a:latin typeface="Cambria Math" panose="02040503050406030204" pitchFamily="18" charset="0"/>
+                                    </a:rPr>
+                                  </m:ctrlPr>
+                                </m:fPr>
+                                <m:num>
+                                  <m:r>
+                                    <a:rPr lang="en-US" b="0" i="1" smtClean="0">
+                                      <a:latin typeface="Cambria Math" panose="02040503050406030204" pitchFamily="18" charset="0"/>
+                                    </a:rPr>
+                                    <m:t>_</m:t>
+                                  </m:r>
+                                  <m:r>
+                                    <a:rPr lang="en-US" b="0" i="1" smtClean="0">
+                                      <a:latin typeface="Cambria Math" panose="02040503050406030204" pitchFamily="18" charset="0"/>
+                                    </a:rPr>
+                                    <m:t>𝑆𝑀𝑀</m:t>
+                                  </m:r>
+                                  <m:r>
+                                    <a:rPr lang="en-US" b="0" i="1" smtClean="0">
+                                      <a:latin typeface="Cambria Math" panose="02040503050406030204" pitchFamily="18" charset="0"/>
+                                    </a:rPr>
+                                    <m:t>_</m:t>
+                                  </m:r>
+                                  <m:r>
+                                    <a:rPr lang="en-US" b="0" i="1" smtClean="0">
+                                      <a:latin typeface="Cambria Math" panose="02040503050406030204" pitchFamily="18" charset="0"/>
+                                    </a:rPr>
+                                    <m:t>𝑃𝑋</m:t>
+                                  </m:r>
+                                  <m:r>
+                                    <a:rPr lang="en-US" b="0" i="1" smtClean="0">
+                                      <a:latin typeface="Cambria Math" panose="02040503050406030204" pitchFamily="18" charset="0"/>
+                                    </a:rPr>
+                                    <m:t>_</m:t>
+                                  </m:r>
+                                  <m:r>
+                                    <a:rPr lang="en-US" b="0" i="1" smtClean="0">
+                                      <a:latin typeface="Cambria Math" panose="02040503050406030204" pitchFamily="18" charset="0"/>
+                                    </a:rPr>
+                                    <m:t>𝑀𝐴𝑋</m:t>
+                                  </m:r>
+                                  <m:r>
+                                    <a:rPr lang="en-US" b="0" i="1" smtClean="0">
+                                      <a:latin typeface="Cambria Math" panose="02040503050406030204" pitchFamily="18" charset="0"/>
+                                    </a:rPr>
+                                    <m:t>_</m:t>
+                                  </m:r>
+                                  <m:r>
+                                    <a:rPr lang="en-US" b="0" i="1" smtClean="0">
+                                      <a:latin typeface="Cambria Math" panose="02040503050406030204" pitchFamily="18" charset="0"/>
+                                    </a:rPr>
+                                    <m:t>𝑆𝐼𝑍𝐸</m:t>
+                                  </m:r>
+                                </m:num>
+                                <m:den>
+                                  <m:r>
+                                    <a:rPr lang="en-US" b="0" i="1" smtClean="0">
+                                      <a:latin typeface="Cambria Math" panose="02040503050406030204" pitchFamily="18" charset="0"/>
+                                    </a:rPr>
+                                    <m:t>𝐷𝑂𝑃</m:t>
+                                  </m:r>
+                                </m:den>
+                              </m:f>
+                            </m:e>
+                          </m:eqArr>
+                        </m:e>
+                      </m:d>
+                    </m:oMath>
+                  </m:oMathPara>
+                </a14:m>
+                <a:endParaRPr lang="en-US" dirty="0" err="1" smtClean="0"/>
+              </a:p>
+            </p:txBody>
+          </p:sp>
+        </mc:Choice>
+        <mc:Fallback>
+          <p:sp>
+            <p:nvSpPr>
+              <p:cNvPr id="10" name="TextBox 9"/>
+              <p:cNvSpPr txBox="1">
+                <a:spLocks noRot="1" noChangeAspect="1" noMove="1" noResize="1" noEditPoints="1" noAdjustHandles="1" noChangeArrowheads="1" noChangeShapeType="1" noTextEdit="1"/>
+              </p:cNvSpPr>
+              <p:nvPr/>
+            </p:nvSpPr>
+            <p:spPr>
+              <a:xfrm>
+                <a:off x="6646207" y="4191000"/>
+                <a:ext cx="4928714" cy="1219200"/>
+              </a:xfrm>
+              <a:prstGeom prst="rect">
+                <a:avLst/>
+              </a:prstGeom>
+              <a:blipFill rotWithShape="0">
+                <a:blip r:embed="rId4"/>
+                <a:stretch>
+                  <a:fillRect t="-4500"/>
+                </a:stretch>
+              </a:blipFill>
+            </p:spPr>
+            <p:txBody>
+              <a:bodyPr/>
+              <a:lstStyle/>
+              <a:p>
+                <a:r>
+                  <a:rPr lang="en-GB">
+                    <a:noFill/>
+                  </a:rPr>
+                  <a:t> </a:t>
+                </a:r>
+              </a:p>
+            </p:txBody>
+          </p:sp>
+        </mc:Fallback>
+      </mc:AlternateContent>
+    </p:spTree>
+    <p:extLst>
+      <p:ext uri="{BB962C8B-B14F-4D97-AF65-F5344CB8AC3E}">
+        <p14:creationId xmlns:p14="http://schemas.microsoft.com/office/powerpoint/2010/main" val="2629167013"/>
+      </p:ext>
+    </p:extLst>
+  </p:cSld>
+  <p:clrMapOvr>
+    <a:masterClrMapping/>
+  </p:clrMapOvr>
+  <mc:AlternateContent xmlns:mc="http://schemas.openxmlformats.org/markup-compatibility/2006" xmlns:p14="http://schemas.microsoft.com/office/powerpoint/2010/main">
+    <mc:Choice Requires="p14">
+      <p:transition spd="med" p14:dur="700">
+        <p:fade/>
+      </p:transition>
+    </mc:Choice>
+    <mc:Fallback xmlns="">
+      <p:transition spd="med">
+        <p:fade/>
+      </p:transition>
+    </mc:Fallback>
+  </mc:AlternateContent>
+  <p:timing>
+    <p:tnLst>
+      <p:par>
+        <p:cTn id="1" dur="indefinite" restart="never" nodeType="tmRoot"/>
+      </p:par>
+    </p:tnLst>
+  </p:timing>
+</p:sld>
+</file>
+
+<file path=ppt/slides/slide8.xml><?xml version="1.0" encoding="utf-8"?>
 <p:sld xmlns:a="http://schemas.openxmlformats.org/drawingml/2006/main" xmlns:r="http://schemas.openxmlformats.org/officeDocument/2006/relationships" xmlns:p="http://schemas.openxmlformats.org/presentationml/2006/main">
   <p:cSld>
     <p:spTree>
@@ -26093,7 +26723,7 @@
 </p:sld>
 </file>
 
-<file path=ppt/slides/slide8.xml><?xml version="1.0" encoding="utf-8"?>
+<file path=ppt/slides/slide9.xml><?xml version="1.0" encoding="utf-8"?>
 <p:sld xmlns:a="http://schemas.openxmlformats.org/drawingml/2006/main" xmlns:r="http://schemas.openxmlformats.org/officeDocument/2006/relationships" xmlns:p="http://schemas.openxmlformats.org/presentationml/2006/main">
   <p:cSld>
     <p:spTree>
@@ -26147,7 +26777,7 @@
         </p:nvSpPr>
         <p:spPr>
           <a:xfrm>
-            <a:off x="418227" y="1143000"/>
+            <a:off x="379412" y="3989962"/>
             <a:ext cx="5486400" cy="2743200"/>
           </a:xfrm>
           <a:prstGeom prst="rect">
@@ -26889,7 +27519,7 @@
         </p:nvSpPr>
         <p:spPr>
           <a:xfrm>
-            <a:off x="418454" y="3991583"/>
+            <a:off x="379412" y="1138623"/>
             <a:ext cx="5486400" cy="2743200"/>
           </a:xfrm>
           <a:prstGeom prst="rect">
@@ -27131,345 +27761,6 @@
     <p:extLst>
       <p:ext uri="{BB962C8B-B14F-4D97-AF65-F5344CB8AC3E}">
         <p14:creationId xmlns:p14="http://schemas.microsoft.com/office/powerpoint/2010/main" val="99228392"/>
-      </p:ext>
-    </p:extLst>
-  </p:cSld>
-  <p:clrMapOvr>
-    <a:masterClrMapping/>
-  </p:clrMapOvr>
-  <mc:AlternateContent xmlns:mc="http://schemas.openxmlformats.org/markup-compatibility/2006" xmlns:p14="http://schemas.microsoft.com/office/powerpoint/2010/main">
-    <mc:Choice Requires="p14">
-      <p:transition spd="med" p14:dur="700">
-        <p:fade/>
-      </p:transition>
-    </mc:Choice>
-    <mc:Fallback xmlns="">
-      <p:transition spd="med">
-        <p:fade/>
-      </p:transition>
-    </mc:Fallback>
-  </mc:AlternateContent>
-  <p:timing>
-    <p:tnLst>
-      <p:par>
-        <p:cTn id="1" dur="indefinite" restart="never" nodeType="tmRoot"/>
-      </p:par>
-    </p:tnLst>
-  </p:timing>
-</p:sld>
-</file>
-
-<file path=ppt/slides/slide9.xml><?xml version="1.0" encoding="utf-8"?>
-<p:sld xmlns:a="http://schemas.openxmlformats.org/drawingml/2006/main" xmlns:r="http://schemas.openxmlformats.org/officeDocument/2006/relationships" xmlns:p="http://schemas.openxmlformats.org/presentationml/2006/main">
-  <p:cSld>
-    <p:spTree>
-      <p:nvGrpSpPr>
-        <p:cNvPr id="1" name=""/>
-        <p:cNvGrpSpPr/>
-        <p:nvPr/>
-      </p:nvGrpSpPr>
-      <p:grpSpPr>
-        <a:xfrm>
-          <a:off x="0" y="0"/>
-          <a:ext cx="0" cy="0"/>
-          <a:chOff x="0" y="0"/>
-          <a:chExt cx="0" cy="0"/>
-        </a:xfrm>
-      </p:grpSpPr>
-      <p:sp>
-        <p:nvSpPr>
-          <p:cNvPr id="2" name="Title 1"/>
-          <p:cNvSpPr>
-            <a:spLocks noGrp="1"/>
-          </p:cNvSpPr>
-          <p:nvPr>
-            <p:ph type="title"/>
-          </p:nvPr>
-        </p:nvSpPr>
-        <p:spPr/>
-        <p:txBody>
-          <a:bodyPr/>
-          <a:lstStyle/>
-          <a:p>
-            <a:r>
-              <a:rPr lang="en-US" smtClean="0"/>
-              <a:t>PGA Overview</a:t>
-            </a:r>
-            <a:endParaRPr lang="en-US" dirty="0"/>
-          </a:p>
-        </p:txBody>
-      </p:sp>
-      <p:pic>
-        <p:nvPicPr>
-          <p:cNvPr id="2052" name="Picture 4" descr="Description of Figure 14-4 follows"/>
-          <p:cNvPicPr>
-            <a:picLocks noChangeAspect="1" noChangeArrowheads="1"/>
-          </p:cNvPicPr>
-          <p:nvPr/>
-        </p:nvPicPr>
-        <p:blipFill>
-          <a:blip r:embed="rId3">
-            <a:extLst>
-              <a:ext uri="{28A0092B-C50C-407E-A947-70E740481C1C}">
-                <a14:useLocalDpi xmlns:a14="http://schemas.microsoft.com/office/drawing/2010/main" val="0"/>
-              </a:ext>
-            </a:extLst>
-          </a:blip>
-          <a:srcRect/>
-          <a:stretch>
-            <a:fillRect/>
-          </a:stretch>
-        </p:blipFill>
-        <p:spPr bwMode="auto">
-          <a:xfrm>
-            <a:off x="379412" y="1524000"/>
-            <a:ext cx="4791075" cy="1162050"/>
-          </a:xfrm>
-          <a:prstGeom prst="rect">
-            <a:avLst/>
-          </a:prstGeom>
-          <a:noFill/>
-          <a:extLst>
-            <a:ext uri="{909E8E84-426E-40DD-AFC4-6F175D3DCCD1}">
-              <a14:hiddenFill xmlns:a14="http://schemas.microsoft.com/office/drawing/2010/main">
-                <a:solidFill>
-                  <a:srgbClr val="FFFFFF"/>
-                </a:solidFill>
-              </a14:hiddenFill>
-            </a:ext>
-          </a:extLst>
-        </p:spPr>
-      </p:pic>
-      <p:sp>
-        <p:nvSpPr>
-          <p:cNvPr id="3" name="TextBox 2"/>
-          <p:cNvSpPr txBox="1"/>
-          <p:nvPr/>
-        </p:nvSpPr>
-        <p:spPr>
-          <a:xfrm>
-            <a:off x="1833537" y="3641178"/>
-            <a:ext cx="4265772" cy="2286000"/>
-          </a:xfrm>
-          <a:prstGeom prst="rect">
-            <a:avLst/>
-          </a:prstGeom>
-          <a:noFill/>
-        </p:spPr>
-        <p:txBody>
-          <a:bodyPr wrap="none" lIns="0" tIns="0" rIns="0" bIns="0" rtlCol="0">
-            <a:noAutofit/>
-          </a:bodyPr>
-          <a:lstStyle/>
-          <a:p>
-            <a:pPr algn="ctr"/>
-            <a:r>
-              <a:rPr lang="en-US" sz="2000" dirty="0" smtClean="0"/>
-              <a:t>   </a:t>
-            </a:r>
-            <a:r>
-              <a:rPr lang="en-US" sz="2000" b="1" dirty="0" smtClean="0"/>
-              <a:t>How do we measure it?</a:t>
-            </a:r>
-            <a:endParaRPr lang="en-US" sz="2000" dirty="0" smtClean="0"/>
-          </a:p>
-          <a:p>
-            <a:pPr marL="342900" indent="-342900">
-              <a:buFont typeface="Arial" panose="020B0604020202020204" pitchFamily="34" charset="0"/>
-              <a:buChar char="•"/>
-            </a:pPr>
-            <a:endParaRPr lang="en-US" sz="2000" dirty="0"/>
-          </a:p>
-          <a:p>
-            <a:pPr marL="342900" indent="-342900">
-              <a:buFont typeface="Arial" panose="020B0604020202020204" pitchFamily="34" charset="0"/>
-              <a:buChar char="•"/>
-            </a:pPr>
-            <a:r>
-              <a:rPr lang="en-US" sz="2000" dirty="0" smtClean="0"/>
-              <a:t>V$PGASTAT</a:t>
-            </a:r>
-            <a:r>
-              <a:rPr lang="en-US" sz="2000" dirty="0"/>
-              <a:t> </a:t>
-            </a:r>
-            <a:endParaRPr lang="en-US" sz="2000" dirty="0" smtClean="0"/>
-          </a:p>
-          <a:p>
-            <a:pPr marL="342900" indent="-342900">
-              <a:buFont typeface="Arial" panose="020B0604020202020204" pitchFamily="34" charset="0"/>
-              <a:buChar char="•"/>
-            </a:pPr>
-            <a:r>
-              <a:rPr lang="en-US" sz="2000" dirty="0" smtClean="0"/>
-              <a:t>V$PROCESS</a:t>
-            </a:r>
-          </a:p>
-          <a:p>
-            <a:pPr marL="342900" indent="-342900">
-              <a:buFont typeface="Arial" panose="020B0604020202020204" pitchFamily="34" charset="0"/>
-              <a:buChar char="•"/>
-            </a:pPr>
-            <a:r>
-              <a:rPr lang="en-US" sz="2000" dirty="0" smtClean="0"/>
-              <a:t>V$SQL_WORKAREA_ACTIVE         </a:t>
-            </a:r>
-          </a:p>
-          <a:p>
-            <a:pPr marL="342900" indent="-342900">
-              <a:buFont typeface="Arial" panose="020B0604020202020204" pitchFamily="34" charset="0"/>
-              <a:buChar char="•"/>
-            </a:pPr>
-            <a:r>
-              <a:rPr lang="en-US" sz="2000" dirty="0" smtClean="0"/>
-              <a:t>V$SQL_WORKAREA</a:t>
-            </a:r>
-            <a:endParaRPr lang="en-US" sz="2000" dirty="0"/>
-          </a:p>
-          <a:p>
-            <a:pPr marL="342900" indent="-342900">
-              <a:buFont typeface="Arial" panose="020B0604020202020204" pitchFamily="34" charset="0"/>
-              <a:buChar char="•"/>
-            </a:pPr>
-            <a:endParaRPr lang="en-US" sz="2000" dirty="0"/>
-          </a:p>
-        </p:txBody>
-      </p:sp>
-      <p:sp>
-        <p:nvSpPr>
-          <p:cNvPr id="6" name="TextBox 5"/>
-          <p:cNvSpPr txBox="1"/>
-          <p:nvPr/>
-        </p:nvSpPr>
-        <p:spPr>
-          <a:xfrm>
-            <a:off x="7522844" y="1526628"/>
-            <a:ext cx="3388677" cy="4400550"/>
-          </a:xfrm>
-          <a:prstGeom prst="rect">
-            <a:avLst/>
-          </a:prstGeom>
-          <a:noFill/>
-        </p:spPr>
-        <p:txBody>
-          <a:bodyPr wrap="none" lIns="0" tIns="0" rIns="0" bIns="0" rtlCol="0">
-            <a:noAutofit/>
-          </a:bodyPr>
-          <a:lstStyle/>
-          <a:p>
-            <a:pPr algn="ctr">
-              <a:lnSpc>
-                <a:spcPct val="90000"/>
-              </a:lnSpc>
-            </a:pPr>
-            <a:r>
-              <a:rPr lang="en-US" sz="2000" b="1" dirty="0" smtClean="0"/>
-              <a:t>Parameters</a:t>
-            </a:r>
-          </a:p>
-          <a:p>
-            <a:pPr algn="ctr">
-              <a:lnSpc>
-                <a:spcPct val="90000"/>
-              </a:lnSpc>
-            </a:pPr>
-            <a:endParaRPr lang="en-US" sz="2000" b="1" dirty="0"/>
-          </a:p>
-          <a:p>
-            <a:pPr marL="342900" indent="-342900">
-              <a:lnSpc>
-                <a:spcPct val="90000"/>
-              </a:lnSpc>
-              <a:buFont typeface="Arial" panose="020B0604020202020204" pitchFamily="34" charset="0"/>
-              <a:buChar char="•"/>
-            </a:pPr>
-            <a:endParaRPr lang="en-US" sz="2000" dirty="0" smtClean="0"/>
-          </a:p>
-          <a:p>
-            <a:pPr marL="342900" indent="-342900">
-              <a:lnSpc>
-                <a:spcPct val="90000"/>
-              </a:lnSpc>
-              <a:buFont typeface="Arial" panose="020B0604020202020204" pitchFamily="34" charset="0"/>
-              <a:buChar char="•"/>
-            </a:pPr>
-            <a:r>
-              <a:rPr lang="en-US" sz="2000" dirty="0" smtClean="0"/>
-              <a:t>PGA_AGGREGATE_TARGET</a:t>
-            </a:r>
-          </a:p>
-          <a:p>
-            <a:pPr marL="342900" indent="-342900">
-              <a:lnSpc>
-                <a:spcPct val="90000"/>
-              </a:lnSpc>
-              <a:buFont typeface="Arial" panose="020B0604020202020204" pitchFamily="34" charset="0"/>
-              <a:buChar char="•"/>
-            </a:pPr>
-            <a:endParaRPr lang="en-US" sz="2000" dirty="0"/>
-          </a:p>
-          <a:p>
-            <a:pPr marL="342900" indent="-342900">
-              <a:lnSpc>
-                <a:spcPct val="90000"/>
-              </a:lnSpc>
-              <a:buFont typeface="Arial" panose="020B0604020202020204" pitchFamily="34" charset="0"/>
-              <a:buChar char="•"/>
-            </a:pPr>
-            <a:endParaRPr lang="en-US" sz="2000" dirty="0" smtClean="0"/>
-          </a:p>
-          <a:p>
-            <a:pPr marL="342900" indent="-342900">
-              <a:lnSpc>
-                <a:spcPct val="90000"/>
-              </a:lnSpc>
-              <a:buFont typeface="Arial" panose="020B0604020202020204" pitchFamily="34" charset="0"/>
-              <a:buChar char="•"/>
-            </a:pPr>
-            <a:r>
-              <a:rPr lang="en-US" sz="2000" dirty="0" smtClean="0"/>
-              <a:t>WORK_AREA_SIZE_POLICY</a:t>
-            </a:r>
-          </a:p>
-          <a:p>
-            <a:pPr marL="342900" indent="-342900">
-              <a:lnSpc>
-                <a:spcPct val="90000"/>
-              </a:lnSpc>
-              <a:buFont typeface="Arial" panose="020B0604020202020204" pitchFamily="34" charset="0"/>
-              <a:buChar char="•"/>
-            </a:pPr>
-            <a:r>
-              <a:rPr lang="en-US" sz="2000" dirty="0" smtClean="0"/>
-              <a:t>*_AREA_SIZE</a:t>
-            </a:r>
-          </a:p>
-          <a:p>
-            <a:pPr marL="342900" indent="-342900">
-              <a:lnSpc>
-                <a:spcPct val="90000"/>
-              </a:lnSpc>
-              <a:buFont typeface="Arial" panose="020B0604020202020204" pitchFamily="34" charset="0"/>
-              <a:buChar char="•"/>
-            </a:pPr>
-            <a:endParaRPr lang="en-US" sz="2000" dirty="0" smtClean="0"/>
-          </a:p>
-          <a:p>
-            <a:pPr marL="342900" indent="-342900">
-              <a:lnSpc>
-                <a:spcPct val="90000"/>
-              </a:lnSpc>
-              <a:buFont typeface="Arial" panose="020B0604020202020204" pitchFamily="34" charset="0"/>
-              <a:buChar char="•"/>
-            </a:pPr>
-            <a:endParaRPr lang="en-US" sz="2000" b="1" dirty="0" smtClean="0"/>
-          </a:p>
-        </p:txBody>
-      </p:sp>
-    </p:spTree>
-    <p:extLst>
-      <p:ext uri="{BB962C8B-B14F-4D97-AF65-F5344CB8AC3E}">
-        <p14:creationId xmlns:p14="http://schemas.microsoft.com/office/powerpoint/2010/main" val="479161441"/>
       </p:ext>
     </p:extLst>
   </p:cSld>
